--- a/Grocery Recommendation System - Executive Presentation.pptx
+++ b/Grocery Recommendation System - Executive Presentation.pptx
@@ -2,44 +2,49 @@
 <file path=ppt/presentation.xml><?xml version="1.0" encoding="utf-8"?>
 <p:presentation xmlns:a="http://schemas.openxmlformats.org/drawingml/2006/main" xmlns:r="http://schemas.openxmlformats.org/officeDocument/2006/relationships" xmlns:mc="http://schemas.openxmlformats.org/markup-compatibility/2006" xmlns:mv="urn:schemas-microsoft-com:mac:vml" xmlns:p="http://schemas.openxmlformats.org/presentationml/2006/main" xmlns:c="http://schemas.openxmlformats.org/drawingml/2006/chart" xmlns:dgm="http://schemas.openxmlformats.org/drawingml/2006/diagram" xmlns:o="urn:schemas-microsoft-com:office:office" xmlns:v="urn:schemas-microsoft-com:vml" xmlns:pvml="urn:schemas-microsoft-com:office:powerpoint" xmlns:com="http://schemas.openxmlformats.org/drawingml/2006/compatibility" xmlns:p14="http://schemas.microsoft.com/office/powerpoint/2010/main" xmlns:p15="http://schemas.microsoft.com/office/powerpoint/2012/main" xmlns:ahyp="http://schemas.microsoft.com/office/drawing/2018/hyperlinkcolor" autoCompressPictures="0" embedTrueTypeFonts="1" strictFirstAndLastChars="0" saveSubsetFonts="1">
   <p:sldMasterIdLst>
-    <p:sldMasterId id="2147483659" r:id="rId4"/>
+    <p:sldMasterId id="2147483659" r:id="rId5"/>
   </p:sldMasterIdLst>
   <p:notesMasterIdLst>
-    <p:notesMasterId r:id="rId5"/>
+    <p:notesMasterId r:id="rId6"/>
   </p:notesMasterIdLst>
   <p:sldIdLst>
-    <p:sldId id="256" r:id="rId6"/>
-    <p:sldId id="257" r:id="rId7"/>
-    <p:sldId id="258" r:id="rId8"/>
-    <p:sldId id="259" r:id="rId9"/>
-    <p:sldId id="260" r:id="rId10"/>
-    <p:sldId id="261" r:id="rId11"/>
-    <p:sldId id="262" r:id="rId12"/>
-    <p:sldId id="263" r:id="rId13"/>
-    <p:sldId id="264" r:id="rId14"/>
-    <p:sldId id="265" r:id="rId15"/>
-    <p:sldId id="266" r:id="rId16"/>
-    <p:sldId id="267" r:id="rId17"/>
-    <p:sldId id="268" r:id="rId18"/>
-    <p:sldId id="269" r:id="rId19"/>
-    <p:sldId id="270" r:id="rId20"/>
+    <p:sldId id="256" r:id="rId7"/>
+    <p:sldId id="257" r:id="rId8"/>
+    <p:sldId id="258" r:id="rId9"/>
+    <p:sldId id="259" r:id="rId10"/>
+    <p:sldId id="260" r:id="rId11"/>
+    <p:sldId id="261" r:id="rId12"/>
+    <p:sldId id="262" r:id="rId13"/>
+    <p:sldId id="263" r:id="rId14"/>
+    <p:sldId id="264" r:id="rId15"/>
+    <p:sldId id="265" r:id="rId16"/>
+    <p:sldId id="266" r:id="rId17"/>
+    <p:sldId id="267" r:id="rId18"/>
+    <p:sldId id="268" r:id="rId19"/>
+    <p:sldId id="269" r:id="rId20"/>
+    <p:sldId id="270" r:id="rId21"/>
+    <p:sldId id="271" r:id="rId22"/>
+    <p:sldId id="272" r:id="rId23"/>
+    <p:sldId id="273" r:id="rId24"/>
+    <p:sldId id="274" r:id="rId25"/>
+    <p:sldId id="275" r:id="rId26"/>
   </p:sldIdLst>
   <p:sldSz cy="5143500" cx="9144000"/>
   <p:notesSz cx="6858000" cy="9144000"/>
   <p:embeddedFontLst>
     <p:embeddedFont>
       <p:font typeface="Montserrat"/>
-      <p:regular r:id="rId21"/>
-      <p:bold r:id="rId22"/>
-      <p:italic r:id="rId23"/>
-      <p:boldItalic r:id="rId24"/>
+      <p:regular r:id="rId27"/>
+      <p:bold r:id="rId28"/>
+      <p:italic r:id="rId29"/>
+      <p:boldItalic r:id="rId30"/>
     </p:embeddedFont>
     <p:embeddedFont>
       <p:font typeface="Lato"/>
-      <p:regular r:id="rId25"/>
-      <p:bold r:id="rId26"/>
-      <p:italic r:id="rId27"/>
-      <p:boldItalic r:id="rId28"/>
+      <p:regular r:id="rId31"/>
+      <p:bold r:id="rId32"/>
+      <p:italic r:id="rId33"/>
+      <p:boldItalic r:id="rId34"/>
     </p:embeddedFont>
   </p:embeddedFontLst>
   <p:defaultTextStyle>
@@ -820,7 +825,7 @@
   <p:cSld>
     <p:spTree>
       <p:nvGrpSpPr>
-        <p:cNvPr id="186" name="Shape 186"/>
+        <p:cNvPr id="188" name="Shape 188"/>
         <p:cNvGrpSpPr/>
         <p:nvPr/>
       </p:nvGrpSpPr>
@@ -834,7 +839,7 @@
       </p:grpSpPr>
       <p:sp>
         <p:nvSpPr>
-          <p:cNvPr id="187" name="Google Shape;187;geb22954a9f_0_347:notes"/>
+          <p:cNvPr id="189" name="Google Shape;189;geb22954a9f_0_332:notes"/>
           <p:cNvSpPr/>
           <p:nvPr>
             <p:ph idx="2" type="sldImg"/>
@@ -869,7 +874,7 @@
       </p:sp>
       <p:sp>
         <p:nvSpPr>
-          <p:cNvPr id="188" name="Google Shape;188;geb22954a9f_0_347:notes"/>
+          <p:cNvPr id="190" name="Google Shape;190;geb22954a9f_0_332:notes"/>
           <p:cNvSpPr txBox="1"/>
           <p:nvPr>
             <p:ph idx="1" type="body"/>
@@ -919,7 +924,7 @@
   <p:cSld>
     <p:spTree>
       <p:nvGrpSpPr>
-        <p:cNvPr id="192" name="Shape 192"/>
+        <p:cNvPr id="194" name="Shape 194"/>
         <p:cNvGrpSpPr/>
         <p:nvPr/>
       </p:nvGrpSpPr>
@@ -933,7 +938,7 @@
       </p:grpSpPr>
       <p:sp>
         <p:nvSpPr>
-          <p:cNvPr id="193" name="Google Shape;193;geb22954a9f_0_375:notes"/>
+          <p:cNvPr id="195" name="Google Shape;195;geb22954a9f_0_337:notes"/>
           <p:cNvSpPr/>
           <p:nvPr>
             <p:ph idx="2" type="sldImg"/>
@@ -968,7 +973,7 @@
       </p:sp>
       <p:sp>
         <p:nvSpPr>
-          <p:cNvPr id="194" name="Google Shape;194;geb22954a9f_0_375:notes"/>
+          <p:cNvPr id="196" name="Google Shape;196;geb22954a9f_0_337:notes"/>
           <p:cNvSpPr txBox="1"/>
           <p:nvPr>
             <p:ph idx="1" type="body"/>
@@ -989,84 +994,19 @@
           </a:bodyPr>
           <a:lstStyle/>
           <a:p>
-            <a:pPr indent="-317500" lvl="0" marL="457200" rtl="0" algn="l">
-              <a:lnSpc>
-                <a:spcPct val="115000"/>
-              </a:lnSpc>
-              <a:spcBef>
-                <a:spcPts val="0"/>
-              </a:spcBef>
-              <a:spcAft>
-                <a:spcPts val="0"/>
-              </a:spcAft>
-              <a:buClr>
-                <a:schemeClr val="dk1"/>
-              </a:buClr>
-              <a:buSzPts val="1400"/>
-              <a:buFont typeface="Lato"/>
-              <a:buChar char="●"/>
-            </a:pPr>
-            <a:r>
-              <a:rPr lang="en" sz="1400">
-                <a:solidFill>
-                  <a:schemeClr val="dk1"/>
-                </a:solidFill>
-                <a:latin typeface="Lato"/>
-                <a:ea typeface="Lato"/>
-                <a:cs typeface="Lato"/>
-                <a:sym typeface="Lato"/>
-              </a:rPr>
-              <a:t>F1-score is good for uneven class distribution</a:t>
-            </a:r>
-            <a:endParaRPr sz="1400">
-              <a:solidFill>
-                <a:schemeClr val="dk1"/>
-              </a:solidFill>
-              <a:latin typeface="Lato"/>
-              <a:ea typeface="Lato"/>
-              <a:cs typeface="Lato"/>
-              <a:sym typeface="Lato"/>
-            </a:endParaRPr>
-          </a:p>
-          <a:p>
-            <a:pPr indent="-317500" lvl="0" marL="457200" rtl="0" algn="l">
-              <a:lnSpc>
-                <a:spcPct val="115000"/>
-              </a:lnSpc>
-              <a:spcBef>
-                <a:spcPts val="0"/>
-              </a:spcBef>
-              <a:spcAft>
-                <a:spcPts val="0"/>
-              </a:spcAft>
-              <a:buClr>
-                <a:schemeClr val="dk1"/>
-              </a:buClr>
-              <a:buSzPts val="1400"/>
-              <a:buFont typeface="Lato"/>
-              <a:buChar char="●"/>
-            </a:pPr>
-            <a:r>
-              <a:rPr lang="en" sz="1400">
-                <a:solidFill>
-                  <a:schemeClr val="dk1"/>
-                </a:solidFill>
-                <a:latin typeface="Lato"/>
-                <a:ea typeface="Lato"/>
-                <a:cs typeface="Lato"/>
-                <a:sym typeface="Lato"/>
-              </a:rPr>
-              <a:t>This is also why switched to use precision-recall curve instead of ROC-curve.</a:t>
-            </a:r>
-            <a:endParaRPr sz="1400">
-              <a:solidFill>
-                <a:schemeClr val="dk1"/>
-              </a:solidFill>
-              <a:latin typeface="Lato"/>
-              <a:ea typeface="Lato"/>
-              <a:cs typeface="Lato"/>
-              <a:sym typeface="Lato"/>
-            </a:endParaRPr>
+            <a:pPr indent="0" lvl="0" marL="0" rtl="0" algn="l">
+              <a:spcBef>
+                <a:spcPts val="0"/>
+              </a:spcBef>
+              <a:spcAft>
+                <a:spcPts val="0"/>
+              </a:spcAft>
+              <a:buNone/>
+            </a:pPr>
+            <a:r>
+              <a:t/>
+            </a:r>
+            <a:endParaRPr/>
           </a:p>
         </p:txBody>
       </p:sp>
@@ -1083,7 +1023,7 @@
   <p:cSld>
     <p:spTree>
       <p:nvGrpSpPr>
-        <p:cNvPr id="198" name="Shape 198"/>
+        <p:cNvPr id="200" name="Shape 200"/>
         <p:cNvGrpSpPr/>
         <p:nvPr/>
       </p:nvGrpSpPr>
@@ -1097,7 +1037,7 @@
       </p:grpSpPr>
       <p:sp>
         <p:nvSpPr>
-          <p:cNvPr id="199" name="Google Shape;199;geb22954a9f_0_300:notes"/>
+          <p:cNvPr id="201" name="Google Shape;201;geb22954a9f_0_342:notes"/>
           <p:cNvSpPr/>
           <p:nvPr>
             <p:ph idx="2" type="sldImg"/>
@@ -1132,7 +1072,7 @@
       </p:sp>
       <p:sp>
         <p:nvSpPr>
-          <p:cNvPr id="200" name="Google Shape;200;geb22954a9f_0_300:notes"/>
+          <p:cNvPr id="202" name="Google Shape;202;geb22954a9f_0_342:notes"/>
           <p:cNvSpPr txBox="1"/>
           <p:nvPr>
             <p:ph idx="1" type="body"/>
@@ -1182,7 +1122,7 @@
   <p:cSld>
     <p:spTree>
       <p:nvGrpSpPr>
-        <p:cNvPr id="204" name="Shape 204"/>
+        <p:cNvPr id="207" name="Shape 207"/>
         <p:cNvGrpSpPr/>
         <p:nvPr/>
       </p:nvGrpSpPr>
@@ -1196,7 +1136,7 @@
       </p:grpSpPr>
       <p:sp>
         <p:nvSpPr>
-          <p:cNvPr id="205" name="Google Shape;205;geb22954a9f_0_352:notes"/>
+          <p:cNvPr id="208" name="Google Shape;208;geb22954a9f_0_347:notes"/>
           <p:cNvSpPr/>
           <p:nvPr>
             <p:ph idx="2" type="sldImg"/>
@@ -1231,7 +1171,7 @@
       </p:sp>
       <p:sp>
         <p:nvSpPr>
-          <p:cNvPr id="206" name="Google Shape;206;geb22954a9f_0_352:notes"/>
+          <p:cNvPr id="209" name="Google Shape;209;geb22954a9f_0_347:notes"/>
           <p:cNvSpPr txBox="1"/>
           <p:nvPr>
             <p:ph idx="1" type="body"/>
@@ -1281,7 +1221,7 @@
   <p:cSld>
     <p:spTree>
       <p:nvGrpSpPr>
-        <p:cNvPr id="211" name="Shape 211"/>
+        <p:cNvPr id="213" name="Shape 213"/>
         <p:cNvGrpSpPr/>
         <p:nvPr/>
       </p:nvGrpSpPr>
@@ -1295,7 +1235,7 @@
       </p:grpSpPr>
       <p:sp>
         <p:nvSpPr>
-          <p:cNvPr id="212" name="Google Shape;212;geb22954a9f_0_362:notes"/>
+          <p:cNvPr id="214" name="Google Shape;214;geb22954a9f_0_375:notes"/>
           <p:cNvSpPr/>
           <p:nvPr>
             <p:ph idx="2" type="sldImg"/>
@@ -1330,7 +1270,7 @@
       </p:sp>
       <p:sp>
         <p:nvSpPr>
-          <p:cNvPr id="213" name="Google Shape;213;geb22954a9f_0_362:notes"/>
+          <p:cNvPr id="215" name="Google Shape;215;geb22954a9f_0_375:notes"/>
           <p:cNvSpPr txBox="1"/>
           <p:nvPr>
             <p:ph idx="1" type="body"/>
@@ -1351,19 +1291,44 @@
           </a:bodyPr>
           <a:lstStyle/>
           <a:p>
-            <a:pPr indent="0" lvl="0" marL="0" rtl="0" algn="l">
-              <a:spcBef>
-                <a:spcPts val="0"/>
-              </a:spcBef>
-              <a:spcAft>
-                <a:spcPts val="0"/>
-              </a:spcAft>
-              <a:buNone/>
-            </a:pPr>
-            <a:r>
-              <a:t/>
-            </a:r>
-            <a:endParaRPr/>
+            <a:pPr indent="-317500" lvl="0" marL="457200" rtl="0" algn="l">
+              <a:lnSpc>
+                <a:spcPct val="115000"/>
+              </a:lnSpc>
+              <a:spcBef>
+                <a:spcPts val="0"/>
+              </a:spcBef>
+              <a:spcAft>
+                <a:spcPts val="0"/>
+              </a:spcAft>
+              <a:buClr>
+                <a:schemeClr val="dk1"/>
+              </a:buClr>
+              <a:buSzPts val="1400"/>
+              <a:buFont typeface="Lato"/>
+              <a:buChar char="●"/>
+            </a:pPr>
+            <a:r>
+              <a:rPr lang="en" sz="1400">
+                <a:solidFill>
+                  <a:schemeClr val="dk1"/>
+                </a:solidFill>
+                <a:latin typeface="Lato"/>
+                <a:ea typeface="Lato"/>
+                <a:cs typeface="Lato"/>
+                <a:sym typeface="Lato"/>
+              </a:rPr>
+              <a:t>F1-score is good for uneven class distribution</a:t>
+            </a:r>
+            <a:endParaRPr sz="1400">
+              <a:solidFill>
+                <a:schemeClr val="dk1"/>
+              </a:solidFill>
+              <a:latin typeface="Lato"/>
+              <a:ea typeface="Lato"/>
+              <a:cs typeface="Lato"/>
+              <a:sym typeface="Lato"/>
+            </a:endParaRPr>
           </a:p>
         </p:txBody>
       </p:sp>
@@ -1380,7 +1345,7 @@
   <p:cSld>
     <p:spTree>
       <p:nvGrpSpPr>
-        <p:cNvPr id="217" name="Shape 217"/>
+        <p:cNvPr id="219" name="Shape 219"/>
         <p:cNvGrpSpPr/>
         <p:nvPr/>
       </p:nvGrpSpPr>
@@ -1394,7 +1359,7 @@
       </p:grpSpPr>
       <p:sp>
         <p:nvSpPr>
-          <p:cNvPr id="218" name="Google Shape;218;geb22954a9f_0_305:notes"/>
+          <p:cNvPr id="220" name="Google Shape;220;gcb20cd30e2_0_21:notes"/>
           <p:cNvSpPr/>
           <p:nvPr>
             <p:ph idx="2" type="sldImg"/>
@@ -1429,7 +1394,482 @@
       </p:sp>
       <p:sp>
         <p:nvSpPr>
-          <p:cNvPr id="219" name="Google Shape;219;geb22954a9f_0_305:notes"/>
+          <p:cNvPr id="221" name="Google Shape;221;gcb20cd30e2_0_21:notes"/>
+          <p:cNvSpPr txBox="1"/>
+          <p:nvPr>
+            <p:ph idx="1" type="body"/>
+          </p:nvPr>
+        </p:nvSpPr>
+        <p:spPr>
+          <a:xfrm>
+            <a:off x="685800" y="4343400"/>
+            <a:ext cx="5486400" cy="4114800"/>
+          </a:xfrm>
+          <a:prstGeom prst="rect">
+            <a:avLst/>
+          </a:prstGeom>
+        </p:spPr>
+        <p:txBody>
+          <a:bodyPr anchorCtr="0" anchor="t" bIns="91425" lIns="91425" spcFirstLastPara="1" rIns="91425" wrap="square" tIns="91425">
+            <a:noAutofit/>
+          </a:bodyPr>
+          <a:lstStyle/>
+          <a:p>
+            <a:pPr indent="0" lvl="0" marL="0" rtl="0" algn="l">
+              <a:lnSpc>
+                <a:spcPct val="115000"/>
+              </a:lnSpc>
+              <a:spcBef>
+                <a:spcPts val="0"/>
+              </a:spcBef>
+              <a:spcAft>
+                <a:spcPts val="0"/>
+              </a:spcAft>
+              <a:buNone/>
+            </a:pPr>
+            <a:r>
+              <a:rPr lang="en" sz="1400">
+                <a:solidFill>
+                  <a:schemeClr val="dk1"/>
+                </a:solidFill>
+                <a:latin typeface="Lato"/>
+                <a:ea typeface="Lato"/>
+                <a:cs typeface="Lato"/>
+                <a:sym typeface="Lato"/>
+              </a:rPr>
+              <a:t>Switched to use precision-recall curve instead of ROC-curve </a:t>
+            </a:r>
+            <a:r>
+              <a:rPr lang="en" sz="1400">
+                <a:solidFill>
+                  <a:schemeClr val="dk1"/>
+                </a:solidFill>
+                <a:latin typeface="Lato"/>
+                <a:ea typeface="Lato"/>
+                <a:cs typeface="Lato"/>
+                <a:sym typeface="Lato"/>
+              </a:rPr>
+              <a:t>because of </a:t>
+            </a:r>
+            <a:r>
+              <a:rPr lang="en" sz="1400">
+                <a:solidFill>
+                  <a:srgbClr val="1B212C"/>
+                </a:solidFill>
+                <a:latin typeface="Lato"/>
+                <a:ea typeface="Lato"/>
+                <a:cs typeface="Lato"/>
+                <a:sym typeface="Lato"/>
+              </a:rPr>
+              <a:t>uneven class distribution</a:t>
+            </a:r>
+            <a:endParaRPr sz="1400">
+              <a:solidFill>
+                <a:srgbClr val="1B212C"/>
+              </a:solidFill>
+              <a:latin typeface="Lato"/>
+              <a:ea typeface="Lato"/>
+              <a:cs typeface="Lato"/>
+              <a:sym typeface="Lato"/>
+            </a:endParaRPr>
+          </a:p>
+          <a:p>
+            <a:pPr indent="0" lvl="0" marL="0" rtl="0" algn="l">
+              <a:lnSpc>
+                <a:spcPct val="115000"/>
+              </a:lnSpc>
+              <a:spcBef>
+                <a:spcPts val="1200"/>
+              </a:spcBef>
+              <a:spcAft>
+                <a:spcPts val="1200"/>
+              </a:spcAft>
+              <a:buNone/>
+            </a:pPr>
+            <a:r>
+              <a:rPr lang="en" sz="1400">
+                <a:solidFill>
+                  <a:schemeClr val="dk1"/>
+                </a:solidFill>
+                <a:latin typeface="Lato"/>
+                <a:ea typeface="Lato"/>
+                <a:cs typeface="Lato"/>
+                <a:sym typeface="Lato"/>
+              </a:rPr>
+              <a:t>.</a:t>
+            </a:r>
+            <a:endParaRPr sz="1400">
+              <a:solidFill>
+                <a:schemeClr val="dk1"/>
+              </a:solidFill>
+              <a:latin typeface="Lato"/>
+              <a:ea typeface="Lato"/>
+              <a:cs typeface="Lato"/>
+              <a:sym typeface="Lato"/>
+            </a:endParaRPr>
+          </a:p>
+        </p:txBody>
+      </p:sp>
+    </p:spTree>
+  </p:cSld>
+  <p:clrMapOvr>
+    <a:masterClrMapping/>
+  </p:clrMapOvr>
+</p:notes>
+</file>
+
+<file path=ppt/notesSlides/notesSlide16.xml><?xml version="1.0" encoding="utf-8"?>
+<p:notes xmlns:a="http://schemas.openxmlformats.org/drawingml/2006/main" xmlns:r="http://schemas.openxmlformats.org/officeDocument/2006/relationships" xmlns:mc="http://schemas.openxmlformats.org/markup-compatibility/2006" xmlns:mv="urn:schemas-microsoft-com:mac:vml" xmlns:p="http://schemas.openxmlformats.org/presentationml/2006/main" xmlns:c="http://schemas.openxmlformats.org/drawingml/2006/chart" xmlns:dgm="http://schemas.openxmlformats.org/drawingml/2006/diagram" xmlns:o="urn:schemas-microsoft-com:office:office" xmlns:v="urn:schemas-microsoft-com:vml" xmlns:pvml="urn:schemas-microsoft-com:office:powerpoint" xmlns:com="http://schemas.openxmlformats.org/drawingml/2006/compatibility" xmlns:p14="http://schemas.microsoft.com/office/powerpoint/2010/main" xmlns:p15="http://schemas.microsoft.com/office/powerpoint/2012/main" xmlns:ahyp="http://schemas.microsoft.com/office/drawing/2018/hyperlinkcolor" showMasterPhAnim="0" showMasterSp="0">
+  <p:cSld>
+    <p:spTree>
+      <p:nvGrpSpPr>
+        <p:cNvPr id="226" name="Shape 226"/>
+        <p:cNvGrpSpPr/>
+        <p:nvPr/>
+      </p:nvGrpSpPr>
+      <p:grpSpPr>
+        <a:xfrm>
+          <a:off x="0" y="0"/>
+          <a:ext cx="0" cy="0"/>
+          <a:chOff x="0" y="0"/>
+          <a:chExt cx="0" cy="0"/>
+        </a:xfrm>
+      </p:grpSpPr>
+      <p:sp>
+        <p:nvSpPr>
+          <p:cNvPr id="227" name="Google Shape;227;geb22954a9f_0_300:notes"/>
+          <p:cNvSpPr/>
+          <p:nvPr>
+            <p:ph idx="2" type="sldImg"/>
+          </p:nvPr>
+        </p:nvSpPr>
+        <p:spPr>
+          <a:xfrm>
+            <a:off x="381300" y="685800"/>
+            <a:ext cx="6096000" cy="3429000"/>
+          </a:xfrm>
+          <a:custGeom>
+            <a:rect b="b" l="l" r="r" t="t"/>
+            <a:pathLst>
+              <a:path extrusionOk="0" h="120000" w="120000">
+                <a:moveTo>
+                  <a:pt x="0" y="0"/>
+                </a:moveTo>
+                <a:lnTo>
+                  <a:pt x="120000" y="0"/>
+                </a:lnTo>
+                <a:lnTo>
+                  <a:pt x="120000" y="120000"/>
+                </a:lnTo>
+                <a:lnTo>
+                  <a:pt x="0" y="120000"/>
+                </a:lnTo>
+                <a:close/>
+              </a:path>
+            </a:pathLst>
+          </a:custGeom>
+        </p:spPr>
+      </p:sp>
+      <p:sp>
+        <p:nvSpPr>
+          <p:cNvPr id="228" name="Google Shape;228;geb22954a9f_0_300:notes"/>
+          <p:cNvSpPr txBox="1"/>
+          <p:nvPr>
+            <p:ph idx="1" type="body"/>
+          </p:nvPr>
+        </p:nvSpPr>
+        <p:spPr>
+          <a:xfrm>
+            <a:off x="685800" y="4343400"/>
+            <a:ext cx="5486400" cy="4114800"/>
+          </a:xfrm>
+          <a:prstGeom prst="rect">
+            <a:avLst/>
+          </a:prstGeom>
+        </p:spPr>
+        <p:txBody>
+          <a:bodyPr anchorCtr="0" anchor="t" bIns="91425" lIns="91425" spcFirstLastPara="1" rIns="91425" wrap="square" tIns="91425">
+            <a:noAutofit/>
+          </a:bodyPr>
+          <a:lstStyle/>
+          <a:p>
+            <a:pPr indent="0" lvl="0" marL="0" rtl="0" algn="l">
+              <a:spcBef>
+                <a:spcPts val="0"/>
+              </a:spcBef>
+              <a:spcAft>
+                <a:spcPts val="0"/>
+              </a:spcAft>
+              <a:buNone/>
+            </a:pPr>
+            <a:r>
+              <a:t/>
+            </a:r>
+            <a:endParaRPr/>
+          </a:p>
+        </p:txBody>
+      </p:sp>
+    </p:spTree>
+  </p:cSld>
+  <p:clrMapOvr>
+    <a:masterClrMapping/>
+  </p:clrMapOvr>
+</p:notes>
+</file>
+
+<file path=ppt/notesSlides/notesSlide17.xml><?xml version="1.0" encoding="utf-8"?>
+<p:notes xmlns:a="http://schemas.openxmlformats.org/drawingml/2006/main" xmlns:r="http://schemas.openxmlformats.org/officeDocument/2006/relationships" xmlns:mc="http://schemas.openxmlformats.org/markup-compatibility/2006" xmlns:mv="urn:schemas-microsoft-com:mac:vml" xmlns:p="http://schemas.openxmlformats.org/presentationml/2006/main" xmlns:c="http://schemas.openxmlformats.org/drawingml/2006/chart" xmlns:dgm="http://schemas.openxmlformats.org/drawingml/2006/diagram" xmlns:o="urn:schemas-microsoft-com:office:office" xmlns:v="urn:schemas-microsoft-com:vml" xmlns:pvml="urn:schemas-microsoft-com:office:powerpoint" xmlns:com="http://schemas.openxmlformats.org/drawingml/2006/compatibility" xmlns:p14="http://schemas.microsoft.com/office/powerpoint/2010/main" xmlns:p15="http://schemas.microsoft.com/office/powerpoint/2012/main" xmlns:ahyp="http://schemas.microsoft.com/office/drawing/2018/hyperlinkcolor" showMasterPhAnim="0" showMasterSp="0">
+  <p:cSld>
+    <p:spTree>
+      <p:nvGrpSpPr>
+        <p:cNvPr id="232" name="Shape 232"/>
+        <p:cNvGrpSpPr/>
+        <p:nvPr/>
+      </p:nvGrpSpPr>
+      <p:grpSpPr>
+        <a:xfrm>
+          <a:off x="0" y="0"/>
+          <a:ext cx="0" cy="0"/>
+          <a:chOff x="0" y="0"/>
+          <a:chExt cx="0" cy="0"/>
+        </a:xfrm>
+      </p:grpSpPr>
+      <p:sp>
+        <p:nvSpPr>
+          <p:cNvPr id="233" name="Google Shape;233;gcb20cd30e2_0_28:notes"/>
+          <p:cNvSpPr/>
+          <p:nvPr>
+            <p:ph idx="2" type="sldImg"/>
+          </p:nvPr>
+        </p:nvSpPr>
+        <p:spPr>
+          <a:xfrm>
+            <a:off x="381300" y="685800"/>
+            <a:ext cx="6096000" cy="3429000"/>
+          </a:xfrm>
+          <a:custGeom>
+            <a:rect b="b" l="l" r="r" t="t"/>
+            <a:pathLst>
+              <a:path extrusionOk="0" h="120000" w="120000">
+                <a:moveTo>
+                  <a:pt x="0" y="0"/>
+                </a:moveTo>
+                <a:lnTo>
+                  <a:pt x="120000" y="0"/>
+                </a:lnTo>
+                <a:lnTo>
+                  <a:pt x="120000" y="120000"/>
+                </a:lnTo>
+                <a:lnTo>
+                  <a:pt x="0" y="120000"/>
+                </a:lnTo>
+                <a:close/>
+              </a:path>
+            </a:pathLst>
+          </a:custGeom>
+        </p:spPr>
+      </p:sp>
+      <p:sp>
+        <p:nvSpPr>
+          <p:cNvPr id="234" name="Google Shape;234;gcb20cd30e2_0_28:notes"/>
+          <p:cNvSpPr txBox="1"/>
+          <p:nvPr>
+            <p:ph idx="1" type="body"/>
+          </p:nvPr>
+        </p:nvSpPr>
+        <p:spPr>
+          <a:xfrm>
+            <a:off x="685800" y="4343400"/>
+            <a:ext cx="5486400" cy="4114800"/>
+          </a:xfrm>
+          <a:prstGeom prst="rect">
+            <a:avLst/>
+          </a:prstGeom>
+        </p:spPr>
+        <p:txBody>
+          <a:bodyPr anchorCtr="0" anchor="t" bIns="91425" lIns="91425" spcFirstLastPara="1" rIns="91425" wrap="square" tIns="91425">
+            <a:noAutofit/>
+          </a:bodyPr>
+          <a:lstStyle/>
+          <a:p>
+            <a:pPr indent="0" lvl="0" marL="0" rtl="0" algn="l">
+              <a:spcBef>
+                <a:spcPts val="0"/>
+              </a:spcBef>
+              <a:spcAft>
+                <a:spcPts val="0"/>
+              </a:spcAft>
+              <a:buNone/>
+            </a:pPr>
+            <a:r>
+              <a:t/>
+            </a:r>
+            <a:endParaRPr/>
+          </a:p>
+        </p:txBody>
+      </p:sp>
+    </p:spTree>
+  </p:cSld>
+  <p:clrMapOvr>
+    <a:masterClrMapping/>
+  </p:clrMapOvr>
+</p:notes>
+</file>
+
+<file path=ppt/notesSlides/notesSlide18.xml><?xml version="1.0" encoding="utf-8"?>
+<p:notes xmlns:a="http://schemas.openxmlformats.org/drawingml/2006/main" xmlns:r="http://schemas.openxmlformats.org/officeDocument/2006/relationships" xmlns:mc="http://schemas.openxmlformats.org/markup-compatibility/2006" xmlns:mv="urn:schemas-microsoft-com:mac:vml" xmlns:p="http://schemas.openxmlformats.org/presentationml/2006/main" xmlns:c="http://schemas.openxmlformats.org/drawingml/2006/chart" xmlns:dgm="http://schemas.openxmlformats.org/drawingml/2006/diagram" xmlns:o="urn:schemas-microsoft-com:office:office" xmlns:v="urn:schemas-microsoft-com:vml" xmlns:pvml="urn:schemas-microsoft-com:office:powerpoint" xmlns:com="http://schemas.openxmlformats.org/drawingml/2006/compatibility" xmlns:p14="http://schemas.microsoft.com/office/powerpoint/2010/main" xmlns:p15="http://schemas.microsoft.com/office/powerpoint/2012/main" xmlns:ahyp="http://schemas.microsoft.com/office/drawing/2018/hyperlinkcolor" showMasterPhAnim="0" showMasterSp="0">
+  <p:cSld>
+    <p:spTree>
+      <p:nvGrpSpPr>
+        <p:cNvPr id="238" name="Shape 238"/>
+        <p:cNvGrpSpPr/>
+        <p:nvPr/>
+      </p:nvGrpSpPr>
+      <p:grpSpPr>
+        <a:xfrm>
+          <a:off x="0" y="0"/>
+          <a:ext cx="0" cy="0"/>
+          <a:chOff x="0" y="0"/>
+          <a:chExt cx="0" cy="0"/>
+        </a:xfrm>
+      </p:grpSpPr>
+      <p:sp>
+        <p:nvSpPr>
+          <p:cNvPr id="239" name="Google Shape;239;geb22954a9f_0_352:notes"/>
+          <p:cNvSpPr/>
+          <p:nvPr>
+            <p:ph idx="2" type="sldImg"/>
+          </p:nvPr>
+        </p:nvSpPr>
+        <p:spPr>
+          <a:xfrm>
+            <a:off x="381300" y="685800"/>
+            <a:ext cx="6096000" cy="3429000"/>
+          </a:xfrm>
+          <a:custGeom>
+            <a:rect b="b" l="l" r="r" t="t"/>
+            <a:pathLst>
+              <a:path extrusionOk="0" h="120000" w="120000">
+                <a:moveTo>
+                  <a:pt x="0" y="0"/>
+                </a:moveTo>
+                <a:lnTo>
+                  <a:pt x="120000" y="0"/>
+                </a:lnTo>
+                <a:lnTo>
+                  <a:pt x="120000" y="120000"/>
+                </a:lnTo>
+                <a:lnTo>
+                  <a:pt x="0" y="120000"/>
+                </a:lnTo>
+                <a:close/>
+              </a:path>
+            </a:pathLst>
+          </a:custGeom>
+        </p:spPr>
+      </p:sp>
+      <p:sp>
+        <p:nvSpPr>
+          <p:cNvPr id="240" name="Google Shape;240;geb22954a9f_0_352:notes"/>
+          <p:cNvSpPr txBox="1"/>
+          <p:nvPr>
+            <p:ph idx="1" type="body"/>
+          </p:nvPr>
+        </p:nvSpPr>
+        <p:spPr>
+          <a:xfrm>
+            <a:off x="685800" y="4343400"/>
+            <a:ext cx="5486400" cy="4114800"/>
+          </a:xfrm>
+          <a:prstGeom prst="rect">
+            <a:avLst/>
+          </a:prstGeom>
+        </p:spPr>
+        <p:txBody>
+          <a:bodyPr anchorCtr="0" anchor="t" bIns="91425" lIns="91425" spcFirstLastPara="1" rIns="91425" wrap="square" tIns="91425">
+            <a:noAutofit/>
+          </a:bodyPr>
+          <a:lstStyle/>
+          <a:p>
+            <a:pPr indent="0" lvl="0" marL="0" rtl="0" algn="l">
+              <a:spcBef>
+                <a:spcPts val="0"/>
+              </a:spcBef>
+              <a:spcAft>
+                <a:spcPts val="0"/>
+              </a:spcAft>
+              <a:buNone/>
+            </a:pPr>
+            <a:r>
+              <a:t/>
+            </a:r>
+            <a:endParaRPr/>
+          </a:p>
+        </p:txBody>
+      </p:sp>
+    </p:spTree>
+  </p:cSld>
+  <p:clrMapOvr>
+    <a:masterClrMapping/>
+  </p:clrMapOvr>
+</p:notes>
+</file>
+
+<file path=ppt/notesSlides/notesSlide19.xml><?xml version="1.0" encoding="utf-8"?>
+<p:notes xmlns:a="http://schemas.openxmlformats.org/drawingml/2006/main" xmlns:r="http://schemas.openxmlformats.org/officeDocument/2006/relationships" xmlns:mc="http://schemas.openxmlformats.org/markup-compatibility/2006" xmlns:mv="urn:schemas-microsoft-com:mac:vml" xmlns:p="http://schemas.openxmlformats.org/presentationml/2006/main" xmlns:c="http://schemas.openxmlformats.org/drawingml/2006/chart" xmlns:dgm="http://schemas.openxmlformats.org/drawingml/2006/diagram" xmlns:o="urn:schemas-microsoft-com:office:office" xmlns:v="urn:schemas-microsoft-com:vml" xmlns:pvml="urn:schemas-microsoft-com:office:powerpoint" xmlns:com="http://schemas.openxmlformats.org/drawingml/2006/compatibility" xmlns:p14="http://schemas.microsoft.com/office/powerpoint/2010/main" xmlns:p15="http://schemas.microsoft.com/office/powerpoint/2012/main" xmlns:ahyp="http://schemas.microsoft.com/office/drawing/2018/hyperlinkcolor" showMasterPhAnim="0" showMasterSp="0">
+  <p:cSld>
+    <p:spTree>
+      <p:nvGrpSpPr>
+        <p:cNvPr id="244" name="Shape 244"/>
+        <p:cNvGrpSpPr/>
+        <p:nvPr/>
+      </p:nvGrpSpPr>
+      <p:grpSpPr>
+        <a:xfrm>
+          <a:off x="0" y="0"/>
+          <a:ext cx="0" cy="0"/>
+          <a:chOff x="0" y="0"/>
+          <a:chExt cx="0" cy="0"/>
+        </a:xfrm>
+      </p:grpSpPr>
+      <p:sp>
+        <p:nvSpPr>
+          <p:cNvPr id="245" name="Google Shape;245;geb22954a9f_0_362:notes"/>
+          <p:cNvSpPr/>
+          <p:nvPr>
+            <p:ph idx="2" type="sldImg"/>
+          </p:nvPr>
+        </p:nvSpPr>
+        <p:spPr>
+          <a:xfrm>
+            <a:off x="381300" y="685800"/>
+            <a:ext cx="6096000" cy="3429000"/>
+          </a:xfrm>
+          <a:custGeom>
+            <a:rect b="b" l="l" r="r" t="t"/>
+            <a:pathLst>
+              <a:path extrusionOk="0" h="120000" w="120000">
+                <a:moveTo>
+                  <a:pt x="0" y="0"/>
+                </a:moveTo>
+                <a:lnTo>
+                  <a:pt x="120000" y="0"/>
+                </a:lnTo>
+                <a:lnTo>
+                  <a:pt x="120000" y="120000"/>
+                </a:lnTo>
+                <a:lnTo>
+                  <a:pt x="0" y="120000"/>
+                </a:lnTo>
+                <a:close/>
+              </a:path>
+            </a:pathLst>
+          </a:custGeom>
+        </p:spPr>
+      </p:sp>
+      <p:sp>
+        <p:nvSpPr>
+          <p:cNvPr id="246" name="Google Shape;246;geb22954a9f_0_362:notes"/>
           <p:cNvSpPr txBox="1"/>
           <p:nvPr>
             <p:ph idx="1" type="body"/>
@@ -1573,6 +2013,105 @@
 </p:notes>
 </file>
 
+<file path=ppt/notesSlides/notesSlide20.xml><?xml version="1.0" encoding="utf-8"?>
+<p:notes xmlns:a="http://schemas.openxmlformats.org/drawingml/2006/main" xmlns:r="http://schemas.openxmlformats.org/officeDocument/2006/relationships" xmlns:mc="http://schemas.openxmlformats.org/markup-compatibility/2006" xmlns:mv="urn:schemas-microsoft-com:mac:vml" xmlns:p="http://schemas.openxmlformats.org/presentationml/2006/main" xmlns:c="http://schemas.openxmlformats.org/drawingml/2006/chart" xmlns:dgm="http://schemas.openxmlformats.org/drawingml/2006/diagram" xmlns:o="urn:schemas-microsoft-com:office:office" xmlns:v="urn:schemas-microsoft-com:vml" xmlns:pvml="urn:schemas-microsoft-com:office:powerpoint" xmlns:com="http://schemas.openxmlformats.org/drawingml/2006/compatibility" xmlns:p14="http://schemas.microsoft.com/office/powerpoint/2010/main" xmlns:p15="http://schemas.microsoft.com/office/powerpoint/2012/main" xmlns:ahyp="http://schemas.microsoft.com/office/drawing/2018/hyperlinkcolor" showMasterPhAnim="0" showMasterSp="0">
+  <p:cSld>
+    <p:spTree>
+      <p:nvGrpSpPr>
+        <p:cNvPr id="250" name="Shape 250"/>
+        <p:cNvGrpSpPr/>
+        <p:nvPr/>
+      </p:nvGrpSpPr>
+      <p:grpSpPr>
+        <a:xfrm>
+          <a:off x="0" y="0"/>
+          <a:ext cx="0" cy="0"/>
+          <a:chOff x="0" y="0"/>
+          <a:chExt cx="0" cy="0"/>
+        </a:xfrm>
+      </p:grpSpPr>
+      <p:sp>
+        <p:nvSpPr>
+          <p:cNvPr id="251" name="Google Shape;251;geb22954a9f_0_305:notes"/>
+          <p:cNvSpPr/>
+          <p:nvPr>
+            <p:ph idx="2" type="sldImg"/>
+          </p:nvPr>
+        </p:nvSpPr>
+        <p:spPr>
+          <a:xfrm>
+            <a:off x="381300" y="685800"/>
+            <a:ext cx="6096000" cy="3429000"/>
+          </a:xfrm>
+          <a:custGeom>
+            <a:rect b="b" l="l" r="r" t="t"/>
+            <a:pathLst>
+              <a:path extrusionOk="0" h="120000" w="120000">
+                <a:moveTo>
+                  <a:pt x="0" y="0"/>
+                </a:moveTo>
+                <a:lnTo>
+                  <a:pt x="120000" y="0"/>
+                </a:lnTo>
+                <a:lnTo>
+                  <a:pt x="120000" y="120000"/>
+                </a:lnTo>
+                <a:lnTo>
+                  <a:pt x="0" y="120000"/>
+                </a:lnTo>
+                <a:close/>
+              </a:path>
+            </a:pathLst>
+          </a:custGeom>
+        </p:spPr>
+      </p:sp>
+      <p:sp>
+        <p:nvSpPr>
+          <p:cNvPr id="252" name="Google Shape;252;geb22954a9f_0_305:notes"/>
+          <p:cNvSpPr txBox="1"/>
+          <p:nvPr>
+            <p:ph idx="1" type="body"/>
+          </p:nvPr>
+        </p:nvSpPr>
+        <p:spPr>
+          <a:xfrm>
+            <a:off x="685800" y="4343400"/>
+            <a:ext cx="5486400" cy="4114800"/>
+          </a:xfrm>
+          <a:prstGeom prst="rect">
+            <a:avLst/>
+          </a:prstGeom>
+        </p:spPr>
+        <p:txBody>
+          <a:bodyPr anchorCtr="0" anchor="t" bIns="91425" lIns="91425" spcFirstLastPara="1" rIns="91425" wrap="square" tIns="91425">
+            <a:noAutofit/>
+          </a:bodyPr>
+          <a:lstStyle/>
+          <a:p>
+            <a:pPr indent="0" lvl="0" marL="0" rtl="0" algn="l">
+              <a:spcBef>
+                <a:spcPts val="0"/>
+              </a:spcBef>
+              <a:spcAft>
+                <a:spcPts val="0"/>
+              </a:spcAft>
+              <a:buNone/>
+            </a:pPr>
+            <a:r>
+              <a:t/>
+            </a:r>
+            <a:endParaRPr/>
+          </a:p>
+        </p:txBody>
+      </p:sp>
+    </p:spTree>
+  </p:cSld>
+  <p:clrMapOvr>
+    <a:masterClrMapping/>
+  </p:clrMapOvr>
+</p:notes>
+</file>
+
 <file path=ppt/notesSlides/notesSlide3.xml><?xml version="1.0" encoding="utf-8"?>
 <p:notes xmlns:a="http://schemas.openxmlformats.org/drawingml/2006/main" xmlns:r="http://schemas.openxmlformats.org/officeDocument/2006/relationships" xmlns:mc="http://schemas.openxmlformats.org/markup-compatibility/2006" xmlns:mv="urn:schemas-microsoft-com:mac:vml" xmlns:p="http://schemas.openxmlformats.org/presentationml/2006/main" xmlns:c="http://schemas.openxmlformats.org/drawingml/2006/chart" xmlns:dgm="http://schemas.openxmlformats.org/drawingml/2006/diagram" xmlns:o="urn:schemas-microsoft-com:office:office" xmlns:v="urn:schemas-microsoft-com:vml" xmlns:pvml="urn:schemas-microsoft-com:office:powerpoint" xmlns:com="http://schemas.openxmlformats.org/drawingml/2006/compatibility" xmlns:p14="http://schemas.microsoft.com/office/powerpoint/2010/main" xmlns:p15="http://schemas.microsoft.com/office/powerpoint/2012/main" xmlns:ahyp="http://schemas.microsoft.com/office/drawing/2018/hyperlinkcolor" showMasterPhAnim="0" showMasterSp="0">
   <p:cSld>
@@ -1889,7 +2428,7 @@
       </p:grpSpPr>
       <p:sp>
         <p:nvSpPr>
-          <p:cNvPr id="162" name="Google Shape;162;geb22954a9f_0_357:notes"/>
+          <p:cNvPr id="162" name="Google Shape;162;gcb20cd30e2_0_0:notes"/>
           <p:cNvSpPr/>
           <p:nvPr>
             <p:ph idx="2" type="sldImg"/>
@@ -1924,7 +2463,7 @@
       </p:sp>
       <p:sp>
         <p:nvSpPr>
-          <p:cNvPr id="163" name="Google Shape;163;geb22954a9f_0_357:notes"/>
+          <p:cNvPr id="163" name="Google Shape;163;gcb20cd30e2_0_0:notes"/>
           <p:cNvSpPr txBox="1"/>
           <p:nvPr>
             <p:ph idx="1" type="body"/>
@@ -1946,38 +2485,18 @@
           <a:lstStyle/>
           <a:p>
             <a:pPr indent="0" lvl="0" marL="0" rtl="0" algn="l">
-              <a:lnSpc>
-                <a:spcPct val="115000"/>
-              </a:lnSpc>
-              <a:spcBef>
-                <a:spcPts val="0"/>
-              </a:spcBef>
-              <a:spcAft>
-                <a:spcPts val="1200"/>
-              </a:spcAft>
-              <a:buNone/>
-            </a:pPr>
-            <a:r>
-              <a:rPr lang="en" sz="1400">
-                <a:solidFill>
-                  <a:schemeClr val="dk1"/>
-                </a:solidFill>
-                <a:latin typeface="Lato"/>
-                <a:ea typeface="Lato"/>
-                <a:cs typeface="Lato"/>
-                <a:sym typeface="Lato"/>
-              </a:rPr>
-              <a:t>Can use with derivative-based methods such as gradient descent.</a:t>
-            </a:r>
-            <a:endParaRPr sz="1400">
-              <a:solidFill>
-                <a:schemeClr val="dk1"/>
-              </a:solidFill>
-              <a:latin typeface="Lato"/>
-              <a:ea typeface="Lato"/>
-              <a:cs typeface="Lato"/>
-              <a:sym typeface="Lato"/>
-            </a:endParaRPr>
+              <a:spcBef>
+                <a:spcPts val="0"/>
+              </a:spcBef>
+              <a:spcAft>
+                <a:spcPts val="0"/>
+              </a:spcAft>
+              <a:buNone/>
+            </a:pPr>
+            <a:r>
+              <a:t/>
+            </a:r>
+            <a:endParaRPr/>
           </a:p>
         </p:txBody>
       </p:sp>
@@ -1994,7 +2513,7 @@
   <p:cSld>
     <p:spTree>
       <p:nvGrpSpPr>
-        <p:cNvPr id="167" name="Shape 167"/>
+        <p:cNvPr id="168" name="Shape 168"/>
         <p:cNvGrpSpPr/>
         <p:nvPr/>
       </p:nvGrpSpPr>
@@ -2008,7 +2527,7 @@
       </p:grpSpPr>
       <p:sp>
         <p:nvSpPr>
-          <p:cNvPr id="168" name="Google Shape;168;geb22954a9f_0_332:notes"/>
+          <p:cNvPr id="169" name="Google Shape;169;gcb20cd30e2_0_5:notes"/>
           <p:cNvSpPr/>
           <p:nvPr>
             <p:ph idx="2" type="sldImg"/>
@@ -2043,7 +2562,7 @@
       </p:sp>
       <p:sp>
         <p:nvSpPr>
-          <p:cNvPr id="169" name="Google Shape;169;geb22954a9f_0_332:notes"/>
+          <p:cNvPr id="170" name="Google Shape;170;gcb20cd30e2_0_5:notes"/>
           <p:cNvSpPr txBox="1"/>
           <p:nvPr>
             <p:ph idx="1" type="body"/>
@@ -2093,7 +2612,7 @@
   <p:cSld>
     <p:spTree>
       <p:nvGrpSpPr>
-        <p:cNvPr id="173" name="Shape 173"/>
+        <p:cNvPr id="175" name="Shape 175"/>
         <p:cNvGrpSpPr/>
         <p:nvPr/>
       </p:nvGrpSpPr>
@@ -2107,7 +2626,7 @@
       </p:grpSpPr>
       <p:sp>
         <p:nvSpPr>
-          <p:cNvPr id="174" name="Google Shape;174;geb22954a9f_0_337:notes"/>
+          <p:cNvPr id="176" name="Google Shape;176;gcb20cd30e2_0_14:notes"/>
           <p:cNvSpPr/>
           <p:nvPr>
             <p:ph idx="2" type="sldImg"/>
@@ -2142,7 +2661,7 @@
       </p:sp>
       <p:sp>
         <p:nvSpPr>
-          <p:cNvPr id="175" name="Google Shape;175;geb22954a9f_0_337:notes"/>
+          <p:cNvPr id="177" name="Google Shape;177;gcb20cd30e2_0_14:notes"/>
           <p:cNvSpPr txBox="1"/>
           <p:nvPr>
             <p:ph idx="1" type="body"/>
@@ -2192,7 +2711,7 @@
   <p:cSld>
     <p:spTree>
       <p:nvGrpSpPr>
-        <p:cNvPr id="179" name="Shape 179"/>
+        <p:cNvPr id="182" name="Shape 182"/>
         <p:cNvGrpSpPr/>
         <p:nvPr/>
       </p:nvGrpSpPr>
@@ -2206,7 +2725,7 @@
       </p:grpSpPr>
       <p:sp>
         <p:nvSpPr>
-          <p:cNvPr id="180" name="Google Shape;180;geb22954a9f_0_342:notes"/>
+          <p:cNvPr id="183" name="Google Shape;183;geb22954a9f_0_357:notes"/>
           <p:cNvSpPr/>
           <p:nvPr>
             <p:ph idx="2" type="sldImg"/>
@@ -2241,7 +2760,7 @@
       </p:sp>
       <p:sp>
         <p:nvSpPr>
-          <p:cNvPr id="181" name="Google Shape;181;geb22954a9f_0_342:notes"/>
+          <p:cNvPr id="184" name="Google Shape;184;geb22954a9f_0_357:notes"/>
           <p:cNvSpPr txBox="1"/>
           <p:nvPr>
             <p:ph idx="1" type="body"/>
@@ -2263,18 +2782,38 @@
           <a:lstStyle/>
           <a:p>
             <a:pPr indent="0" lvl="0" marL="0" rtl="0" algn="l">
-              <a:spcBef>
-                <a:spcPts val="0"/>
-              </a:spcBef>
-              <a:spcAft>
-                <a:spcPts val="0"/>
-              </a:spcAft>
-              <a:buNone/>
-            </a:pPr>
-            <a:r>
-              <a:t/>
-            </a:r>
-            <a:endParaRPr/>
+              <a:lnSpc>
+                <a:spcPct val="115000"/>
+              </a:lnSpc>
+              <a:spcBef>
+                <a:spcPts val="0"/>
+              </a:spcBef>
+              <a:spcAft>
+                <a:spcPts val="1200"/>
+              </a:spcAft>
+              <a:buNone/>
+            </a:pPr>
+            <a:r>
+              <a:rPr lang="en" sz="1400">
+                <a:solidFill>
+                  <a:schemeClr val="dk1"/>
+                </a:solidFill>
+                <a:latin typeface="Lato"/>
+                <a:ea typeface="Lato"/>
+                <a:cs typeface="Lato"/>
+                <a:sym typeface="Lato"/>
+              </a:rPr>
+              <a:t>Can use with derivative-based methods such as gradient descent.</a:t>
+            </a:r>
+            <a:endParaRPr sz="1400">
+              <a:solidFill>
+                <a:schemeClr val="dk1"/>
+              </a:solidFill>
+              <a:latin typeface="Lato"/>
+              <a:ea typeface="Lato"/>
+              <a:cs typeface="Lato"/>
+              <a:sym typeface="Lato"/>
+            </a:endParaRPr>
           </a:p>
         </p:txBody>
       </p:sp>
@@ -10587,7 +11126,7 @@
   <p:cSld>
     <p:spTree>
       <p:nvGrpSpPr>
-        <p:cNvPr id="189" name="Shape 189"/>
+        <p:cNvPr id="191" name="Shape 191"/>
         <p:cNvGrpSpPr/>
         <p:nvPr/>
       </p:nvGrpSpPr>
@@ -10601,7 +11140,7 @@
       </p:grpSpPr>
       <p:sp>
         <p:nvSpPr>
-          <p:cNvPr id="190" name="Google Shape;190;p22"/>
+          <p:cNvPr id="192" name="Google Shape;192;p22"/>
           <p:cNvSpPr txBox="1"/>
           <p:nvPr>
             <p:ph type="title"/>
@@ -10622,26 +11161,18 @@
           </a:bodyPr>
           <a:lstStyle/>
           <a:p>
-            <a:pPr indent="0" lvl="0" marL="457200" rtl="0" algn="l">
-              <a:lnSpc>
-                <a:spcPct val="115000"/>
-              </a:lnSpc>
-              <a:spcBef>
-                <a:spcPts val="0"/>
-              </a:spcBef>
-              <a:spcAft>
-                <a:spcPts val="1200"/>
-              </a:spcAft>
-              <a:buNone/>
-            </a:pPr>
-            <a:r>
-              <a:rPr lang="en" sz="3600">
-                <a:latin typeface="Lato"/>
-                <a:ea typeface="Lato"/>
-                <a:cs typeface="Lato"/>
-                <a:sym typeface="Lato"/>
-              </a:rPr>
-              <a:t>Hybrid Model - Version 3</a:t>
+            <a:pPr indent="0" lvl="0" marL="0" rtl="0" algn="l">
+              <a:spcBef>
+                <a:spcPts val="0"/>
+              </a:spcBef>
+              <a:spcAft>
+                <a:spcPts val="0"/>
+              </a:spcAft>
+              <a:buNone/>
+            </a:pPr>
+            <a:r>
+              <a:rPr lang="en" sz="3600"/>
+              <a:t>Baseline - Version 0</a:t>
             </a:r>
             <a:endParaRPr sz="3600"/>
           </a:p>
@@ -10649,7 +11180,7 @@
       </p:sp>
       <p:sp>
         <p:nvSpPr>
-          <p:cNvPr id="191" name="Google Shape;191;p22"/>
+          <p:cNvPr id="193" name="Google Shape;193;p22"/>
           <p:cNvSpPr txBox="1"/>
           <p:nvPr>
             <p:ph idx="1" type="body"/>
@@ -10670,9 +11201,25 @@
           </a:bodyPr>
           <a:lstStyle/>
           <a:p>
+            <a:pPr indent="0" lvl="0" marL="0" rtl="0" algn="l">
+              <a:spcBef>
+                <a:spcPts val="0"/>
+              </a:spcBef>
+              <a:spcAft>
+                <a:spcPts val="0"/>
+              </a:spcAft>
+              <a:buNone/>
+            </a:pPr>
+            <a:r>
+              <a:rPr lang="en" sz="1800"/>
+              <a:t>In the real world, would usually use the company's previously collected data and customer information.</a:t>
+            </a:r>
+            <a:endParaRPr sz="1800"/>
+          </a:p>
+          <a:p>
             <a:pPr indent="-342900" lvl="0" marL="457200" rtl="0" algn="l">
               <a:spcBef>
-                <a:spcPts val="0"/>
+                <a:spcPts val="1200"/>
               </a:spcBef>
               <a:spcAft>
                 <a:spcPts val="0"/>
@@ -10682,7 +11229,7 @@
             </a:pPr>
             <a:r>
               <a:rPr lang="en" sz="1800"/>
-              <a:t>Combined both content-based and collaborative filtering.</a:t>
+              <a:t>Hard coded various ratings for all recommendations</a:t>
             </a:r>
             <a:endParaRPr sz="1800"/>
           </a:p>
@@ -10699,7 +11246,7 @@
             </a:pPr>
             <a:r>
               <a:rPr lang="en" sz="1800"/>
-              <a:t>During training, the RMSE was 0.2027</a:t>
+              <a:t>A value of 4 had best results</a:t>
             </a:r>
             <a:endParaRPr sz="1800"/>
           </a:p>
@@ -10716,7 +11263,7 @@
             </a:pPr>
             <a:r>
               <a:rPr lang="en" sz="1800"/>
-              <a:t>During testing, the RMSE was 1.1413</a:t>
+              <a:t>RMSE of 1.1813</a:t>
             </a:r>
             <a:endParaRPr sz="1800"/>
           </a:p>
@@ -10733,7 +11280,7 @@
             </a:pPr>
             <a:r>
               <a:rPr lang="en" sz="1800"/>
-              <a:t>Was the best overall model</a:t>
+              <a:t>Want all future models to improve upon this</a:t>
             </a:r>
             <a:endParaRPr sz="1800"/>
           </a:p>
@@ -10752,7 +11299,7 @@
   <p:cSld>
     <p:spTree>
       <p:nvGrpSpPr>
-        <p:cNvPr id="195" name="Shape 195"/>
+        <p:cNvPr id="197" name="Shape 197"/>
         <p:cNvGrpSpPr/>
         <p:nvPr/>
       </p:nvGrpSpPr>
@@ -10766,7 +11313,7 @@
       </p:grpSpPr>
       <p:sp>
         <p:nvSpPr>
-          <p:cNvPr id="196" name="Google Shape;196;p23"/>
+          <p:cNvPr id="198" name="Google Shape;198;p23"/>
           <p:cNvSpPr txBox="1"/>
           <p:nvPr>
             <p:ph type="title"/>
@@ -10787,22 +11334,35 @@
           </a:bodyPr>
           <a:lstStyle/>
           <a:p>
-            <a:pPr indent="0" lvl="0" marL="0" rtl="0" algn="l">
-              <a:spcBef>
-                <a:spcPts val="0"/>
-              </a:spcBef>
-              <a:spcAft>
-                <a:spcPts val="0"/>
-              </a:spcAft>
-              <a:buNone/>
-            </a:pPr>
-            <a:r>
-              <a:rPr lang="en" sz="3600"/>
-              <a:t>Additional </a:t>
-            </a:r>
-            <a:r>
-              <a:rPr lang="en" sz="3600"/>
-              <a:t>Evaluation Metrics</a:t>
+            <a:pPr indent="0" lvl="0" marL="457200" rtl="0" algn="l">
+              <a:lnSpc>
+                <a:spcPct val="115000"/>
+              </a:lnSpc>
+              <a:spcBef>
+                <a:spcPts val="0"/>
+              </a:spcBef>
+              <a:spcAft>
+                <a:spcPts val="1200"/>
+              </a:spcAft>
+              <a:buNone/>
+            </a:pPr>
+            <a:r>
+              <a:rPr lang="en" sz="3600">
+                <a:latin typeface="Lato"/>
+                <a:ea typeface="Lato"/>
+                <a:cs typeface="Lato"/>
+                <a:sym typeface="Lato"/>
+              </a:rPr>
+              <a:t>Simple Mean</a:t>
+            </a:r>
+            <a:r>
+              <a:rPr lang="en" sz="3600">
+                <a:latin typeface="Lato"/>
+                <a:ea typeface="Lato"/>
+                <a:cs typeface="Lato"/>
+                <a:sym typeface="Lato"/>
+              </a:rPr>
+              <a:t> - Version 1</a:t>
             </a:r>
             <a:endParaRPr sz="3600"/>
           </a:p>
@@ -10810,7 +11370,7 @@
       </p:sp>
       <p:sp>
         <p:nvSpPr>
-          <p:cNvPr id="197" name="Google Shape;197;p23"/>
+          <p:cNvPr id="199" name="Google Shape;199;p23"/>
           <p:cNvSpPr txBox="1"/>
           <p:nvPr>
             <p:ph idx="1" type="body"/>
@@ -10843,45 +11403,7 @@
             </a:pPr>
             <a:r>
               <a:rPr lang="en" sz="1800"/>
-              <a:t>v3 f</a:t>
-            </a:r>
-            <a:r>
-              <a:rPr lang="en" sz="1800"/>
-              <a:t>urther improved by:</a:t>
-            </a:r>
-            <a:endParaRPr sz="1800"/>
-          </a:p>
-          <a:p>
-            <a:pPr indent="-342900" lvl="1" marL="914400" rtl="0" algn="l">
-              <a:spcBef>
-                <a:spcPts val="0"/>
-              </a:spcBef>
-              <a:spcAft>
-                <a:spcPts val="0"/>
-              </a:spcAft>
-              <a:buSzPts val="1800"/>
-              <a:buChar char="○"/>
-            </a:pPr>
-            <a:r>
-              <a:rPr lang="en" sz="1800"/>
-              <a:t>Only including predicted 5-star recommendations</a:t>
-            </a:r>
-            <a:endParaRPr sz="1800"/>
-          </a:p>
-          <a:p>
-            <a:pPr indent="-342900" lvl="1" marL="914400" rtl="0" algn="l">
-              <a:spcBef>
-                <a:spcPts val="0"/>
-              </a:spcBef>
-              <a:spcAft>
-                <a:spcPts val="0"/>
-              </a:spcAft>
-              <a:buSzPts val="1800"/>
-              <a:buChar char="○"/>
-            </a:pPr>
-            <a:r>
-              <a:rPr lang="en" sz="1800"/>
-              <a:t>Returning just 10 random samples</a:t>
+              <a:t>Collaborative mean - average of users</a:t>
             </a:r>
             <a:endParaRPr sz="1800"/>
           </a:p>
@@ -10898,7 +11420,7 @@
             </a:pPr>
             <a:r>
               <a:rPr lang="en" sz="1800"/>
-              <a:t>Accuracy: 60-90%</a:t>
+              <a:t>Content mean - average of products</a:t>
             </a:r>
             <a:endParaRPr sz="1800"/>
           </a:p>
@@ -10915,12 +11437,12 @@
             </a:pPr>
             <a:r>
               <a:rPr lang="en" sz="1800"/>
-              <a:t>Best weighted averages were:</a:t>
+              <a:t>Collaborative mean was best with RMSE of 1.5540</a:t>
             </a:r>
             <a:endParaRPr sz="1800"/>
           </a:p>
           <a:p>
-            <a:pPr indent="-342900" lvl="1" marL="914400" rtl="0" algn="l">
+            <a:pPr indent="-342900" lvl="0" marL="457200" rtl="0" algn="l">
               <a:spcBef>
                 <a:spcPts val="0"/>
               </a:spcBef>
@@ -10928,45 +11450,11 @@
                 <a:spcPts val="0"/>
               </a:spcAft>
               <a:buSzPts val="1800"/>
-              <a:buChar char="○"/>
+              <a:buChar char="●"/>
             </a:pPr>
             <a:r>
               <a:rPr lang="en" sz="1800"/>
-              <a:t>Precision: 0.81</a:t>
-            </a:r>
-            <a:endParaRPr sz="1800"/>
-          </a:p>
-          <a:p>
-            <a:pPr indent="-342900" lvl="1" marL="914400" rtl="0" algn="l">
-              <a:spcBef>
-                <a:spcPts val="0"/>
-              </a:spcBef>
-              <a:spcAft>
-                <a:spcPts val="0"/>
-              </a:spcAft>
-              <a:buSzPts val="1800"/>
-              <a:buChar char="○"/>
-            </a:pPr>
-            <a:r>
-              <a:rPr lang="en" sz="1800"/>
-              <a:t>Recall: 0.90</a:t>
-            </a:r>
-            <a:endParaRPr sz="1800"/>
-          </a:p>
-          <a:p>
-            <a:pPr indent="-342900" lvl="1" marL="914400" rtl="0" algn="l">
-              <a:spcBef>
-                <a:spcPts val="0"/>
-              </a:spcBef>
-              <a:spcAft>
-                <a:spcPts val="0"/>
-              </a:spcAft>
-              <a:buSzPts val="1800"/>
-              <a:buChar char="○"/>
-            </a:pPr>
-            <a:r>
-              <a:rPr lang="en" sz="1800"/>
-              <a:t>F1-score: 0.85</a:t>
+              <a:t>However, these were the worst performing models</a:t>
             </a:r>
             <a:endParaRPr sz="1800"/>
           </a:p>
@@ -10985,7 +11473,7 @@
   <p:cSld>
     <p:spTree>
       <p:nvGrpSpPr>
-        <p:cNvPr id="201" name="Shape 201"/>
+        <p:cNvPr id="203" name="Shape 203"/>
         <p:cNvGrpSpPr/>
         <p:nvPr/>
       </p:nvGrpSpPr>
@@ -10999,7 +11487,7 @@
       </p:grpSpPr>
       <p:sp>
         <p:nvSpPr>
-          <p:cNvPr id="202" name="Google Shape;202;p24"/>
+          <p:cNvPr id="204" name="Google Shape;204;p24"/>
           <p:cNvSpPr txBox="1"/>
           <p:nvPr>
             <p:ph type="title"/>
@@ -11020,26 +11508,364 @@
           </a:bodyPr>
           <a:lstStyle/>
           <a:p>
-            <a:pPr indent="0" lvl="0" marL="0" rtl="0" algn="l">
-              <a:spcBef>
-                <a:spcPts val="0"/>
-              </a:spcBef>
-              <a:spcAft>
-                <a:spcPts val="0"/>
-              </a:spcAft>
-              <a:buNone/>
-            </a:pPr>
-            <a:r>
-              <a:rPr lang="en" sz="3600"/>
-              <a:t>Biggest Challenges</a:t>
-            </a:r>
-            <a:endParaRPr sz="3600"/>
+            <a:pPr indent="0" lvl="0" marL="457200" rtl="0" algn="l">
+              <a:lnSpc>
+                <a:spcPct val="115000"/>
+              </a:lnSpc>
+              <a:spcBef>
+                <a:spcPts val="0"/>
+              </a:spcBef>
+              <a:spcAft>
+                <a:spcPts val="1200"/>
+              </a:spcAft>
+              <a:buNone/>
+            </a:pPr>
+            <a:r>
+              <a:rPr lang="en" sz="3600">
+                <a:latin typeface="Lato"/>
+                <a:ea typeface="Lato"/>
+                <a:cs typeface="Lato"/>
+                <a:sym typeface="Lato"/>
+              </a:rPr>
+              <a:t>Similarity Functions</a:t>
+            </a:r>
+            <a:r>
+              <a:rPr lang="en" sz="3600">
+                <a:latin typeface="Lato"/>
+                <a:ea typeface="Lato"/>
+                <a:cs typeface="Lato"/>
+                <a:sym typeface="Lato"/>
+              </a:rPr>
+              <a:t> - Version 2</a:t>
+            </a:r>
+            <a:endParaRPr/>
           </a:p>
         </p:txBody>
       </p:sp>
       <p:sp>
         <p:nvSpPr>
-          <p:cNvPr id="203" name="Google Shape;203;p24"/>
+          <p:cNvPr id="205" name="Google Shape;205;p24"/>
+          <p:cNvSpPr txBox="1"/>
+          <p:nvPr>
+            <p:ph idx="1" type="body"/>
+          </p:nvPr>
+        </p:nvSpPr>
+        <p:spPr>
+          <a:xfrm>
+            <a:off x="1297500" y="1567550"/>
+            <a:ext cx="3403200" cy="2911200"/>
+          </a:xfrm>
+          <a:prstGeom prst="rect">
+            <a:avLst/>
+          </a:prstGeom>
+        </p:spPr>
+        <p:txBody>
+          <a:bodyPr anchorCtr="0" anchor="t" bIns="91425" lIns="91425" spcFirstLastPara="1" rIns="91425" wrap="square" tIns="91425">
+            <a:normAutofit lnSpcReduction="20000"/>
+          </a:bodyPr>
+          <a:lstStyle/>
+          <a:p>
+            <a:pPr indent="-342900" lvl="0" marL="457200" rtl="0" algn="l">
+              <a:spcBef>
+                <a:spcPts val="0"/>
+              </a:spcBef>
+              <a:spcAft>
+                <a:spcPts val="0"/>
+              </a:spcAft>
+              <a:buSzPts val="1800"/>
+              <a:buChar char="●"/>
+            </a:pPr>
+            <a:r>
+              <a:rPr lang="en" sz="1800"/>
+              <a:t>Included calculations:</a:t>
+            </a:r>
+            <a:endParaRPr sz="1800"/>
+          </a:p>
+          <a:p>
+            <a:pPr indent="-342900" lvl="1" marL="914400" rtl="0" algn="l">
+              <a:spcBef>
+                <a:spcPts val="0"/>
+              </a:spcBef>
+              <a:spcAft>
+                <a:spcPts val="0"/>
+              </a:spcAft>
+              <a:buSzPts val="1800"/>
+              <a:buChar char="○"/>
+            </a:pPr>
+            <a:r>
+              <a:rPr lang="en" sz="1800"/>
+              <a:t>Pearson</a:t>
+            </a:r>
+            <a:endParaRPr sz="1800"/>
+          </a:p>
+          <a:p>
+            <a:pPr indent="-342900" lvl="1" marL="914400" rtl="0" algn="l">
+              <a:spcBef>
+                <a:spcPts val="0"/>
+              </a:spcBef>
+              <a:spcAft>
+                <a:spcPts val="0"/>
+              </a:spcAft>
+              <a:buSzPts val="1800"/>
+              <a:buChar char="○"/>
+            </a:pPr>
+            <a:r>
+              <a:rPr lang="en" sz="1800"/>
+              <a:t>Euclidean</a:t>
+            </a:r>
+            <a:endParaRPr sz="1800"/>
+          </a:p>
+          <a:p>
+            <a:pPr indent="-342900" lvl="2" marL="1371600" rtl="0" algn="l">
+              <a:spcBef>
+                <a:spcPts val="0"/>
+              </a:spcBef>
+              <a:spcAft>
+                <a:spcPts val="0"/>
+              </a:spcAft>
+              <a:buSzPts val="1800"/>
+              <a:buChar char="■"/>
+            </a:pPr>
+            <a:r>
+              <a:rPr lang="en" sz="1800"/>
+              <a:t>Best RMSE of 1.2234</a:t>
+            </a:r>
+            <a:endParaRPr sz="1800"/>
+          </a:p>
+          <a:p>
+            <a:pPr indent="-342900" lvl="1" marL="914400" rtl="0" algn="l">
+              <a:spcBef>
+                <a:spcPts val="0"/>
+              </a:spcBef>
+              <a:spcAft>
+                <a:spcPts val="0"/>
+              </a:spcAft>
+              <a:buSzPts val="1800"/>
+              <a:buChar char="○"/>
+            </a:pPr>
+            <a:r>
+              <a:rPr lang="en" sz="1800"/>
+              <a:t>Cosine</a:t>
+            </a:r>
+            <a:endParaRPr sz="1800"/>
+          </a:p>
+          <a:p>
+            <a:pPr indent="-342900" lvl="1" marL="914400" rtl="0" algn="l">
+              <a:spcBef>
+                <a:spcPts val="0"/>
+              </a:spcBef>
+              <a:spcAft>
+                <a:spcPts val="0"/>
+              </a:spcAft>
+              <a:buSzPts val="1800"/>
+              <a:buChar char="○"/>
+            </a:pPr>
+            <a:r>
+              <a:rPr lang="en" sz="1800"/>
+              <a:t>Jaccard</a:t>
+            </a:r>
+            <a:endParaRPr sz="1800"/>
+          </a:p>
+          <a:p>
+            <a:pPr indent="0" lvl="0" marL="0" rtl="0" algn="l">
+              <a:spcBef>
+                <a:spcPts val="1200"/>
+              </a:spcBef>
+              <a:spcAft>
+                <a:spcPts val="0"/>
+              </a:spcAft>
+              <a:buNone/>
+            </a:pPr>
+            <a:r>
+              <a:t/>
+            </a:r>
+            <a:endParaRPr sz="1800"/>
+          </a:p>
+          <a:p>
+            <a:pPr indent="0" lvl="0" marL="0" rtl="0" algn="l">
+              <a:spcBef>
+                <a:spcPts val="1200"/>
+              </a:spcBef>
+              <a:spcAft>
+                <a:spcPts val="1200"/>
+              </a:spcAft>
+              <a:buNone/>
+            </a:pPr>
+            <a:r>
+              <a:t/>
+            </a:r>
+            <a:endParaRPr sz="1800"/>
+          </a:p>
+        </p:txBody>
+      </p:sp>
+      <p:sp>
+        <p:nvSpPr>
+          <p:cNvPr id="206" name="Google Shape;206;p24"/>
+          <p:cNvSpPr txBox="1"/>
+          <p:nvPr>
+            <p:ph idx="2" type="body"/>
+          </p:nvPr>
+        </p:nvSpPr>
+        <p:spPr>
+          <a:xfrm>
+            <a:off x="4933221" y="1567550"/>
+            <a:ext cx="3403200" cy="2911200"/>
+          </a:xfrm>
+          <a:prstGeom prst="rect">
+            <a:avLst/>
+          </a:prstGeom>
+        </p:spPr>
+        <p:txBody>
+          <a:bodyPr anchorCtr="0" anchor="t" bIns="91425" lIns="91425" spcFirstLastPara="1" rIns="91425" wrap="square" tIns="91425">
+            <a:normAutofit/>
+          </a:bodyPr>
+          <a:lstStyle/>
+          <a:p>
+            <a:pPr indent="-342900" lvl="0" marL="457200" rtl="0" algn="l">
+              <a:spcBef>
+                <a:spcPts val="0"/>
+              </a:spcBef>
+              <a:spcAft>
+                <a:spcPts val="0"/>
+              </a:spcAft>
+              <a:buSzPts val="1800"/>
+              <a:buChar char="●"/>
+            </a:pPr>
+            <a:r>
+              <a:rPr lang="en" sz="1800"/>
+              <a:t>In all cases, they were: </a:t>
+            </a:r>
+            <a:endParaRPr sz="1800"/>
+          </a:p>
+          <a:p>
+            <a:pPr indent="-342900" lvl="1" marL="914400" rtl="0" algn="l">
+              <a:spcBef>
+                <a:spcPts val="0"/>
+              </a:spcBef>
+              <a:spcAft>
+                <a:spcPts val="0"/>
+              </a:spcAft>
+              <a:buSzPts val="1800"/>
+              <a:buChar char="○"/>
+            </a:pPr>
+            <a:r>
+              <a:rPr lang="en" sz="1800"/>
+              <a:t>very close to one another</a:t>
+            </a:r>
+            <a:endParaRPr sz="1800"/>
+          </a:p>
+          <a:p>
+            <a:pPr indent="-342900" lvl="1" marL="914400" rtl="0" algn="l">
+              <a:spcBef>
+                <a:spcPts val="0"/>
+              </a:spcBef>
+              <a:spcAft>
+                <a:spcPts val="0"/>
+              </a:spcAft>
+              <a:buSzPts val="1800"/>
+              <a:buChar char="○"/>
+            </a:pPr>
+            <a:r>
+              <a:rPr lang="en" sz="1800"/>
+              <a:t>better than v1</a:t>
+            </a:r>
+            <a:endParaRPr sz="1800"/>
+          </a:p>
+          <a:p>
+            <a:pPr indent="-342900" lvl="1" marL="914400" rtl="0" algn="l">
+              <a:spcBef>
+                <a:spcPts val="0"/>
+              </a:spcBef>
+              <a:spcAft>
+                <a:spcPts val="0"/>
+              </a:spcAft>
+              <a:buSzPts val="1800"/>
+              <a:buChar char="○"/>
+            </a:pPr>
+            <a:r>
+              <a:rPr lang="en" sz="1800"/>
+              <a:t>worse than the best baseline </a:t>
+            </a:r>
+            <a:endParaRPr/>
+          </a:p>
+        </p:txBody>
+      </p:sp>
+    </p:spTree>
+  </p:cSld>
+  <p:clrMapOvr>
+    <a:masterClrMapping/>
+  </p:clrMapOvr>
+</p:sld>
+</file>
+
+<file path=ppt/slides/slide13.xml><?xml version="1.0" encoding="utf-8"?>
+<p:sld xmlns:a="http://schemas.openxmlformats.org/drawingml/2006/main" xmlns:r="http://schemas.openxmlformats.org/officeDocument/2006/relationships" xmlns:mc="http://schemas.openxmlformats.org/markup-compatibility/2006" xmlns:mv="urn:schemas-microsoft-com:mac:vml" xmlns:p="http://schemas.openxmlformats.org/presentationml/2006/main" xmlns:c="http://schemas.openxmlformats.org/drawingml/2006/chart" xmlns:dgm="http://schemas.openxmlformats.org/drawingml/2006/diagram" xmlns:o="urn:schemas-microsoft-com:office:office" xmlns:v="urn:schemas-microsoft-com:vml" xmlns:pvml="urn:schemas-microsoft-com:office:powerpoint" xmlns:com="http://schemas.openxmlformats.org/drawingml/2006/compatibility" xmlns:p14="http://schemas.microsoft.com/office/powerpoint/2010/main" xmlns:p15="http://schemas.microsoft.com/office/powerpoint/2012/main" xmlns:ahyp="http://schemas.microsoft.com/office/drawing/2018/hyperlinkcolor">
+  <p:cSld>
+    <p:spTree>
+      <p:nvGrpSpPr>
+        <p:cNvPr id="210" name="Shape 210"/>
+        <p:cNvGrpSpPr/>
+        <p:nvPr/>
+      </p:nvGrpSpPr>
+      <p:grpSpPr>
+        <a:xfrm>
+          <a:off x="0" y="0"/>
+          <a:ext cx="0" cy="0"/>
+          <a:chOff x="0" y="0"/>
+          <a:chExt cx="0" cy="0"/>
+        </a:xfrm>
+      </p:grpSpPr>
+      <p:sp>
+        <p:nvSpPr>
+          <p:cNvPr id="211" name="Google Shape;211;p25"/>
+          <p:cNvSpPr txBox="1"/>
+          <p:nvPr>
+            <p:ph type="title"/>
+          </p:nvPr>
+        </p:nvSpPr>
+        <p:spPr>
+          <a:xfrm>
+            <a:off x="1297500" y="393750"/>
+            <a:ext cx="7038900" cy="914100"/>
+          </a:xfrm>
+          <a:prstGeom prst="rect">
+            <a:avLst/>
+          </a:prstGeom>
+        </p:spPr>
+        <p:txBody>
+          <a:bodyPr anchorCtr="0" anchor="t" bIns="91425" lIns="91425" spcFirstLastPara="1" rIns="91425" wrap="square" tIns="91425">
+            <a:normAutofit/>
+          </a:bodyPr>
+          <a:lstStyle/>
+          <a:p>
+            <a:pPr indent="0" lvl="0" marL="457200" rtl="0" algn="l">
+              <a:lnSpc>
+                <a:spcPct val="115000"/>
+              </a:lnSpc>
+              <a:spcBef>
+                <a:spcPts val="0"/>
+              </a:spcBef>
+              <a:spcAft>
+                <a:spcPts val="1200"/>
+              </a:spcAft>
+              <a:buNone/>
+            </a:pPr>
+            <a:r>
+              <a:rPr lang="en" sz="3600">
+                <a:latin typeface="Lato"/>
+                <a:ea typeface="Lato"/>
+                <a:cs typeface="Lato"/>
+                <a:sym typeface="Lato"/>
+              </a:rPr>
+              <a:t>Hybrid Model - Version 3</a:t>
+            </a:r>
+            <a:endParaRPr sz="3600"/>
+          </a:p>
+        </p:txBody>
+      </p:sp>
+      <p:sp>
+        <p:nvSpPr>
+          <p:cNvPr id="212" name="Google Shape;212;p25"/>
           <p:cNvSpPr txBox="1"/>
           <p:nvPr>
             <p:ph idx="1" type="body"/>
@@ -11072,41 +11898,7 @@
             </a:pPr>
             <a:r>
               <a:rPr lang="en" sz="1800"/>
-              <a:t>Limiting the scope of the project</a:t>
-            </a:r>
-            <a:endParaRPr sz="1800"/>
-          </a:p>
-          <a:p>
-            <a:pPr indent="-342900" lvl="1" marL="914400" rtl="0" algn="l">
-              <a:spcBef>
-                <a:spcPts val="0"/>
-              </a:spcBef>
-              <a:spcAft>
-                <a:spcPts val="0"/>
-              </a:spcAft>
-              <a:buSzPts val="1800"/>
-              <a:buChar char="○"/>
-            </a:pPr>
-            <a:r>
-              <a:rPr lang="en" sz="1800"/>
-              <a:t>Analyzed just a subset of grocery data</a:t>
-            </a:r>
-            <a:endParaRPr sz="1800"/>
-          </a:p>
-          <a:p>
-            <a:pPr indent="-342900" lvl="1" marL="914400" rtl="0" algn="l">
-              <a:spcBef>
-                <a:spcPts val="0"/>
-              </a:spcBef>
-              <a:spcAft>
-                <a:spcPts val="0"/>
-              </a:spcAft>
-              <a:buSzPts val="1800"/>
-              <a:buChar char="○"/>
-            </a:pPr>
-            <a:r>
-              <a:rPr lang="en" sz="1800"/>
-              <a:t>Only evaluated the models discussed</a:t>
+              <a:t>Combined both content-based and collaborative filtering.</a:t>
             </a:r>
             <a:endParaRPr sz="1800"/>
           </a:p>
@@ -11123,7 +11915,7 @@
             </a:pPr>
             <a:r>
               <a:rPr lang="en" sz="1800"/>
-              <a:t>Significantly more data cleaning than expected</a:t>
+              <a:t>During training, the RMSE was 0.2027</a:t>
             </a:r>
             <a:endParaRPr sz="1800"/>
           </a:p>
@@ -11140,11 +11932,41 @@
             </a:pPr>
             <a:r>
               <a:rPr lang="en" sz="1800"/>
-              <a:t>Refactored example tutorial</a:t>
-            </a:r>
+              <a:t>During testing, the RMSE was 1.1413</a:t>
+            </a:r>
+            <a:endParaRPr sz="1800"/>
+          </a:p>
+          <a:p>
+            <a:pPr indent="-342900" lvl="0" marL="457200" rtl="0" algn="l">
+              <a:spcBef>
+                <a:spcPts val="0"/>
+              </a:spcBef>
+              <a:spcAft>
+                <a:spcPts val="0"/>
+              </a:spcAft>
+              <a:buSzPts val="1800"/>
+              <a:buChar char="●"/>
+            </a:pPr>
             <a:r>
               <a:rPr lang="en" sz="1800"/>
-              <a:t> from Python 2 to Python 3</a:t>
+              <a:t>Results show there was an issue with overfitting</a:t>
+            </a:r>
+            <a:endParaRPr sz="1800"/>
+          </a:p>
+          <a:p>
+            <a:pPr indent="-342900" lvl="0" marL="457200" rtl="0" algn="l">
+              <a:spcBef>
+                <a:spcPts val="0"/>
+              </a:spcBef>
+              <a:spcAft>
+                <a:spcPts val="0"/>
+              </a:spcAft>
+              <a:buSzPts val="1800"/>
+              <a:buChar char="●"/>
+            </a:pPr>
+            <a:r>
+              <a:rPr lang="en" sz="1800"/>
+              <a:t>Was the best overall model</a:t>
             </a:r>
             <a:endParaRPr sz="1800"/>
           </a:p>
@@ -11158,12 +11980,12 @@
 </p:sld>
 </file>
 
-<file path=ppt/slides/slide13.xml><?xml version="1.0" encoding="utf-8"?>
+<file path=ppt/slides/slide14.xml><?xml version="1.0" encoding="utf-8"?>
 <p:sld xmlns:a="http://schemas.openxmlformats.org/drawingml/2006/main" xmlns:r="http://schemas.openxmlformats.org/officeDocument/2006/relationships" xmlns:mc="http://schemas.openxmlformats.org/markup-compatibility/2006" xmlns:mv="urn:schemas-microsoft-com:mac:vml" xmlns:p="http://schemas.openxmlformats.org/presentationml/2006/main" xmlns:c="http://schemas.openxmlformats.org/drawingml/2006/chart" xmlns:dgm="http://schemas.openxmlformats.org/drawingml/2006/diagram" xmlns:o="urn:schemas-microsoft-com:office:office" xmlns:v="urn:schemas-microsoft-com:vml" xmlns:pvml="urn:schemas-microsoft-com:office:powerpoint" xmlns:com="http://schemas.openxmlformats.org/drawingml/2006/compatibility" xmlns:p14="http://schemas.microsoft.com/office/powerpoint/2010/main" xmlns:p15="http://schemas.microsoft.com/office/powerpoint/2012/main" xmlns:ahyp="http://schemas.microsoft.com/office/drawing/2018/hyperlinkcolor">
   <p:cSld>
     <p:spTree>
       <p:nvGrpSpPr>
-        <p:cNvPr id="207" name="Shape 207"/>
+        <p:cNvPr id="216" name="Shape 216"/>
         <p:cNvGrpSpPr/>
         <p:nvPr/>
       </p:nvGrpSpPr>
@@ -11177,7 +11999,807 @@
       </p:grpSpPr>
       <p:sp>
         <p:nvSpPr>
-          <p:cNvPr id="208" name="Google Shape;208;p25"/>
+          <p:cNvPr id="217" name="Google Shape;217;p26"/>
+          <p:cNvSpPr txBox="1"/>
+          <p:nvPr>
+            <p:ph type="title"/>
+          </p:nvPr>
+        </p:nvSpPr>
+        <p:spPr>
+          <a:xfrm>
+            <a:off x="1297500" y="393750"/>
+            <a:ext cx="7038900" cy="914100"/>
+          </a:xfrm>
+          <a:prstGeom prst="rect">
+            <a:avLst/>
+          </a:prstGeom>
+        </p:spPr>
+        <p:txBody>
+          <a:bodyPr anchorCtr="0" anchor="t" bIns="91425" lIns="91425" spcFirstLastPara="1" rIns="91425" wrap="square" tIns="91425">
+            <a:normAutofit/>
+          </a:bodyPr>
+          <a:lstStyle/>
+          <a:p>
+            <a:pPr indent="0" lvl="0" marL="0" rtl="0" algn="l">
+              <a:spcBef>
+                <a:spcPts val="0"/>
+              </a:spcBef>
+              <a:spcAft>
+                <a:spcPts val="0"/>
+              </a:spcAft>
+              <a:buNone/>
+            </a:pPr>
+            <a:r>
+              <a:rPr lang="en" sz="3600"/>
+              <a:t>Version 3.1</a:t>
+            </a:r>
+            <a:endParaRPr sz="3600"/>
+          </a:p>
+        </p:txBody>
+      </p:sp>
+      <p:sp>
+        <p:nvSpPr>
+          <p:cNvPr id="218" name="Google Shape;218;p26"/>
+          <p:cNvSpPr txBox="1"/>
+          <p:nvPr>
+            <p:ph idx="1" type="body"/>
+          </p:nvPr>
+        </p:nvSpPr>
+        <p:spPr>
+          <a:xfrm>
+            <a:off x="1297500" y="1567550"/>
+            <a:ext cx="7038900" cy="2911200"/>
+          </a:xfrm>
+          <a:prstGeom prst="rect">
+            <a:avLst/>
+          </a:prstGeom>
+        </p:spPr>
+        <p:txBody>
+          <a:bodyPr anchorCtr="0" anchor="t" bIns="91425" lIns="91425" spcFirstLastPara="1" rIns="91425" wrap="square" tIns="91425">
+            <a:normAutofit/>
+          </a:bodyPr>
+          <a:lstStyle/>
+          <a:p>
+            <a:pPr indent="-342900" lvl="0" marL="457200" rtl="0" algn="l">
+              <a:spcBef>
+                <a:spcPts val="0"/>
+              </a:spcBef>
+              <a:spcAft>
+                <a:spcPts val="0"/>
+              </a:spcAft>
+              <a:buSzPts val="1800"/>
+              <a:buChar char="●"/>
+            </a:pPr>
+            <a:r>
+              <a:rPr lang="en" sz="1800"/>
+              <a:t>Returned just 10 random samples</a:t>
+            </a:r>
+            <a:endParaRPr sz="1800"/>
+          </a:p>
+          <a:p>
+            <a:pPr indent="-342900" lvl="0" marL="457200" rtl="0" algn="l">
+              <a:spcBef>
+                <a:spcPts val="0"/>
+              </a:spcBef>
+              <a:spcAft>
+                <a:spcPts val="0"/>
+              </a:spcAft>
+              <a:buSzPts val="1800"/>
+              <a:buChar char="●"/>
+            </a:pPr>
+            <a:r>
+              <a:rPr lang="en" sz="1800"/>
+              <a:t>Only included predicted 5-star recommendations</a:t>
+            </a:r>
+            <a:endParaRPr sz="1800"/>
+          </a:p>
+          <a:p>
+            <a:pPr indent="-342900" lvl="0" marL="457200" rtl="0" algn="l">
+              <a:spcBef>
+                <a:spcPts val="0"/>
+              </a:spcBef>
+              <a:spcAft>
+                <a:spcPts val="0"/>
+              </a:spcAft>
+              <a:buSzPts val="1800"/>
+              <a:buChar char="●"/>
+            </a:pPr>
+            <a:r>
+              <a:rPr lang="en" sz="1800"/>
+              <a:t>Added additional evaluation metrics:</a:t>
+            </a:r>
+            <a:endParaRPr sz="1800"/>
+          </a:p>
+          <a:p>
+            <a:pPr indent="-342900" lvl="1" marL="914400" rtl="0" algn="l">
+              <a:spcBef>
+                <a:spcPts val="0"/>
+              </a:spcBef>
+              <a:spcAft>
+                <a:spcPts val="0"/>
+              </a:spcAft>
+              <a:buSzPts val="1800"/>
+              <a:buChar char="○"/>
+            </a:pPr>
+            <a:r>
+              <a:rPr lang="en" sz="1800"/>
+              <a:t>Accuracy: 60-90%</a:t>
+            </a:r>
+            <a:endParaRPr sz="1800"/>
+          </a:p>
+          <a:p>
+            <a:pPr indent="-342900" lvl="1" marL="914400" rtl="0" algn="l">
+              <a:spcBef>
+                <a:spcPts val="0"/>
+              </a:spcBef>
+              <a:spcAft>
+                <a:spcPts val="0"/>
+              </a:spcAft>
+              <a:buSzPts val="1800"/>
+              <a:buChar char="○"/>
+            </a:pPr>
+            <a:r>
+              <a:rPr lang="en" sz="1800"/>
+              <a:t>Best weighted averages were:</a:t>
+            </a:r>
+            <a:endParaRPr sz="1800"/>
+          </a:p>
+          <a:p>
+            <a:pPr indent="-342900" lvl="2" marL="1371600" rtl="0" algn="l">
+              <a:spcBef>
+                <a:spcPts val="0"/>
+              </a:spcBef>
+              <a:spcAft>
+                <a:spcPts val="0"/>
+              </a:spcAft>
+              <a:buSzPts val="1800"/>
+              <a:buChar char="■"/>
+            </a:pPr>
+            <a:r>
+              <a:rPr lang="en" sz="1800"/>
+              <a:t>Precision: 0.81</a:t>
+            </a:r>
+            <a:endParaRPr sz="1800"/>
+          </a:p>
+          <a:p>
+            <a:pPr indent="-342900" lvl="2" marL="1371600" rtl="0" algn="l">
+              <a:spcBef>
+                <a:spcPts val="0"/>
+              </a:spcBef>
+              <a:spcAft>
+                <a:spcPts val="0"/>
+              </a:spcAft>
+              <a:buSzPts val="1800"/>
+              <a:buChar char="■"/>
+            </a:pPr>
+            <a:r>
+              <a:rPr lang="en" sz="1800"/>
+              <a:t>Recall: 0.90</a:t>
+            </a:r>
+            <a:endParaRPr sz="1800"/>
+          </a:p>
+          <a:p>
+            <a:pPr indent="-342900" lvl="2" marL="1371600" rtl="0" algn="l">
+              <a:spcBef>
+                <a:spcPts val="0"/>
+              </a:spcBef>
+              <a:spcAft>
+                <a:spcPts val="0"/>
+              </a:spcAft>
+              <a:buSzPts val="1800"/>
+              <a:buChar char="■"/>
+            </a:pPr>
+            <a:r>
+              <a:rPr lang="en" sz="1800"/>
+              <a:t>F1-score: 0.85</a:t>
+            </a:r>
+            <a:endParaRPr sz="1800"/>
+          </a:p>
+        </p:txBody>
+      </p:sp>
+    </p:spTree>
+  </p:cSld>
+  <p:clrMapOvr>
+    <a:masterClrMapping/>
+  </p:clrMapOvr>
+</p:sld>
+</file>
+
+<file path=ppt/slides/slide15.xml><?xml version="1.0" encoding="utf-8"?>
+<p:sld xmlns:a="http://schemas.openxmlformats.org/drawingml/2006/main" xmlns:r="http://schemas.openxmlformats.org/officeDocument/2006/relationships" xmlns:mc="http://schemas.openxmlformats.org/markup-compatibility/2006" xmlns:mv="urn:schemas-microsoft-com:mac:vml" xmlns:p="http://schemas.openxmlformats.org/presentationml/2006/main" xmlns:c="http://schemas.openxmlformats.org/drawingml/2006/chart" xmlns:dgm="http://schemas.openxmlformats.org/drawingml/2006/diagram" xmlns:o="urn:schemas-microsoft-com:office:office" xmlns:v="urn:schemas-microsoft-com:vml" xmlns:pvml="urn:schemas-microsoft-com:office:powerpoint" xmlns:com="http://schemas.openxmlformats.org/drawingml/2006/compatibility" xmlns:p14="http://schemas.microsoft.com/office/powerpoint/2010/main" xmlns:p15="http://schemas.microsoft.com/office/powerpoint/2012/main" xmlns:ahyp="http://schemas.microsoft.com/office/drawing/2018/hyperlinkcolor">
+  <p:cSld>
+    <p:spTree>
+      <p:nvGrpSpPr>
+        <p:cNvPr id="222" name="Shape 222"/>
+        <p:cNvGrpSpPr/>
+        <p:nvPr/>
+      </p:nvGrpSpPr>
+      <p:grpSpPr>
+        <a:xfrm>
+          <a:off x="0" y="0"/>
+          <a:ext cx="0" cy="0"/>
+          <a:chOff x="0" y="0"/>
+          <a:chExt cx="0" cy="0"/>
+        </a:xfrm>
+      </p:grpSpPr>
+      <p:sp>
+        <p:nvSpPr>
+          <p:cNvPr id="223" name="Google Shape;223;p27"/>
+          <p:cNvSpPr txBox="1"/>
+          <p:nvPr>
+            <p:ph type="title"/>
+          </p:nvPr>
+        </p:nvSpPr>
+        <p:spPr>
+          <a:xfrm>
+            <a:off x="1297500" y="393750"/>
+            <a:ext cx="7038900" cy="914100"/>
+          </a:xfrm>
+          <a:prstGeom prst="rect">
+            <a:avLst/>
+          </a:prstGeom>
+        </p:spPr>
+        <p:txBody>
+          <a:bodyPr anchorCtr="0" anchor="t" bIns="91425" lIns="91425" spcFirstLastPara="1" rIns="91425" wrap="square" tIns="91425">
+            <a:normAutofit/>
+          </a:bodyPr>
+          <a:lstStyle/>
+          <a:p>
+            <a:pPr indent="0" lvl="0" marL="0" rtl="0" algn="l">
+              <a:spcBef>
+                <a:spcPts val="0"/>
+              </a:spcBef>
+              <a:spcAft>
+                <a:spcPts val="0"/>
+              </a:spcAft>
+              <a:buNone/>
+            </a:pPr>
+            <a:r>
+              <a:rPr lang="en" sz="3600"/>
+              <a:t>Evaluation of v_3.1</a:t>
+            </a:r>
+            <a:endParaRPr sz="3600"/>
+          </a:p>
+        </p:txBody>
+      </p:sp>
+      <p:sp>
+        <p:nvSpPr>
+          <p:cNvPr id="224" name="Google Shape;224;p27"/>
+          <p:cNvSpPr txBox="1"/>
+          <p:nvPr>
+            <p:ph idx="1" type="body"/>
+          </p:nvPr>
+        </p:nvSpPr>
+        <p:spPr>
+          <a:xfrm>
+            <a:off x="1297500" y="1567550"/>
+            <a:ext cx="3403200" cy="2911200"/>
+          </a:xfrm>
+          <a:prstGeom prst="rect">
+            <a:avLst/>
+          </a:prstGeom>
+        </p:spPr>
+        <p:txBody>
+          <a:bodyPr anchorCtr="0" anchor="t" bIns="91425" lIns="91425" spcFirstLastPara="1" rIns="91425" wrap="square" tIns="91425">
+            <a:normAutofit/>
+          </a:bodyPr>
+          <a:lstStyle/>
+          <a:p>
+            <a:pPr indent="-342900" lvl="0" marL="457200" rtl="0" algn="l">
+              <a:spcBef>
+                <a:spcPts val="0"/>
+              </a:spcBef>
+              <a:spcAft>
+                <a:spcPts val="0"/>
+              </a:spcAft>
+              <a:buSzPts val="1800"/>
+              <a:buChar char="●"/>
+            </a:pPr>
+            <a:r>
+              <a:rPr lang="en" sz="1800"/>
+              <a:t>Metrics were good for 5-star ratings</a:t>
+            </a:r>
+            <a:endParaRPr sz="1800"/>
+          </a:p>
+          <a:p>
+            <a:pPr indent="-342900" lvl="0" marL="457200" rtl="0" algn="l">
+              <a:spcBef>
+                <a:spcPts val="0"/>
+              </a:spcBef>
+              <a:spcAft>
+                <a:spcPts val="0"/>
+              </a:spcAft>
+              <a:buSzPts val="1800"/>
+              <a:buChar char="●"/>
+            </a:pPr>
+            <a:r>
+              <a:rPr lang="en" sz="1800"/>
+              <a:t>Not so good for the others</a:t>
+            </a:r>
+            <a:endParaRPr sz="1800"/>
+          </a:p>
+          <a:p>
+            <a:pPr indent="-342900" lvl="0" marL="457200" rtl="0" algn="l">
+              <a:spcBef>
+                <a:spcPts val="0"/>
+              </a:spcBef>
+              <a:spcAft>
+                <a:spcPts val="0"/>
+              </a:spcAft>
+              <a:buSzPts val="1800"/>
+              <a:buChar char="●"/>
+            </a:pPr>
+            <a:r>
+              <a:rPr lang="en" sz="1800"/>
+              <a:t>Lesson learned:</a:t>
+            </a:r>
+            <a:endParaRPr sz="1800"/>
+          </a:p>
+          <a:p>
+            <a:pPr indent="-342900" lvl="1" marL="914400" rtl="0" algn="l">
+              <a:spcBef>
+                <a:spcPts val="0"/>
+              </a:spcBef>
+              <a:spcAft>
+                <a:spcPts val="0"/>
+              </a:spcAft>
+              <a:buSzPts val="1800"/>
+              <a:buChar char="○"/>
+            </a:pPr>
+            <a:r>
+              <a:rPr lang="en" sz="1800"/>
+              <a:t>should have </a:t>
+            </a:r>
+            <a:r>
+              <a:rPr lang="en" sz="1800"/>
+              <a:t>downsampled </a:t>
+            </a:r>
+            <a:r>
+              <a:rPr lang="en" sz="1800"/>
+              <a:t>5-star</a:t>
+            </a:r>
+            <a:endParaRPr sz="1800"/>
+          </a:p>
+          <a:p>
+            <a:pPr indent="-342900" lvl="1" marL="914400" rtl="0" algn="l">
+              <a:spcBef>
+                <a:spcPts val="0"/>
+              </a:spcBef>
+              <a:spcAft>
+                <a:spcPts val="0"/>
+              </a:spcAft>
+              <a:buSzPts val="1800"/>
+              <a:buChar char="○"/>
+            </a:pPr>
+            <a:r>
+              <a:rPr lang="en" sz="1800"/>
+              <a:t>or upsampled others</a:t>
+            </a:r>
+            <a:endParaRPr sz="1800"/>
+          </a:p>
+        </p:txBody>
+      </p:sp>
+      <p:pic>
+        <p:nvPicPr>
+          <p:cNvPr id="225" name="Google Shape;225;p27"/>
+          <p:cNvPicPr preferRelativeResize="0"/>
+          <p:nvPr/>
+        </p:nvPicPr>
+        <p:blipFill>
+          <a:blip r:embed="rId3">
+            <a:alphaModFix/>
+          </a:blip>
+          <a:stretch>
+            <a:fillRect/>
+          </a:stretch>
+        </p:blipFill>
+        <p:spPr>
+          <a:xfrm>
+            <a:off x="5143325" y="1202275"/>
+            <a:ext cx="2800329" cy="3530850"/>
+          </a:xfrm>
+          <a:prstGeom prst="rect">
+            <a:avLst/>
+          </a:prstGeom>
+          <a:noFill/>
+          <a:ln>
+            <a:noFill/>
+          </a:ln>
+        </p:spPr>
+      </p:pic>
+    </p:spTree>
+  </p:cSld>
+  <p:clrMapOvr>
+    <a:masterClrMapping/>
+  </p:clrMapOvr>
+</p:sld>
+</file>
+
+<file path=ppt/slides/slide16.xml><?xml version="1.0" encoding="utf-8"?>
+<p:sld xmlns:a="http://schemas.openxmlformats.org/drawingml/2006/main" xmlns:r="http://schemas.openxmlformats.org/officeDocument/2006/relationships" xmlns:mc="http://schemas.openxmlformats.org/markup-compatibility/2006" xmlns:mv="urn:schemas-microsoft-com:mac:vml" xmlns:p="http://schemas.openxmlformats.org/presentationml/2006/main" xmlns:c="http://schemas.openxmlformats.org/drawingml/2006/chart" xmlns:dgm="http://schemas.openxmlformats.org/drawingml/2006/diagram" xmlns:o="urn:schemas-microsoft-com:office:office" xmlns:v="urn:schemas-microsoft-com:vml" xmlns:pvml="urn:schemas-microsoft-com:office:powerpoint" xmlns:com="http://schemas.openxmlformats.org/drawingml/2006/compatibility" xmlns:p14="http://schemas.microsoft.com/office/powerpoint/2010/main" xmlns:p15="http://schemas.microsoft.com/office/powerpoint/2012/main" xmlns:ahyp="http://schemas.microsoft.com/office/drawing/2018/hyperlinkcolor">
+  <p:cSld>
+    <p:spTree>
+      <p:nvGrpSpPr>
+        <p:cNvPr id="229" name="Shape 229"/>
+        <p:cNvGrpSpPr/>
+        <p:nvPr/>
+      </p:nvGrpSpPr>
+      <p:grpSpPr>
+        <a:xfrm>
+          <a:off x="0" y="0"/>
+          <a:ext cx="0" cy="0"/>
+          <a:chOff x="0" y="0"/>
+          <a:chExt cx="0" cy="0"/>
+        </a:xfrm>
+      </p:grpSpPr>
+      <p:sp>
+        <p:nvSpPr>
+          <p:cNvPr id="230" name="Google Shape;230;p28"/>
+          <p:cNvSpPr txBox="1"/>
+          <p:nvPr>
+            <p:ph type="title"/>
+          </p:nvPr>
+        </p:nvSpPr>
+        <p:spPr>
+          <a:xfrm>
+            <a:off x="1297500" y="393750"/>
+            <a:ext cx="7038900" cy="914100"/>
+          </a:xfrm>
+          <a:prstGeom prst="rect">
+            <a:avLst/>
+          </a:prstGeom>
+        </p:spPr>
+        <p:txBody>
+          <a:bodyPr anchorCtr="0" anchor="t" bIns="91425" lIns="91425" spcFirstLastPara="1" rIns="91425" wrap="square" tIns="91425">
+            <a:normAutofit/>
+          </a:bodyPr>
+          <a:lstStyle/>
+          <a:p>
+            <a:pPr indent="0" lvl="0" marL="0" rtl="0" algn="l">
+              <a:spcBef>
+                <a:spcPts val="0"/>
+              </a:spcBef>
+              <a:spcAft>
+                <a:spcPts val="0"/>
+              </a:spcAft>
+              <a:buNone/>
+            </a:pPr>
+            <a:r>
+              <a:rPr lang="en" sz="3600"/>
+              <a:t>Additions to Project</a:t>
+            </a:r>
+            <a:endParaRPr sz="3600"/>
+          </a:p>
+        </p:txBody>
+      </p:sp>
+      <p:sp>
+        <p:nvSpPr>
+          <p:cNvPr id="231" name="Google Shape;231;p28"/>
+          <p:cNvSpPr txBox="1"/>
+          <p:nvPr>
+            <p:ph idx="1" type="body"/>
+          </p:nvPr>
+        </p:nvSpPr>
+        <p:spPr>
+          <a:xfrm>
+            <a:off x="1297500" y="1567550"/>
+            <a:ext cx="7038900" cy="2911200"/>
+          </a:xfrm>
+          <a:prstGeom prst="rect">
+            <a:avLst/>
+          </a:prstGeom>
+        </p:spPr>
+        <p:txBody>
+          <a:bodyPr anchorCtr="0" anchor="t" bIns="91425" lIns="91425" spcFirstLastPara="1" rIns="91425" wrap="square" tIns="91425">
+            <a:normAutofit/>
+          </a:bodyPr>
+          <a:lstStyle/>
+          <a:p>
+            <a:pPr indent="-342900" lvl="0" marL="457200" rtl="0" algn="l">
+              <a:spcBef>
+                <a:spcPts val="0"/>
+              </a:spcBef>
+              <a:spcAft>
+                <a:spcPts val="0"/>
+              </a:spcAft>
+              <a:buSzPts val="1800"/>
+              <a:buChar char="●"/>
+            </a:pPr>
+            <a:r>
+              <a:rPr lang="en" sz="1800"/>
+              <a:t>Created unit and integration tests.</a:t>
+            </a:r>
+            <a:endParaRPr sz="1800"/>
+          </a:p>
+          <a:p>
+            <a:pPr indent="-342900" lvl="0" marL="457200" rtl="0" algn="l">
+              <a:spcBef>
+                <a:spcPts val="0"/>
+              </a:spcBef>
+              <a:spcAft>
+                <a:spcPts val="0"/>
+              </a:spcAft>
+              <a:buSzPts val="1800"/>
+              <a:buChar char="●"/>
+            </a:pPr>
+            <a:r>
+              <a:rPr lang="en" sz="1800"/>
+              <a:t>Provided log results to assist with data cleaning and troubleshooting.</a:t>
+            </a:r>
+            <a:endParaRPr sz="1800"/>
+          </a:p>
+          <a:p>
+            <a:pPr indent="-342900" lvl="0" marL="457200" rtl="0" algn="l">
+              <a:spcBef>
+                <a:spcPts val="0"/>
+              </a:spcBef>
+              <a:spcAft>
+                <a:spcPts val="0"/>
+              </a:spcAft>
+              <a:buSzPts val="1800"/>
+              <a:buChar char="●"/>
+            </a:pPr>
+            <a:r>
+              <a:rPr lang="en" sz="1800"/>
+              <a:t>Added .env and environment_example.txt files.</a:t>
+            </a:r>
+            <a:endParaRPr sz="1800"/>
+          </a:p>
+          <a:p>
+            <a:pPr indent="-342900" lvl="0" marL="457200" rtl="0" algn="l">
+              <a:spcBef>
+                <a:spcPts val="0"/>
+              </a:spcBef>
+              <a:spcAft>
+                <a:spcPts val="0"/>
+              </a:spcAft>
+              <a:buSzPts val="1800"/>
+              <a:buChar char="●"/>
+            </a:pPr>
+            <a:r>
+              <a:rPr lang="en" sz="1800"/>
+              <a:t>Refactored course example tutorial from Python 2 to Python 3. </a:t>
+            </a:r>
+            <a:endParaRPr sz="1800"/>
+          </a:p>
+          <a:p>
+            <a:pPr indent="-342900" lvl="1" marL="914400" rtl="0" algn="l">
+              <a:spcBef>
+                <a:spcPts val="0"/>
+              </a:spcBef>
+              <a:spcAft>
+                <a:spcPts val="0"/>
+              </a:spcAft>
+              <a:buSzPts val="1800"/>
+              <a:buChar char="○"/>
+            </a:pPr>
+            <a:r>
+              <a:rPr lang="en" sz="1800"/>
+              <a:t>Involved updating a lot of deprecated code and re-writing functions and classes.</a:t>
+            </a:r>
+            <a:endParaRPr sz="1800"/>
+          </a:p>
+        </p:txBody>
+      </p:sp>
+    </p:spTree>
+  </p:cSld>
+  <p:clrMapOvr>
+    <a:masterClrMapping/>
+  </p:clrMapOvr>
+</p:sld>
+</file>
+
+<file path=ppt/slides/slide17.xml><?xml version="1.0" encoding="utf-8"?>
+<p:sld xmlns:a="http://schemas.openxmlformats.org/drawingml/2006/main" xmlns:r="http://schemas.openxmlformats.org/officeDocument/2006/relationships" xmlns:mc="http://schemas.openxmlformats.org/markup-compatibility/2006" xmlns:mv="urn:schemas-microsoft-com:mac:vml" xmlns:p="http://schemas.openxmlformats.org/presentationml/2006/main" xmlns:c="http://schemas.openxmlformats.org/drawingml/2006/chart" xmlns:dgm="http://schemas.openxmlformats.org/drawingml/2006/diagram" xmlns:o="urn:schemas-microsoft-com:office:office" xmlns:v="urn:schemas-microsoft-com:vml" xmlns:pvml="urn:schemas-microsoft-com:office:powerpoint" xmlns:com="http://schemas.openxmlformats.org/drawingml/2006/compatibility" xmlns:p14="http://schemas.microsoft.com/office/powerpoint/2010/main" xmlns:p15="http://schemas.microsoft.com/office/powerpoint/2012/main" xmlns:ahyp="http://schemas.microsoft.com/office/drawing/2018/hyperlinkcolor">
+  <p:cSld>
+    <p:spTree>
+      <p:nvGrpSpPr>
+        <p:cNvPr id="235" name="Shape 235"/>
+        <p:cNvGrpSpPr/>
+        <p:nvPr/>
+      </p:nvGrpSpPr>
+      <p:grpSpPr>
+        <a:xfrm>
+          <a:off x="0" y="0"/>
+          <a:ext cx="0" cy="0"/>
+          <a:chOff x="0" y="0"/>
+          <a:chExt cx="0" cy="0"/>
+        </a:xfrm>
+      </p:grpSpPr>
+      <p:sp>
+        <p:nvSpPr>
+          <p:cNvPr id="236" name="Google Shape;236;p29"/>
+          <p:cNvSpPr txBox="1"/>
+          <p:nvPr>
+            <p:ph type="title"/>
+          </p:nvPr>
+        </p:nvSpPr>
+        <p:spPr>
+          <a:xfrm>
+            <a:off x="1297500" y="393750"/>
+            <a:ext cx="7038900" cy="914100"/>
+          </a:xfrm>
+          <a:prstGeom prst="rect">
+            <a:avLst/>
+          </a:prstGeom>
+        </p:spPr>
+        <p:txBody>
+          <a:bodyPr anchorCtr="0" anchor="t" bIns="91425" lIns="91425" spcFirstLastPara="1" rIns="91425" wrap="square" tIns="91425">
+            <a:normAutofit/>
+          </a:bodyPr>
+          <a:lstStyle/>
+          <a:p>
+            <a:pPr indent="0" lvl="0" marL="0" rtl="0" algn="l">
+              <a:spcBef>
+                <a:spcPts val="0"/>
+              </a:spcBef>
+              <a:spcAft>
+                <a:spcPts val="0"/>
+              </a:spcAft>
+              <a:buNone/>
+            </a:pPr>
+            <a:r>
+              <a:rPr lang="en" sz="3600"/>
+              <a:t>Biggest Challenges</a:t>
+            </a:r>
+            <a:endParaRPr sz="3600"/>
+          </a:p>
+        </p:txBody>
+      </p:sp>
+      <p:sp>
+        <p:nvSpPr>
+          <p:cNvPr id="237" name="Google Shape;237;p29"/>
+          <p:cNvSpPr txBox="1"/>
+          <p:nvPr>
+            <p:ph idx="1" type="body"/>
+          </p:nvPr>
+        </p:nvSpPr>
+        <p:spPr>
+          <a:xfrm>
+            <a:off x="1297500" y="1567550"/>
+            <a:ext cx="7038900" cy="2911200"/>
+          </a:xfrm>
+          <a:prstGeom prst="rect">
+            <a:avLst/>
+          </a:prstGeom>
+        </p:spPr>
+        <p:txBody>
+          <a:bodyPr anchorCtr="0" anchor="t" bIns="91425" lIns="91425" spcFirstLastPara="1" rIns="91425" wrap="square" tIns="91425">
+            <a:normAutofit/>
+          </a:bodyPr>
+          <a:lstStyle/>
+          <a:p>
+            <a:pPr indent="-342900" lvl="0" marL="457200" rtl="0" algn="l">
+              <a:spcBef>
+                <a:spcPts val="0"/>
+              </a:spcBef>
+              <a:spcAft>
+                <a:spcPts val="0"/>
+              </a:spcAft>
+              <a:buSzPts val="1800"/>
+              <a:buChar char="●"/>
+            </a:pPr>
+            <a:r>
+              <a:rPr lang="en" sz="1800"/>
+              <a:t>Limiting the scope by:</a:t>
+            </a:r>
+            <a:endParaRPr sz="1800"/>
+          </a:p>
+          <a:p>
+            <a:pPr indent="-342900" lvl="1" marL="914400" rtl="0" algn="l">
+              <a:spcBef>
+                <a:spcPts val="0"/>
+              </a:spcBef>
+              <a:spcAft>
+                <a:spcPts val="0"/>
+              </a:spcAft>
+              <a:buSzPts val="1800"/>
+              <a:buChar char="○"/>
+            </a:pPr>
+            <a:r>
+              <a:rPr lang="en" sz="1800"/>
+              <a:t>analyzing just grocery data, and</a:t>
+            </a:r>
+            <a:endParaRPr sz="1800"/>
+          </a:p>
+          <a:p>
+            <a:pPr indent="-342900" lvl="1" marL="914400" rtl="0" algn="l">
+              <a:spcBef>
+                <a:spcPts val="0"/>
+              </a:spcBef>
+              <a:spcAft>
+                <a:spcPts val="0"/>
+              </a:spcAft>
+              <a:buSzPts val="1800"/>
+              <a:buChar char="○"/>
+            </a:pPr>
+            <a:r>
+              <a:rPr lang="en" sz="1800"/>
+              <a:t>evaluating only the recommendation models listed above.</a:t>
+            </a:r>
+            <a:endParaRPr sz="1800"/>
+          </a:p>
+          <a:p>
+            <a:pPr indent="-342900" lvl="0" marL="457200" rtl="0" algn="l">
+              <a:spcBef>
+                <a:spcPts val="0"/>
+              </a:spcBef>
+              <a:spcAft>
+                <a:spcPts val="0"/>
+              </a:spcAft>
+              <a:buSzPts val="1800"/>
+              <a:buChar char="●"/>
+            </a:pPr>
+            <a:r>
+              <a:rPr lang="en" sz="1800"/>
+              <a:t>More data cleaning was needed than was originally expected.</a:t>
+            </a:r>
+            <a:endParaRPr sz="1800"/>
+          </a:p>
+          <a:p>
+            <a:pPr indent="-342900" lvl="0" marL="457200" rtl="0" algn="l">
+              <a:spcBef>
+                <a:spcPts val="0"/>
+              </a:spcBef>
+              <a:spcAft>
+                <a:spcPts val="0"/>
+              </a:spcAft>
+              <a:buSzPts val="1800"/>
+              <a:buChar char="●"/>
+            </a:pPr>
+            <a:r>
+              <a:rPr lang="en" sz="1800"/>
+              <a:t>Updating the sample code to use more recent examples and modules.</a:t>
+            </a:r>
+            <a:endParaRPr sz="1800"/>
+          </a:p>
+          <a:p>
+            <a:pPr indent="-342900" lvl="0" marL="457200" rtl="0" algn="l">
+              <a:spcBef>
+                <a:spcPts val="0"/>
+              </a:spcBef>
+              <a:spcAft>
+                <a:spcPts val="0"/>
+              </a:spcAft>
+              <a:buSzPts val="1800"/>
+              <a:buChar char="●"/>
+            </a:pPr>
+            <a:r>
+              <a:rPr lang="en" sz="1800"/>
+              <a:t>The amount of processing time and resources needed to train and analyze the models.</a:t>
+            </a:r>
+            <a:endParaRPr sz="1800"/>
+          </a:p>
+        </p:txBody>
+      </p:sp>
+    </p:spTree>
+  </p:cSld>
+  <p:clrMapOvr>
+    <a:masterClrMapping/>
+  </p:clrMapOvr>
+</p:sld>
+</file>
+
+<file path=ppt/slides/slide18.xml><?xml version="1.0" encoding="utf-8"?>
+<p:sld xmlns:a="http://schemas.openxmlformats.org/drawingml/2006/main" xmlns:r="http://schemas.openxmlformats.org/officeDocument/2006/relationships" xmlns:mc="http://schemas.openxmlformats.org/markup-compatibility/2006" xmlns:mv="urn:schemas-microsoft-com:mac:vml" xmlns:p="http://schemas.openxmlformats.org/presentationml/2006/main" xmlns:c="http://schemas.openxmlformats.org/drawingml/2006/chart" xmlns:dgm="http://schemas.openxmlformats.org/drawingml/2006/diagram" xmlns:o="urn:schemas-microsoft-com:office:office" xmlns:v="urn:schemas-microsoft-com:vml" xmlns:pvml="urn:schemas-microsoft-com:office:powerpoint" xmlns:com="http://schemas.openxmlformats.org/drawingml/2006/compatibility" xmlns:p14="http://schemas.microsoft.com/office/powerpoint/2010/main" xmlns:p15="http://schemas.microsoft.com/office/powerpoint/2012/main" xmlns:ahyp="http://schemas.microsoft.com/office/drawing/2018/hyperlinkcolor">
+  <p:cSld>
+    <p:spTree>
+      <p:nvGrpSpPr>
+        <p:cNvPr id="241" name="Shape 241"/>
+        <p:cNvGrpSpPr/>
+        <p:nvPr/>
+      </p:nvGrpSpPr>
+      <p:grpSpPr>
+        <a:xfrm>
+          <a:off x="0" y="0"/>
+          <a:ext cx="0" cy="0"/>
+          <a:chOff x="0" y="0"/>
+          <a:chExt cx="0" cy="0"/>
+        </a:xfrm>
+      </p:grpSpPr>
+      <p:sp>
+        <p:nvSpPr>
+          <p:cNvPr id="242" name="Google Shape;242;p30"/>
           <p:cNvSpPr txBox="1"/>
           <p:nvPr>
             <p:ph type="title"/>
@@ -11217,7 +12839,7 @@
       </p:sp>
       <p:sp>
         <p:nvSpPr>
-          <p:cNvPr id="209" name="Google Shape;209;p25"/>
+          <p:cNvPr id="243" name="Google Shape;243;p30"/>
           <p:cNvSpPr txBox="1"/>
           <p:nvPr>
             <p:ph idx="1" type="body"/>
@@ -11226,7 +12848,7 @@
         <p:spPr>
           <a:xfrm>
             <a:off x="1297500" y="1567550"/>
-            <a:ext cx="7038900" cy="2911200"/>
+            <a:ext cx="7038900" cy="3076200"/>
           </a:xfrm>
           <a:prstGeom prst="rect">
             <a:avLst/>
@@ -11234,137 +12856,160 @@
         </p:spPr>
         <p:txBody>
           <a:bodyPr anchorCtr="0" anchor="t" bIns="91425" lIns="91425" spcFirstLastPara="1" rIns="91425" wrap="square" tIns="91425">
-            <a:normAutofit fontScale="77500" lnSpcReduction="20000"/>
+            <a:normAutofit lnSpcReduction="10000"/>
           </a:bodyPr>
           <a:lstStyle/>
           <a:p>
-            <a:pPr indent="-331946" lvl="0" marL="457200" rtl="0" algn="l">
-              <a:spcBef>
-                <a:spcPts val="0"/>
-              </a:spcBef>
-              <a:spcAft>
-                <a:spcPts val="0"/>
-              </a:spcAft>
-              <a:buSzPct val="100000"/>
+            <a:pPr indent="-342900" lvl="0" marL="457200" rtl="0" algn="l">
+              <a:spcBef>
+                <a:spcPts val="0"/>
+              </a:spcBef>
+              <a:spcAft>
+                <a:spcPts val="0"/>
+              </a:spcAft>
+              <a:buSzPts val="1800"/>
               <a:buChar char="●"/>
             </a:pPr>
             <a:r>
-              <a:rPr lang="en" sz="2100"/>
-              <a:t>Train version 3 on even more data. </a:t>
-            </a:r>
-            <a:endParaRPr sz="2100"/>
-          </a:p>
-          <a:p>
-            <a:pPr indent="-331946" lvl="0" marL="457200" rtl="0" algn="l">
-              <a:spcBef>
-                <a:spcPts val="0"/>
-              </a:spcBef>
-              <a:spcAft>
-                <a:spcPts val="0"/>
-              </a:spcAft>
-              <a:buSzPct val="100000"/>
+              <a:rPr lang="en" sz="1800"/>
+              <a:t>Create a newer version 4 using Pyspark.</a:t>
+            </a:r>
+            <a:endParaRPr sz="1800"/>
+          </a:p>
+          <a:p>
+            <a:pPr indent="-342900" lvl="1" marL="914400" rtl="0" algn="l">
+              <a:spcBef>
+                <a:spcPts val="0"/>
+              </a:spcBef>
+              <a:spcAft>
+                <a:spcPts val="0"/>
+              </a:spcAft>
+              <a:buSzPts val="1800"/>
+              <a:buChar char="○"/>
+            </a:pPr>
+            <a:r>
+              <a:rPr lang="en" sz="1800"/>
+              <a:t>Use parallel processing and cloud computing.</a:t>
+            </a:r>
+            <a:endParaRPr sz="1800"/>
+          </a:p>
+          <a:p>
+            <a:pPr indent="-342900" lvl="1" marL="914400" rtl="0" algn="l">
+              <a:spcBef>
+                <a:spcPts val="0"/>
+              </a:spcBef>
+              <a:spcAft>
+                <a:spcPts val="0"/>
+              </a:spcAft>
+              <a:buSzPts val="1800"/>
+              <a:buChar char="○"/>
+            </a:pPr>
+            <a:r>
+              <a:rPr lang="en" sz="1800"/>
+              <a:t>Build upon version 3.1 results.</a:t>
+            </a:r>
+            <a:endParaRPr sz="1800"/>
+          </a:p>
+          <a:p>
+            <a:pPr indent="-342900" lvl="1" marL="914400" rtl="0" algn="l">
+              <a:spcBef>
+                <a:spcPts val="0"/>
+              </a:spcBef>
+              <a:spcAft>
+                <a:spcPts val="0"/>
+              </a:spcAft>
+              <a:buSzPts val="1800"/>
+              <a:buChar char="○"/>
+            </a:pPr>
+            <a:r>
+              <a:rPr lang="en" sz="1800"/>
+              <a:t>Train on more data. </a:t>
+            </a:r>
+            <a:endParaRPr sz="1800"/>
+          </a:p>
+          <a:p>
+            <a:pPr indent="-342900" lvl="0" marL="457200" rtl="0" algn="l">
+              <a:spcBef>
+                <a:spcPts val="0"/>
+              </a:spcBef>
+              <a:spcAft>
+                <a:spcPts val="0"/>
+              </a:spcAft>
+              <a:buSzPts val="1800"/>
               <a:buChar char="●"/>
             </a:pPr>
             <a:r>
-              <a:rPr lang="en" sz="2100"/>
-              <a:t>Deploy into production with a serverless architecture; such as</a:t>
-            </a:r>
-            <a:endParaRPr sz="2100"/>
-          </a:p>
-          <a:p>
-            <a:pPr indent="0" lvl="0" marL="0" rtl="0" algn="l">
-              <a:spcBef>
-                <a:spcPts val="1200"/>
-              </a:spcBef>
-              <a:spcAft>
-                <a:spcPts val="0"/>
-              </a:spcAft>
-              <a:buNone/>
-            </a:pPr>
-            <a:r>
-              <a:t/>
-            </a:r>
-            <a:endParaRPr sz="2100"/>
-          </a:p>
-          <a:p>
-            <a:pPr indent="0" lvl="0" marL="0" rtl="0" algn="l">
-              <a:spcBef>
-                <a:spcPts val="1200"/>
-              </a:spcBef>
-              <a:spcAft>
-                <a:spcPts val="0"/>
-              </a:spcAft>
-              <a:buNone/>
-            </a:pPr>
-            <a:r>
-              <a:t/>
-            </a:r>
-            <a:endParaRPr sz="2100"/>
-          </a:p>
-          <a:p>
-            <a:pPr indent="0" lvl="0" marL="0" rtl="0" algn="l">
-              <a:spcBef>
-                <a:spcPts val="1200"/>
-              </a:spcBef>
-              <a:spcAft>
-                <a:spcPts val="0"/>
-              </a:spcAft>
-              <a:buNone/>
-            </a:pPr>
-            <a:r>
-              <a:t/>
-            </a:r>
-            <a:endParaRPr sz="2100"/>
-          </a:p>
-          <a:p>
-            <a:pPr indent="-331946" lvl="0" marL="457200" rtl="0" algn="l">
-              <a:spcBef>
-                <a:spcPts val="1200"/>
-              </a:spcBef>
-              <a:spcAft>
-                <a:spcPts val="0"/>
-              </a:spcAft>
-              <a:buSzPct val="100000"/>
+              <a:rPr lang="en" sz="1800"/>
+              <a:t>Deploy into production.</a:t>
+            </a:r>
+            <a:endParaRPr sz="1800"/>
+          </a:p>
+          <a:p>
+            <a:pPr indent="-342900" lvl="1" marL="914400" rtl="0" algn="l">
+              <a:spcBef>
+                <a:spcPts val="0"/>
+              </a:spcBef>
+              <a:spcAft>
+                <a:spcPts val="0"/>
+              </a:spcAft>
+              <a:buSzPts val="1800"/>
+              <a:buChar char="○"/>
+            </a:pPr>
+            <a:r>
+              <a:rPr lang="en" sz="1800"/>
+              <a:t>Faster prediction times (almost real-time vs batch).</a:t>
+            </a:r>
+            <a:endParaRPr sz="1800"/>
+          </a:p>
+          <a:p>
+            <a:pPr indent="-342900" lvl="0" marL="457200" rtl="0" algn="l">
+              <a:spcBef>
+                <a:spcPts val="0"/>
+              </a:spcBef>
+              <a:spcAft>
+                <a:spcPts val="0"/>
+              </a:spcAft>
+              <a:buSzPts val="1800"/>
               <a:buChar char="●"/>
             </a:pPr>
             <a:r>
-              <a:rPr lang="en" sz="2100"/>
+              <a:rPr lang="en" sz="1800"/>
               <a:t>Perform A/B testing to </a:t>
             </a:r>
             <a:r>
-              <a:rPr lang="en" sz="2100"/>
+              <a:rPr lang="en" sz="1800"/>
               <a:t>quantify</a:t>
             </a:r>
             <a:r>
-              <a:rPr lang="en" sz="2100"/>
+              <a:rPr lang="en" sz="1800"/>
               <a:t> the </a:t>
             </a:r>
             <a:r>
-              <a:rPr lang="en" sz="2100"/>
+              <a:rPr lang="en" sz="1800"/>
               <a:t>recommendations</a:t>
             </a:r>
             <a:r>
-              <a:rPr lang="en" sz="2100"/>
+              <a:rPr lang="en" sz="1800"/>
               <a:t> value.</a:t>
             </a:r>
-            <a:endParaRPr sz="2100"/>
-          </a:p>
-          <a:p>
-            <a:pPr indent="-331946" lvl="0" marL="457200" rtl="0" algn="l">
-              <a:spcBef>
-                <a:spcPts val="0"/>
-              </a:spcBef>
-              <a:spcAft>
-                <a:spcPts val="0"/>
-              </a:spcAft>
-              <a:buSzPct val="100000"/>
+            <a:endParaRPr sz="1800"/>
+          </a:p>
+          <a:p>
+            <a:pPr indent="-342900" lvl="0" marL="457200" rtl="0" algn="l">
+              <a:spcBef>
+                <a:spcPts val="0"/>
+              </a:spcBef>
+              <a:spcAft>
+                <a:spcPts val="0"/>
+              </a:spcAft>
+              <a:buSzPts val="1800"/>
               <a:buChar char="●"/>
             </a:pPr>
             <a:r>
-              <a:rPr lang="en" sz="2100"/>
+              <a:rPr lang="en" sz="1800"/>
               <a:t>Adjust to new data, the user’s behavior, and purchases over time.</a:t>
             </a:r>
-            <a:endParaRPr sz="2100"/>
+            <a:endParaRPr sz="1800"/>
           </a:p>
           <a:p>
             <a:pPr indent="0" lvl="0" marL="0" rtl="0" algn="l">
@@ -11383,34 +13028,6 @@
           </a:p>
         </p:txBody>
       </p:sp>
-      <p:pic>
-        <p:nvPicPr>
-          <p:cNvPr id="210" name="Google Shape;210;p25"/>
-          <p:cNvPicPr preferRelativeResize="0"/>
-          <p:nvPr/>
-        </p:nvPicPr>
-        <p:blipFill>
-          <a:blip r:embed="rId3">
-            <a:alphaModFix/>
-          </a:blip>
-          <a:stretch>
-            <a:fillRect/>
-          </a:stretch>
-        </p:blipFill>
-        <p:spPr>
-          <a:xfrm>
-            <a:off x="1673175" y="2203200"/>
-            <a:ext cx="5886450" cy="1181100"/>
-          </a:xfrm>
-          <a:prstGeom prst="rect">
-            <a:avLst/>
-          </a:prstGeom>
-          <a:noFill/>
-          <a:ln>
-            <a:noFill/>
-          </a:ln>
-        </p:spPr>
-      </p:pic>
     </p:spTree>
   </p:cSld>
   <p:clrMapOvr>
@@ -11419,12 +13036,12 @@
 </p:sld>
 </file>
 
-<file path=ppt/slides/slide14.xml><?xml version="1.0" encoding="utf-8"?>
+<file path=ppt/slides/slide19.xml><?xml version="1.0" encoding="utf-8"?>
 <p:sld xmlns:a="http://schemas.openxmlformats.org/drawingml/2006/main" xmlns:r="http://schemas.openxmlformats.org/officeDocument/2006/relationships" xmlns:mc="http://schemas.openxmlformats.org/markup-compatibility/2006" xmlns:mv="urn:schemas-microsoft-com:mac:vml" xmlns:p="http://schemas.openxmlformats.org/presentationml/2006/main" xmlns:c="http://schemas.openxmlformats.org/drawingml/2006/chart" xmlns:dgm="http://schemas.openxmlformats.org/drawingml/2006/diagram" xmlns:o="urn:schemas-microsoft-com:office:office" xmlns:v="urn:schemas-microsoft-com:vml" xmlns:pvml="urn:schemas-microsoft-com:office:powerpoint" xmlns:com="http://schemas.openxmlformats.org/drawingml/2006/compatibility" xmlns:p14="http://schemas.microsoft.com/office/powerpoint/2010/main" xmlns:p15="http://schemas.microsoft.com/office/powerpoint/2012/main" xmlns:ahyp="http://schemas.microsoft.com/office/drawing/2018/hyperlinkcolor">
   <p:cSld>
     <p:spTree>
       <p:nvGrpSpPr>
-        <p:cNvPr id="214" name="Shape 214"/>
+        <p:cNvPr id="247" name="Shape 247"/>
         <p:cNvGrpSpPr/>
         <p:nvPr/>
       </p:nvGrpSpPr>
@@ -11438,7 +13055,7 @@
       </p:grpSpPr>
       <p:sp>
         <p:nvSpPr>
-          <p:cNvPr id="215" name="Google Shape;215;p26"/>
+          <p:cNvPr id="248" name="Google Shape;248;p31"/>
           <p:cNvSpPr txBox="1"/>
           <p:nvPr>
             <p:ph type="title"/>
@@ -11478,7 +13095,7 @@
       </p:sp>
       <p:sp>
         <p:nvSpPr>
-          <p:cNvPr id="216" name="Google Shape;216;p26"/>
+          <p:cNvPr id="249" name="Google Shape;249;p31"/>
           <p:cNvSpPr txBox="1"/>
           <p:nvPr>
             <p:ph idx="1" type="body"/>
@@ -11499,14 +13116,15 @@
           </a:bodyPr>
           <a:lstStyle/>
           <a:p>
-            <a:pPr indent="0" lvl="0" marL="0" rtl="0" algn="l">
-              <a:spcBef>
-                <a:spcPts val="0"/>
-              </a:spcBef>
-              <a:spcAft>
-                <a:spcPts val="0"/>
-              </a:spcAft>
-              <a:buNone/>
+            <a:pPr indent="-342900" lvl="0" marL="457200" rtl="0" algn="l">
+              <a:spcBef>
+                <a:spcPts val="0"/>
+              </a:spcBef>
+              <a:spcAft>
+                <a:spcPts val="0"/>
+              </a:spcAft>
+              <a:buSzPts val="1800"/>
+              <a:buChar char="●"/>
             </a:pPr>
             <a:r>
               <a:rPr lang="en" sz="1800"/>
@@ -11519,151 +13137,41 @@
             <a:endParaRPr sz="1800"/>
           </a:p>
           <a:p>
-            <a:pPr indent="0" lvl="0" marL="0" rtl="0" algn="l">
-              <a:spcBef>
-                <a:spcPts val="1200"/>
-              </a:spcBef>
-              <a:spcAft>
-                <a:spcPts val="0"/>
-              </a:spcAft>
-              <a:buNone/>
-            </a:pPr>
-            <a:r>
-              <a:t/>
+            <a:pPr indent="-342900" lvl="0" marL="457200" rtl="0" algn="l">
+              <a:spcBef>
+                <a:spcPts val="0"/>
+              </a:spcBef>
+              <a:spcAft>
+                <a:spcPts val="0"/>
+              </a:spcAft>
+              <a:buSzPts val="1800"/>
+              <a:buChar char="●"/>
+            </a:pPr>
+            <a:r>
+              <a:rPr lang="en" sz="1800"/>
+              <a:t>A hybrid model using both content-based and collaborative filtering provided the best recommendations:</a:t>
             </a:r>
             <a:endParaRPr sz="1800"/>
           </a:p>
           <a:p>
-            <a:pPr indent="0" lvl="0" marL="0" rtl="0" algn="l">
-              <a:spcBef>
-                <a:spcPts val="1200"/>
-              </a:spcBef>
-              <a:spcAft>
-                <a:spcPts val="1200"/>
-              </a:spcAft>
-              <a:buNone/>
+            <a:pPr indent="-342900" lvl="1" marL="914400" rtl="0" algn="l">
+              <a:spcBef>
+                <a:spcPts val="0"/>
+              </a:spcBef>
+              <a:spcAft>
+                <a:spcPts val="0"/>
+              </a:spcAft>
+              <a:buSzPts val="1800"/>
+              <a:buChar char="○"/>
             </a:pPr>
             <a:r>
               <a:rPr lang="en" sz="1800"/>
-              <a:t>A hybrid model using both content-based and collaborative filtering provided the best recommendations with an accuracy of 60-90%.</a:t>
+              <a:t>Accuracy: 0.90</a:t>
             </a:r>
             <a:endParaRPr sz="1800"/>
           </a:p>
-        </p:txBody>
-      </p:sp>
-    </p:spTree>
-  </p:cSld>
-  <p:clrMapOvr>
-    <a:masterClrMapping/>
-  </p:clrMapOvr>
-</p:sld>
-</file>
-
-<file path=ppt/slides/slide15.xml><?xml version="1.0" encoding="utf-8"?>
-<p:sld xmlns:a="http://schemas.openxmlformats.org/drawingml/2006/main" xmlns:r="http://schemas.openxmlformats.org/officeDocument/2006/relationships" xmlns:mc="http://schemas.openxmlformats.org/markup-compatibility/2006" xmlns:mv="urn:schemas-microsoft-com:mac:vml" xmlns:p="http://schemas.openxmlformats.org/presentationml/2006/main" xmlns:c="http://schemas.openxmlformats.org/drawingml/2006/chart" xmlns:dgm="http://schemas.openxmlformats.org/drawingml/2006/diagram" xmlns:o="urn:schemas-microsoft-com:office:office" xmlns:v="urn:schemas-microsoft-com:vml" xmlns:pvml="urn:schemas-microsoft-com:office:powerpoint" xmlns:com="http://schemas.openxmlformats.org/drawingml/2006/compatibility" xmlns:p14="http://schemas.microsoft.com/office/powerpoint/2010/main" xmlns:p15="http://schemas.microsoft.com/office/powerpoint/2012/main" xmlns:ahyp="http://schemas.microsoft.com/office/drawing/2018/hyperlinkcolor">
-  <p:cSld>
-    <p:spTree>
-      <p:nvGrpSpPr>
-        <p:cNvPr id="220" name="Shape 220"/>
-        <p:cNvGrpSpPr/>
-        <p:nvPr/>
-      </p:nvGrpSpPr>
-      <p:grpSpPr>
-        <a:xfrm>
-          <a:off x="0" y="0"/>
-          <a:ext cx="0" cy="0"/>
-          <a:chOff x="0" y="0"/>
-          <a:chExt cx="0" cy="0"/>
-        </a:xfrm>
-      </p:grpSpPr>
-      <p:sp>
-        <p:nvSpPr>
-          <p:cNvPr id="221" name="Google Shape;221;p27"/>
-          <p:cNvSpPr txBox="1"/>
-          <p:nvPr>
-            <p:ph type="title"/>
-          </p:nvPr>
-        </p:nvSpPr>
-        <p:spPr>
-          <a:xfrm>
-            <a:off x="1297500" y="393750"/>
-            <a:ext cx="7038900" cy="914100"/>
-          </a:xfrm>
-          <a:prstGeom prst="rect">
-            <a:avLst/>
-          </a:prstGeom>
-        </p:spPr>
-        <p:txBody>
-          <a:bodyPr anchorCtr="0" anchor="t" bIns="91425" lIns="91425" spcFirstLastPara="1" rIns="91425" wrap="square" tIns="91425">
-            <a:normAutofit/>
-          </a:bodyPr>
-          <a:lstStyle/>
-          <a:p>
-            <a:pPr indent="0" lvl="0" marL="0" rtl="0" algn="l">
-              <a:spcBef>
-                <a:spcPts val="0"/>
-              </a:spcBef>
-              <a:spcAft>
-                <a:spcPts val="0"/>
-              </a:spcAft>
-              <a:buNone/>
-            </a:pPr>
-            <a:r>
-              <a:rPr lang="en" sz="3600"/>
-              <a:t>Questions</a:t>
-            </a:r>
-            <a:endParaRPr sz="3600"/>
-          </a:p>
-        </p:txBody>
-      </p:sp>
-      <p:sp>
-        <p:nvSpPr>
-          <p:cNvPr id="222" name="Google Shape;222;p27"/>
-          <p:cNvSpPr txBox="1"/>
-          <p:nvPr>
-            <p:ph idx="1" type="body"/>
-          </p:nvPr>
-        </p:nvSpPr>
-        <p:spPr>
-          <a:xfrm>
-            <a:off x="1297500" y="2411250"/>
-            <a:ext cx="7038900" cy="2911200"/>
-          </a:xfrm>
-          <a:prstGeom prst="rect">
-            <a:avLst/>
-          </a:prstGeom>
-        </p:spPr>
-        <p:txBody>
-          <a:bodyPr anchorCtr="0" anchor="t" bIns="91425" lIns="91425" spcFirstLastPara="1" rIns="91425" wrap="square" tIns="91425">
-            <a:normAutofit/>
-          </a:bodyPr>
-          <a:lstStyle/>
-          <a:p>
-            <a:pPr indent="0" lvl="0" marL="0" rtl="0" algn="l">
-              <a:lnSpc>
-                <a:spcPct val="100000"/>
-              </a:lnSpc>
-              <a:spcBef>
-                <a:spcPts val="0"/>
-              </a:spcBef>
-              <a:spcAft>
-                <a:spcPts val="0"/>
-              </a:spcAft>
-              <a:buNone/>
-            </a:pPr>
-            <a:r>
-              <a:rPr lang="en" sz="2400">
-                <a:latin typeface="Montserrat"/>
-                <a:ea typeface="Montserrat"/>
-                <a:cs typeface="Montserrat"/>
-                <a:sym typeface="Montserrat"/>
-              </a:rPr>
-              <a:t>References</a:t>
-            </a:r>
-            <a:endParaRPr sz="2400"/>
-          </a:p>
-          <a:p>
-            <a:pPr indent="-342900" lvl="0" marL="457200" rtl="0" algn="l">
+          <a:p>
+            <a:pPr indent="-342900" lvl="1" marL="914400" rtl="0" algn="l">
               <a:spcBef>
                 <a:spcPts val="0"/>
               </a:spcBef>
@@ -11671,32 +13179,45 @@
                 <a:spcPts val="0"/>
               </a:spcAft>
               <a:buSzPts val="1800"/>
-              <a:buAutoNum type="arabicParenR"/>
+              <a:buChar char="○"/>
             </a:pPr>
             <a:r>
               <a:rPr lang="en" sz="1800"/>
-              <a:t>S</a:t>
-            </a:r>
+              <a:t>Precision: 0.81</a:t>
+            </a:r>
+            <a:endParaRPr sz="1800"/>
+          </a:p>
+          <a:p>
+            <a:pPr indent="-342900" lvl="1" marL="914400" rtl="0" algn="l">
+              <a:spcBef>
+                <a:spcPts val="0"/>
+              </a:spcBef>
+              <a:spcAft>
+                <a:spcPts val="0"/>
+              </a:spcAft>
+              <a:buSzPts val="1800"/>
+              <a:buChar char="○"/>
+            </a:pPr>
             <a:r>
               <a:rPr lang="en" sz="1800"/>
-              <a:t>igmoidal.io (</a:t>
-            </a:r>
+              <a:t>Recall: 0.90</a:t>
+            </a:r>
+            <a:endParaRPr sz="1800"/>
+          </a:p>
+          <a:p>
+            <a:pPr indent="-342900" lvl="1" marL="914400" rtl="0" algn="l">
+              <a:spcBef>
+                <a:spcPts val="0"/>
+              </a:spcBef>
+              <a:spcAft>
+                <a:spcPts val="0"/>
+              </a:spcAft>
+              <a:buSzPts val="1800"/>
+              <a:buChar char="○"/>
+            </a:pPr>
             <a:r>
               <a:rPr lang="en" sz="1800"/>
-              <a:t>2017). AI &amp; Machine Learning Consulting. </a:t>
-            </a:r>
-            <a:r>
-              <a:rPr lang="en" sz="1800" u="sng">
-                <a:solidFill>
-                  <a:schemeClr val="hlink"/>
-                </a:solidFill>
-                <a:hlinkClick r:id="rId3"/>
-              </a:rPr>
-              <a:t>Recommendation Systems - How Companies are Making Money</a:t>
-            </a:r>
-            <a:r>
-              <a:rPr lang="en" sz="1800"/>
-              <a:t>.</a:t>
+              <a:t>F1-score: 0.85</a:t>
             </a:r>
             <a:endParaRPr sz="1800"/>
           </a:p>
@@ -11786,6 +13307,174 @@
         </p:spPr>
         <p:txBody>
           <a:bodyPr anchorCtr="0" anchor="t" bIns="91425" lIns="91425" spcFirstLastPara="1" rIns="91425" wrap="square" tIns="91425">
+            <a:noAutofit/>
+          </a:bodyPr>
+          <a:lstStyle/>
+          <a:p>
+            <a:pPr indent="-342900" lvl="0" marL="457200" rtl="0" algn="l">
+              <a:spcBef>
+                <a:spcPts val="0"/>
+              </a:spcBef>
+              <a:spcAft>
+                <a:spcPts val="0"/>
+              </a:spcAft>
+              <a:buSzPts val="1800"/>
+              <a:buChar char="●"/>
+            </a:pPr>
+            <a:r>
+              <a:rPr lang="en" sz="1800"/>
+              <a:t>Recommendation systems help increase sales and improve customer satisfaction.</a:t>
+            </a:r>
+            <a:endParaRPr sz="1800"/>
+          </a:p>
+          <a:p>
+            <a:pPr indent="-342900" lvl="0" marL="457200" rtl="0" algn="l">
+              <a:spcBef>
+                <a:spcPts val="0"/>
+              </a:spcBef>
+              <a:spcAft>
+                <a:spcPts val="0"/>
+              </a:spcAft>
+              <a:buSzPts val="1800"/>
+              <a:buChar char="●"/>
+            </a:pPr>
+            <a:r>
+              <a:rPr lang="en" sz="1800"/>
+              <a:t>Evaluated multiple machine learning models using: </a:t>
+            </a:r>
+            <a:endParaRPr sz="1800"/>
+          </a:p>
+          <a:p>
+            <a:pPr indent="-342900" lvl="1" marL="914400" rtl="0" algn="l">
+              <a:spcBef>
+                <a:spcPts val="0"/>
+              </a:spcBef>
+              <a:spcAft>
+                <a:spcPts val="0"/>
+              </a:spcAft>
+              <a:buSzPts val="1800"/>
+              <a:buChar char="○"/>
+            </a:pPr>
+            <a:r>
+              <a:rPr lang="en" sz="1800"/>
+              <a:t>simple means, </a:t>
+            </a:r>
+            <a:endParaRPr sz="1800"/>
+          </a:p>
+          <a:p>
+            <a:pPr indent="-342900" lvl="1" marL="914400" rtl="0" algn="l">
+              <a:spcBef>
+                <a:spcPts val="0"/>
+              </a:spcBef>
+              <a:spcAft>
+                <a:spcPts val="0"/>
+              </a:spcAft>
+              <a:buSzPts val="1800"/>
+              <a:buChar char="○"/>
+            </a:pPr>
+            <a:r>
+              <a:rPr lang="en" sz="1800"/>
+              <a:t>various custom similarity functions, and </a:t>
+            </a:r>
+            <a:endParaRPr sz="1800"/>
+          </a:p>
+          <a:p>
+            <a:pPr indent="-342900" lvl="1" marL="914400" rtl="0" algn="l">
+              <a:spcBef>
+                <a:spcPts val="0"/>
+              </a:spcBef>
+              <a:spcAft>
+                <a:spcPts val="0"/>
+              </a:spcAft>
+              <a:buSzPts val="1800"/>
+              <a:buChar char="○"/>
+            </a:pPr>
+            <a:r>
+              <a:rPr lang="en" sz="1800"/>
+              <a:t>hybrid approaches.</a:t>
+            </a:r>
+            <a:endParaRPr sz="1800"/>
+          </a:p>
+          <a:p>
+            <a:pPr indent="-342900" lvl="0" marL="457200" rtl="0" algn="l">
+              <a:spcBef>
+                <a:spcPts val="0"/>
+              </a:spcBef>
+              <a:spcAft>
+                <a:spcPts val="0"/>
+              </a:spcAft>
+              <a:buSzPts val="1800"/>
+              <a:buChar char="●"/>
+            </a:pPr>
+            <a:r>
+              <a:rPr lang="en" sz="1800"/>
+              <a:t>Combining content-based and collaborative filtering achieved the best results.</a:t>
+            </a:r>
+            <a:endParaRPr sz="1800"/>
+          </a:p>
+          <a:p>
+            <a:pPr indent="-342900" lvl="1" marL="914400" rtl="0" algn="l">
+              <a:spcBef>
+                <a:spcPts val="0"/>
+              </a:spcBef>
+              <a:spcAft>
+                <a:spcPts val="0"/>
+              </a:spcAft>
+              <a:buSzPts val="1800"/>
+              <a:buChar char="○"/>
+            </a:pPr>
+            <a:r>
+              <a:rPr lang="en" sz="1800"/>
+              <a:t>F1-score: 85%</a:t>
+            </a:r>
+            <a:endParaRPr sz="1800"/>
+          </a:p>
+        </p:txBody>
+      </p:sp>
+    </p:spTree>
+  </p:cSld>
+  <p:clrMapOvr>
+    <a:masterClrMapping/>
+  </p:clrMapOvr>
+</p:sld>
+</file>
+
+<file path=ppt/slides/slide20.xml><?xml version="1.0" encoding="utf-8"?>
+<p:sld xmlns:a="http://schemas.openxmlformats.org/drawingml/2006/main" xmlns:r="http://schemas.openxmlformats.org/officeDocument/2006/relationships" xmlns:mc="http://schemas.openxmlformats.org/markup-compatibility/2006" xmlns:mv="urn:schemas-microsoft-com:mac:vml" xmlns:p="http://schemas.openxmlformats.org/presentationml/2006/main" xmlns:c="http://schemas.openxmlformats.org/drawingml/2006/chart" xmlns:dgm="http://schemas.openxmlformats.org/drawingml/2006/diagram" xmlns:o="urn:schemas-microsoft-com:office:office" xmlns:v="urn:schemas-microsoft-com:vml" xmlns:pvml="urn:schemas-microsoft-com:office:powerpoint" xmlns:com="http://schemas.openxmlformats.org/drawingml/2006/compatibility" xmlns:p14="http://schemas.microsoft.com/office/powerpoint/2010/main" xmlns:p15="http://schemas.microsoft.com/office/powerpoint/2012/main" xmlns:ahyp="http://schemas.microsoft.com/office/drawing/2018/hyperlinkcolor">
+  <p:cSld>
+    <p:spTree>
+      <p:nvGrpSpPr>
+        <p:cNvPr id="253" name="Shape 253"/>
+        <p:cNvGrpSpPr/>
+        <p:nvPr/>
+      </p:nvGrpSpPr>
+      <p:grpSpPr>
+        <a:xfrm>
+          <a:off x="0" y="0"/>
+          <a:ext cx="0" cy="0"/>
+          <a:chOff x="0" y="0"/>
+          <a:chExt cx="0" cy="0"/>
+        </a:xfrm>
+      </p:grpSpPr>
+      <p:sp>
+        <p:nvSpPr>
+          <p:cNvPr id="254" name="Google Shape;254;p32"/>
+          <p:cNvSpPr txBox="1"/>
+          <p:nvPr>
+            <p:ph type="title"/>
+          </p:nvPr>
+        </p:nvSpPr>
+        <p:spPr>
+          <a:xfrm>
+            <a:off x="1297500" y="393750"/>
+            <a:ext cx="7038900" cy="914100"/>
+          </a:xfrm>
+          <a:prstGeom prst="rect">
+            <a:avLst/>
+          </a:prstGeom>
+        </p:spPr>
+        <p:txBody>
+          <a:bodyPr anchorCtr="0" anchor="t" bIns="91425" lIns="91425" spcFirstLastPara="1" rIns="91425" wrap="square" tIns="91425">
             <a:normAutofit/>
           </a:bodyPr>
           <a:lstStyle/>
@@ -11800,62 +13489,296 @@
               <a:buNone/>
             </a:pPr>
             <a:r>
-              <a:rPr lang="en" sz="2400"/>
-              <a:t>Question</a:t>
-            </a:r>
-            <a:endParaRPr sz="2400"/>
-          </a:p>
+              <a:rPr lang="en" sz="3600"/>
+              <a:t>Questions?</a:t>
+            </a:r>
+            <a:endParaRPr sz="3600"/>
+          </a:p>
+        </p:txBody>
+      </p:sp>
+      <p:sp>
+        <p:nvSpPr>
+          <p:cNvPr id="255" name="Google Shape;255;p32"/>
+          <p:cNvSpPr txBox="1"/>
+          <p:nvPr>
+            <p:ph idx="1" type="body"/>
+          </p:nvPr>
+        </p:nvSpPr>
+        <p:spPr>
+          <a:xfrm>
+            <a:off x="1297500" y="1257650"/>
+            <a:ext cx="7038900" cy="3611700"/>
+          </a:xfrm>
+          <a:prstGeom prst="rect">
+            <a:avLst/>
+          </a:prstGeom>
+        </p:spPr>
+        <p:txBody>
+          <a:bodyPr anchorCtr="0" anchor="t" bIns="91425" lIns="91425" spcFirstLastPara="1" rIns="91425" wrap="square" tIns="91425">
+            <a:normAutofit lnSpcReduction="10000"/>
+          </a:bodyPr>
+          <a:lstStyle/>
           <a:p>
             <a:pPr indent="0" lvl="0" marL="0" rtl="0" algn="l">
-              <a:spcBef>
-                <a:spcPts val="1200"/>
-              </a:spcBef>
-              <a:spcAft>
-                <a:spcPts val="0"/>
-              </a:spcAft>
-              <a:buNone/>
-            </a:pPr>
-            <a:r>
-              <a:rPr lang="en" sz="1800"/>
-              <a:t>W</a:t>
-            </a:r>
-            <a:r>
-              <a:rPr lang="en" sz="1800"/>
-              <a:t>hat type of machine learning models provide the most accurate recommendations?</a:t>
-            </a:r>
-            <a:endParaRPr sz="1800"/>
+              <a:lnSpc>
+                <a:spcPct val="100000"/>
+              </a:lnSpc>
+              <a:spcBef>
+                <a:spcPts val="0"/>
+              </a:spcBef>
+              <a:spcAft>
+                <a:spcPts val="0"/>
+              </a:spcAft>
+              <a:buNone/>
+            </a:pPr>
+            <a:r>
+              <a:rPr lang="en" sz="2400">
+                <a:latin typeface="Montserrat"/>
+                <a:ea typeface="Montserrat"/>
+                <a:cs typeface="Montserrat"/>
+                <a:sym typeface="Montserrat"/>
+              </a:rPr>
+              <a:t>References</a:t>
+            </a:r>
+            <a:endParaRPr sz="2400">
+              <a:latin typeface="Montserrat"/>
+              <a:ea typeface="Montserrat"/>
+              <a:cs typeface="Montserrat"/>
+              <a:sym typeface="Montserrat"/>
+            </a:endParaRPr>
           </a:p>
           <a:p>
             <a:pPr indent="0" lvl="0" marL="0" rtl="0" algn="l">
-              <a:spcBef>
-                <a:spcPts val="1200"/>
-              </a:spcBef>
-              <a:spcAft>
-                <a:spcPts val="0"/>
-              </a:spcAft>
-              <a:buNone/>
-            </a:pPr>
-            <a:r>
-              <a:rPr lang="en" sz="2400"/>
-              <a:t>Answer</a:t>
-            </a:r>
-            <a:endParaRPr sz="2400"/>
-          </a:p>
-          <a:p>
-            <a:pPr indent="0" lvl="0" marL="0" rtl="0" algn="l">
-              <a:spcBef>
-                <a:spcPts val="1200"/>
-              </a:spcBef>
-              <a:spcAft>
-                <a:spcPts val="1200"/>
-              </a:spcAft>
-              <a:buNone/>
-            </a:pPr>
-            <a:r>
-              <a:rPr lang="en" sz="1800"/>
-              <a:t>A hybrid model using both content-based and collaborative filtering achieved an accuracy of 60-90%.</a:t>
-            </a:r>
-            <a:endParaRPr sz="1800"/>
+              <a:lnSpc>
+                <a:spcPct val="100000"/>
+              </a:lnSpc>
+              <a:spcBef>
+                <a:spcPts val="0"/>
+              </a:spcBef>
+              <a:spcAft>
+                <a:spcPts val="0"/>
+              </a:spcAft>
+              <a:buNone/>
+            </a:pPr>
+            <a:r>
+              <a:t/>
+            </a:r>
+            <a:endParaRPr sz="1400">
+              <a:latin typeface="Montserrat"/>
+              <a:ea typeface="Montserrat"/>
+              <a:cs typeface="Montserrat"/>
+              <a:sym typeface="Montserrat"/>
+            </a:endParaRPr>
+          </a:p>
+          <a:p>
+            <a:pPr indent="-317500" lvl="0" marL="457200" rtl="0" algn="l">
+              <a:spcBef>
+                <a:spcPts val="0"/>
+              </a:spcBef>
+              <a:spcAft>
+                <a:spcPts val="0"/>
+              </a:spcAft>
+              <a:buSzPts val="1400"/>
+              <a:buChar char="●"/>
+            </a:pPr>
+            <a:r>
+              <a:rPr lang="en" sz="1400"/>
+              <a:t>Jianmo Ni (2018). </a:t>
+            </a:r>
+            <a:r>
+              <a:rPr lang="en" sz="1400" u="sng">
+                <a:solidFill>
+                  <a:schemeClr val="hlink"/>
+                </a:solidFill>
+                <a:hlinkClick r:id="rId3"/>
+              </a:rPr>
+              <a:t>Amazon Review Data (2018)</a:t>
+            </a:r>
+            <a:r>
+              <a:rPr lang="en" sz="1400"/>
+              <a:t>.</a:t>
+            </a:r>
+            <a:endParaRPr sz="1400"/>
+          </a:p>
+          <a:p>
+            <a:pPr indent="-317500" lvl="0" marL="457200" rtl="0" algn="l">
+              <a:spcBef>
+                <a:spcPts val="0"/>
+              </a:spcBef>
+              <a:spcAft>
+                <a:spcPts val="0"/>
+              </a:spcAft>
+              <a:buSzPts val="1400"/>
+              <a:buChar char="●"/>
+            </a:pPr>
+            <a:r>
+              <a:rPr lang="en" sz="1400"/>
+              <a:t>Muffaddal Qutbuddin (2020). </a:t>
+            </a:r>
+            <a:r>
+              <a:rPr lang="en" sz="1400" u="sng">
+                <a:solidFill>
+                  <a:schemeClr val="hlink"/>
+                </a:solidFill>
+                <a:hlinkClick r:id="rId4"/>
+              </a:rPr>
+              <a:t>An Exhaustive List of Methods to Evaluate Recommender Systems</a:t>
+            </a:r>
+            <a:r>
+              <a:rPr lang="en" sz="1400"/>
+              <a:t>.</a:t>
+            </a:r>
+            <a:endParaRPr sz="1400"/>
+          </a:p>
+          <a:p>
+            <a:pPr indent="-317500" lvl="0" marL="457200" rtl="0" algn="l">
+              <a:spcBef>
+                <a:spcPts val="0"/>
+              </a:spcBef>
+              <a:spcAft>
+                <a:spcPts val="0"/>
+              </a:spcAft>
+              <a:buSzPts val="1400"/>
+              <a:buChar char="●"/>
+            </a:pPr>
+            <a:r>
+              <a:rPr lang="en" sz="1400"/>
+              <a:t>Rumi Olsen (2018). </a:t>
+            </a:r>
+            <a:r>
+              <a:rPr lang="en" sz="1400" u="sng">
+                <a:solidFill>
+                  <a:schemeClr val="hlink"/>
+                </a:solidFill>
+                <a:hlinkClick r:id="rId5"/>
+              </a:rPr>
+              <a:t>Call an Amazon SageMaker model endpoint using Amazon API Gateway and AWS Lambda</a:t>
+            </a:r>
+            <a:r>
+              <a:rPr lang="en" sz="1400"/>
+              <a:t>.</a:t>
+            </a:r>
+            <a:endParaRPr sz="1400"/>
+          </a:p>
+          <a:p>
+            <a:pPr indent="-317500" lvl="0" marL="457200" rtl="0" algn="l">
+              <a:spcBef>
+                <a:spcPts val="0"/>
+              </a:spcBef>
+              <a:spcAft>
+                <a:spcPts val="0"/>
+              </a:spcAft>
+              <a:buSzPts val="1400"/>
+              <a:buChar char="●"/>
+            </a:pPr>
+            <a:r>
+              <a:rPr lang="en" sz="1400"/>
+              <a:t>Scikit Learn 0.24.2 (2021). </a:t>
+            </a:r>
+            <a:r>
+              <a:rPr lang="en" sz="1400" u="sng">
+                <a:solidFill>
+                  <a:schemeClr val="hlink"/>
+                </a:solidFill>
+                <a:hlinkClick r:id="rId6"/>
+              </a:rPr>
+              <a:t>Precision-Recall</a:t>
+            </a:r>
+            <a:r>
+              <a:rPr lang="en" sz="1400"/>
+              <a:t>.</a:t>
+            </a:r>
+            <a:endParaRPr sz="1400"/>
+          </a:p>
+          <a:p>
+            <a:pPr indent="-317500" lvl="0" marL="457200" rtl="0" algn="l">
+              <a:spcBef>
+                <a:spcPts val="0"/>
+              </a:spcBef>
+              <a:spcAft>
+                <a:spcPts val="0"/>
+              </a:spcAft>
+              <a:buSzPts val="1400"/>
+              <a:buChar char="●"/>
+            </a:pPr>
+            <a:r>
+              <a:rPr lang="en" sz="1400"/>
+              <a:t>Sigmoidal.io (2017). </a:t>
+            </a:r>
+            <a:r>
+              <a:rPr lang="en" sz="1400" u="sng">
+                <a:solidFill>
+                  <a:schemeClr val="hlink"/>
+                </a:solidFill>
+                <a:hlinkClick r:id="rId7"/>
+              </a:rPr>
+              <a:t>AI &amp; Machine Learning Consulting. Recommendation Systems - How Companies are Making Money</a:t>
+            </a:r>
+            <a:r>
+              <a:rPr lang="en" sz="1400"/>
+              <a:t>.</a:t>
+            </a:r>
+            <a:endParaRPr sz="1400"/>
+          </a:p>
+          <a:p>
+            <a:pPr indent="-317500" lvl="0" marL="457200" rtl="0" algn="l">
+              <a:spcBef>
+                <a:spcPts val="0"/>
+              </a:spcBef>
+              <a:spcAft>
+                <a:spcPts val="0"/>
+              </a:spcAft>
+              <a:buSzPts val="1400"/>
+              <a:buChar char="●"/>
+            </a:pPr>
+            <a:r>
+              <a:rPr lang="en" sz="1400"/>
+              <a:t>Tomáš Řehořek (2016). </a:t>
+            </a:r>
+            <a:r>
+              <a:rPr lang="en" sz="1400" u="sng">
+                <a:solidFill>
+                  <a:schemeClr val="hlink"/>
+                </a:solidFill>
+                <a:hlinkClick r:id="rId8"/>
+              </a:rPr>
+              <a:t>Evaluating Recommender Systems: Choosing the best one for your business</a:t>
+            </a:r>
+            <a:r>
+              <a:rPr lang="en" sz="1400"/>
+              <a:t>.</a:t>
+            </a:r>
+            <a:endParaRPr sz="1400"/>
+          </a:p>
+          <a:p>
+            <a:pPr indent="-317500" lvl="0" marL="457200" rtl="0" algn="l">
+              <a:spcBef>
+                <a:spcPts val="0"/>
+              </a:spcBef>
+              <a:spcAft>
+                <a:spcPts val="0"/>
+              </a:spcAft>
+              <a:buSzPts val="1400"/>
+              <a:buChar char="●"/>
+            </a:pPr>
+            <a:r>
+              <a:rPr lang="en" sz="1400"/>
+              <a:t>Unata (2015). </a:t>
+            </a:r>
+            <a:r>
+              <a:rPr lang="en" sz="1400" u="sng">
+                <a:solidFill>
+                  <a:schemeClr val="hlink"/>
+                </a:solidFill>
+                <a:hlinkClick r:id="rId9"/>
+              </a:rPr>
+              <a:t>Hands-on with PyData: How to Build a Minimal Recommendation Engine</a:t>
+            </a:r>
+            <a:r>
+              <a:rPr lang="en" sz="1400"/>
+              <a:t>.</a:t>
+            </a:r>
+            <a:endParaRPr sz="1400"/>
           </a:p>
         </p:txBody>
       </p:sp>
@@ -12567,7 +14490,7 @@
             </a:pPr>
             <a:r>
               <a:rPr lang="en" sz="3600"/>
-              <a:t>Evaluation Metrics</a:t>
+              <a:t>Data Wrangling</a:t>
             </a:r>
             <a:endParaRPr sz="3600"/>
           </a:p>
@@ -12596,25 +14519,9 @@
           </a:bodyPr>
           <a:lstStyle/>
           <a:p>
-            <a:pPr indent="0" lvl="0" marL="0" rtl="0" algn="l">
-              <a:spcBef>
-                <a:spcPts val="0"/>
-              </a:spcBef>
-              <a:spcAft>
-                <a:spcPts val="0"/>
-              </a:spcAft>
-              <a:buNone/>
-            </a:pPr>
-            <a:r>
-              <a:rPr lang="en" sz="1800"/>
-              <a:t>Root Mean Square Error (RMSE) for all models</a:t>
-            </a:r>
-            <a:endParaRPr sz="1800"/>
-          </a:p>
-          <a:p>
             <a:pPr indent="-342900" lvl="0" marL="457200" rtl="0" algn="l">
               <a:spcBef>
-                <a:spcPts val="1200"/>
+                <a:spcPts val="0"/>
               </a:spcBef>
               <a:spcAft>
                 <a:spcPts val="0"/>
@@ -12624,7 +14531,7 @@
             </a:pPr>
             <a:r>
               <a:rPr lang="en" sz="1800"/>
-              <a:t>measures the average magnitude of the error</a:t>
+              <a:t>Merged 2 different datasets</a:t>
             </a:r>
             <a:endParaRPr sz="1800"/>
           </a:p>
@@ -12641,7 +14548,7 @@
             </a:pPr>
             <a:r>
               <a:rPr lang="en" sz="1800"/>
-              <a:t>very easy to differentiate</a:t>
+              <a:t>Ended up with 15 columns with 149k to 1.1 million rows</a:t>
             </a:r>
             <a:endParaRPr sz="1800"/>
           </a:p>
@@ -12658,27 +14565,40 @@
             </a:pPr>
             <a:r>
               <a:rPr lang="en" sz="1800"/>
-              <a:t>gives a relatively high weight to large errors</a:t>
-            </a:r>
-            <a:endParaRPr sz="1800"/>
-          </a:p>
-          <a:p>
-            <a:pPr indent="0" lvl="0" marL="0" rtl="0" algn="l">
-              <a:spcBef>
-                <a:spcPts val="1200"/>
-              </a:spcBef>
-              <a:spcAft>
-                <a:spcPts val="1200"/>
-              </a:spcAft>
-              <a:buNone/>
-            </a:pPr>
-            <a:r>
-              <a:t/>
+              <a:t>Target feature is ‘overall’; which is the rating of the product</a:t>
             </a:r>
             <a:endParaRPr sz="1800"/>
           </a:p>
         </p:txBody>
       </p:sp>
+      <p:pic>
+        <p:nvPicPr>
+          <p:cNvPr id="167" name="Google Shape;167;p18"/>
+          <p:cNvPicPr preferRelativeResize="0"/>
+          <p:nvPr/>
+        </p:nvPicPr>
+        <p:blipFill>
+          <a:blip r:embed="rId3">
+            <a:alphaModFix/>
+          </a:blip>
+          <a:stretch>
+            <a:fillRect/>
+          </a:stretch>
+        </p:blipFill>
+        <p:spPr>
+          <a:xfrm>
+            <a:off x="2765250" y="2732975"/>
+            <a:ext cx="3387725" cy="1971300"/>
+          </a:xfrm>
+          <a:prstGeom prst="rect">
+            <a:avLst/>
+          </a:prstGeom>
+          <a:noFill/>
+          <a:ln>
+            <a:noFill/>
+          </a:ln>
+        </p:spPr>
+      </p:pic>
     </p:spTree>
   </p:cSld>
   <p:clrMapOvr>
@@ -12692,7 +14612,7 @@
   <p:cSld>
     <p:spTree>
       <p:nvGrpSpPr>
-        <p:cNvPr id="170" name="Shape 170"/>
+        <p:cNvPr id="171" name="Shape 171"/>
         <p:cNvGrpSpPr/>
         <p:nvPr/>
       </p:nvGrpSpPr>
@@ -12706,7 +14626,7 @@
       </p:grpSpPr>
       <p:sp>
         <p:nvSpPr>
-          <p:cNvPr id="171" name="Google Shape;171;p19"/>
+          <p:cNvPr id="172" name="Google Shape;172;p19"/>
           <p:cNvSpPr txBox="1"/>
           <p:nvPr>
             <p:ph type="title"/>
@@ -12738,7 +14658,7 @@
             </a:pPr>
             <a:r>
               <a:rPr lang="en" sz="3600"/>
-              <a:t>Baseline - Version 0</a:t>
+              <a:t>Exploratory Data Analysis</a:t>
             </a:r>
             <a:endParaRPr sz="3600"/>
           </a:p>
@@ -12746,7 +14666,941 @@
       </p:sp>
       <p:sp>
         <p:nvSpPr>
-          <p:cNvPr id="172" name="Google Shape;172;p19"/>
+          <p:cNvPr id="173" name="Google Shape;173;p19"/>
+          <p:cNvSpPr txBox="1"/>
+          <p:nvPr>
+            <p:ph idx="1" type="body"/>
+          </p:nvPr>
+        </p:nvSpPr>
+        <p:spPr>
+          <a:xfrm>
+            <a:off x="1297500" y="1567550"/>
+            <a:ext cx="3403200" cy="2911200"/>
+          </a:xfrm>
+          <a:prstGeom prst="rect">
+            <a:avLst/>
+          </a:prstGeom>
+        </p:spPr>
+        <p:txBody>
+          <a:bodyPr anchorCtr="0" anchor="t" bIns="91425" lIns="91425" spcFirstLastPara="1" rIns="91425" wrap="square" tIns="91425">
+            <a:normAutofit/>
+          </a:bodyPr>
+          <a:lstStyle/>
+          <a:p>
+            <a:pPr indent="-342900" lvl="0" marL="457200" rtl="0" algn="l">
+              <a:spcBef>
+                <a:spcPts val="0"/>
+              </a:spcBef>
+              <a:spcAft>
+                <a:spcPts val="0"/>
+              </a:spcAft>
+              <a:buSzPts val="1800"/>
+              <a:buChar char="●"/>
+            </a:pPr>
+            <a:r>
+              <a:rPr lang="en" sz="1800"/>
+              <a:t>3 numeric and 1 boolean feature</a:t>
+            </a:r>
+            <a:endParaRPr sz="1800"/>
+          </a:p>
+          <a:p>
+            <a:pPr indent="-342900" lvl="1" marL="914400" rtl="0" algn="l">
+              <a:spcBef>
+                <a:spcPts val="0"/>
+              </a:spcBef>
+              <a:spcAft>
+                <a:spcPts val="0"/>
+              </a:spcAft>
+              <a:buSzPts val="1800"/>
+              <a:buChar char="○"/>
+            </a:pPr>
+            <a:r>
+              <a:rPr lang="en" sz="1800"/>
+              <a:t>All had skewed distributions</a:t>
+            </a:r>
+            <a:endParaRPr sz="1800"/>
+          </a:p>
+          <a:p>
+            <a:pPr indent="-342900" lvl="0" marL="457200" rtl="0" algn="l">
+              <a:spcBef>
+                <a:spcPts val="0"/>
+              </a:spcBef>
+              <a:spcAft>
+                <a:spcPts val="0"/>
+              </a:spcAft>
+              <a:buSzPts val="1800"/>
+              <a:buChar char="●"/>
+            </a:pPr>
+            <a:r>
+              <a:rPr lang="en" sz="1800"/>
+              <a:t>Majority of features were objects / categories</a:t>
+            </a:r>
+            <a:endParaRPr sz="1800"/>
+          </a:p>
+          <a:p>
+            <a:pPr indent="-342900" lvl="1" marL="914400" rtl="0" algn="l">
+              <a:spcBef>
+                <a:spcPts val="0"/>
+              </a:spcBef>
+              <a:spcAft>
+                <a:spcPts val="0"/>
+              </a:spcAft>
+              <a:buSzPts val="1800"/>
+              <a:buChar char="○"/>
+            </a:pPr>
+            <a:r>
+              <a:rPr lang="en" sz="1800"/>
+              <a:t>Sample shown right</a:t>
+            </a:r>
+            <a:endParaRPr sz="1800"/>
+          </a:p>
+        </p:txBody>
+      </p:sp>
+      <p:graphicFrame>
+        <p:nvGraphicFramePr>
+          <p:cNvPr id="174" name="Google Shape;174;p19"/>
+          <p:cNvGraphicFramePr/>
+          <p:nvPr/>
+        </p:nvGraphicFramePr>
+        <p:xfrm>
+          <a:off x="4776000" y="1438313"/>
+          <a:ext cx="3000000" cy="3000000"/>
+        </p:xfrm>
+        <a:graphic>
+          <a:graphicData uri="http://schemas.openxmlformats.org/drawingml/2006/table">
+            <a:tbl>
+              <a:tblPr>
+                <a:noFill/>
+                <a:tableStyleId>{D8C10455-B40A-4A1A-89C7-C0F4B967B74F}</a:tableStyleId>
+              </a:tblPr>
+              <a:tblGrid>
+                <a:gridCol w="1151375"/>
+                <a:gridCol w="2118800"/>
+              </a:tblGrid>
+              <a:tr h="399975">
+                <a:tc>
+                  <a:txBody>
+                    <a:bodyPr/>
+                    <a:lstStyle/>
+                    <a:p>
+                      <a:pPr indent="0" lvl="0" marL="0" rtl="0" algn="ctr">
+                        <a:spcBef>
+                          <a:spcPts val="0"/>
+                        </a:spcBef>
+                        <a:spcAft>
+                          <a:spcPts val="0"/>
+                        </a:spcAft>
+                        <a:buNone/>
+                      </a:pPr>
+                      <a:r>
+                        <a:rPr b="1" lang="en">
+                          <a:solidFill>
+                            <a:schemeClr val="lt1"/>
+                          </a:solidFill>
+                        </a:rPr>
+                        <a:t>Features</a:t>
+                      </a:r>
+                      <a:endParaRPr b="1">
+                        <a:solidFill>
+                          <a:schemeClr val="lt1"/>
+                        </a:solidFill>
+                      </a:endParaRPr>
+                    </a:p>
+                  </a:txBody>
+                  <a:tcPr marT="91425" marB="91425" marR="91425" marL="91425"/>
+                </a:tc>
+                <a:tc>
+                  <a:txBody>
+                    <a:bodyPr/>
+                    <a:lstStyle/>
+                    <a:p>
+                      <a:pPr indent="0" lvl="0" marL="0" rtl="0" algn="ctr">
+                        <a:spcBef>
+                          <a:spcPts val="0"/>
+                        </a:spcBef>
+                        <a:spcAft>
+                          <a:spcPts val="0"/>
+                        </a:spcAft>
+                        <a:buNone/>
+                      </a:pPr>
+                      <a:r>
+                        <a:rPr b="1" lang="en">
+                          <a:solidFill>
+                            <a:schemeClr val="lt1"/>
+                          </a:solidFill>
+                        </a:rPr>
+                        <a:t>Number of Categories</a:t>
+                      </a:r>
+                      <a:endParaRPr b="1">
+                        <a:solidFill>
+                          <a:schemeClr val="lt1"/>
+                        </a:solidFill>
+                      </a:endParaRPr>
+                    </a:p>
+                  </a:txBody>
+                  <a:tcPr marT="91425" marB="91425" marR="91425" marL="91425"/>
+                </a:tc>
+              </a:tr>
+              <a:tr h="396200">
+                <a:tc>
+                  <a:txBody>
+                    <a:bodyPr/>
+                    <a:lstStyle/>
+                    <a:p>
+                      <a:pPr indent="0" lvl="0" marL="0" rtl="0" algn="l">
+                        <a:spcBef>
+                          <a:spcPts val="0"/>
+                        </a:spcBef>
+                        <a:spcAft>
+                          <a:spcPts val="0"/>
+                        </a:spcAft>
+                        <a:buNone/>
+                      </a:pPr>
+                      <a:r>
+                        <a:rPr lang="en">
+                          <a:solidFill>
+                            <a:schemeClr val="lt1"/>
+                          </a:solidFill>
+                        </a:rPr>
+                        <a:t>reviewerID</a:t>
+                      </a:r>
+                      <a:endParaRPr>
+                        <a:solidFill>
+                          <a:schemeClr val="lt1"/>
+                        </a:solidFill>
+                      </a:endParaRPr>
+                    </a:p>
+                  </a:txBody>
+                  <a:tcPr marT="91425" marB="91425" marR="91425" marL="91425"/>
+                </a:tc>
+                <a:tc>
+                  <a:txBody>
+                    <a:bodyPr/>
+                    <a:lstStyle/>
+                    <a:p>
+                      <a:pPr indent="0" lvl="0" marL="0" rtl="0" algn="r">
+                        <a:spcBef>
+                          <a:spcPts val="0"/>
+                        </a:spcBef>
+                        <a:spcAft>
+                          <a:spcPts val="0"/>
+                        </a:spcAft>
+                        <a:buNone/>
+                      </a:pPr>
+                      <a:r>
+                        <a:rPr lang="en">
+                          <a:solidFill>
+                            <a:schemeClr val="lt1"/>
+                          </a:solidFill>
+                        </a:rPr>
+                        <a:t>127,496</a:t>
+                      </a:r>
+                      <a:endParaRPr>
+                        <a:solidFill>
+                          <a:schemeClr val="lt1"/>
+                        </a:solidFill>
+                      </a:endParaRPr>
+                    </a:p>
+                  </a:txBody>
+                  <a:tcPr marT="91425" marB="91425" marR="91425" marL="91425"/>
+                </a:tc>
+              </a:tr>
+              <a:tr h="222600">
+                <a:tc>
+                  <a:txBody>
+                    <a:bodyPr/>
+                    <a:lstStyle/>
+                    <a:p>
+                      <a:pPr indent="0" lvl="0" marL="0" rtl="0" algn="l">
+                        <a:spcBef>
+                          <a:spcPts val="0"/>
+                        </a:spcBef>
+                        <a:spcAft>
+                          <a:spcPts val="0"/>
+                        </a:spcAft>
+                        <a:buNone/>
+                      </a:pPr>
+                      <a:r>
+                        <a:rPr lang="en">
+                          <a:solidFill>
+                            <a:schemeClr val="lt1"/>
+                          </a:solidFill>
+                        </a:rPr>
+                        <a:t>asin</a:t>
+                      </a:r>
+                      <a:endParaRPr>
+                        <a:solidFill>
+                          <a:schemeClr val="lt1"/>
+                        </a:solidFill>
+                      </a:endParaRPr>
+                    </a:p>
+                  </a:txBody>
+                  <a:tcPr marT="91425" marB="91425" marR="91425" marL="91425"/>
+                </a:tc>
+                <a:tc>
+                  <a:txBody>
+                    <a:bodyPr/>
+                    <a:lstStyle/>
+                    <a:p>
+                      <a:pPr indent="0" lvl="0" marL="0" rtl="0" algn="r">
+                        <a:spcBef>
+                          <a:spcPts val="0"/>
+                        </a:spcBef>
+                        <a:spcAft>
+                          <a:spcPts val="0"/>
+                        </a:spcAft>
+                        <a:buNone/>
+                      </a:pPr>
+                      <a:r>
+                        <a:rPr lang="en">
+                          <a:solidFill>
+                            <a:schemeClr val="lt1"/>
+                          </a:solidFill>
+                        </a:rPr>
+                        <a:t>41,280</a:t>
+                      </a:r>
+                      <a:endParaRPr>
+                        <a:solidFill>
+                          <a:schemeClr val="lt1"/>
+                        </a:solidFill>
+                      </a:endParaRPr>
+                    </a:p>
+                  </a:txBody>
+                  <a:tcPr marT="91425" marB="91425" marR="91425" marL="91425"/>
+                </a:tc>
+              </a:tr>
+              <a:tr h="222600">
+                <a:tc>
+                  <a:txBody>
+                    <a:bodyPr/>
+                    <a:lstStyle/>
+                    <a:p>
+                      <a:pPr indent="0" lvl="0" marL="0" rtl="0" algn="l">
+                        <a:spcBef>
+                          <a:spcPts val="0"/>
+                        </a:spcBef>
+                        <a:spcAft>
+                          <a:spcPts val="0"/>
+                        </a:spcAft>
+                        <a:buNone/>
+                      </a:pPr>
+                      <a:r>
+                        <a:rPr lang="en">
+                          <a:solidFill>
+                            <a:schemeClr val="lt1"/>
+                          </a:solidFill>
+                        </a:rPr>
+                        <a:t>rank</a:t>
+                      </a:r>
+                      <a:endParaRPr>
+                        <a:solidFill>
+                          <a:schemeClr val="lt1"/>
+                        </a:solidFill>
+                      </a:endParaRPr>
+                    </a:p>
+                  </a:txBody>
+                  <a:tcPr marT="91425" marB="91425" marR="91425" marL="91425"/>
+                </a:tc>
+                <a:tc>
+                  <a:txBody>
+                    <a:bodyPr/>
+                    <a:lstStyle/>
+                    <a:p>
+                      <a:pPr indent="0" lvl="0" marL="0" rtl="0" algn="r">
+                        <a:spcBef>
+                          <a:spcPts val="0"/>
+                        </a:spcBef>
+                        <a:spcAft>
+                          <a:spcPts val="0"/>
+                        </a:spcAft>
+                        <a:buNone/>
+                      </a:pPr>
+                      <a:r>
+                        <a:rPr lang="en">
+                          <a:solidFill>
+                            <a:schemeClr val="lt1"/>
+                          </a:solidFill>
+                        </a:rPr>
+                        <a:t>36,865</a:t>
+                      </a:r>
+                      <a:endParaRPr>
+                        <a:solidFill>
+                          <a:schemeClr val="lt1"/>
+                        </a:solidFill>
+                      </a:endParaRPr>
+                    </a:p>
+                  </a:txBody>
+                  <a:tcPr marT="91425" marB="91425" marR="91425" marL="91425"/>
+                </a:tc>
+              </a:tr>
+              <a:tr h="222600">
+                <a:tc>
+                  <a:txBody>
+                    <a:bodyPr/>
+                    <a:lstStyle/>
+                    <a:p>
+                      <a:pPr indent="0" lvl="0" marL="0" rtl="0" algn="l">
+                        <a:spcBef>
+                          <a:spcPts val="0"/>
+                        </a:spcBef>
+                        <a:spcAft>
+                          <a:spcPts val="0"/>
+                        </a:spcAft>
+                        <a:buNone/>
+                      </a:pPr>
+                      <a:r>
+                        <a:rPr lang="en">
+                          <a:solidFill>
+                            <a:schemeClr val="lt1"/>
+                          </a:solidFill>
+                        </a:rPr>
+                        <a:t>also_buy</a:t>
+                      </a:r>
+                      <a:endParaRPr>
+                        <a:solidFill>
+                          <a:schemeClr val="lt1"/>
+                        </a:solidFill>
+                      </a:endParaRPr>
+                    </a:p>
+                  </a:txBody>
+                  <a:tcPr marT="91425" marB="91425" marR="91425" marL="91425"/>
+                </a:tc>
+                <a:tc>
+                  <a:txBody>
+                    <a:bodyPr/>
+                    <a:lstStyle/>
+                    <a:p>
+                      <a:pPr indent="0" lvl="0" marL="0" rtl="0" algn="r">
+                        <a:spcBef>
+                          <a:spcPts val="0"/>
+                        </a:spcBef>
+                        <a:spcAft>
+                          <a:spcPts val="0"/>
+                        </a:spcAft>
+                        <a:buNone/>
+                      </a:pPr>
+                      <a:r>
+                        <a:rPr lang="en">
+                          <a:solidFill>
+                            <a:schemeClr val="lt1"/>
+                          </a:solidFill>
+                        </a:rPr>
+                        <a:t>29,115</a:t>
+                      </a:r>
+                      <a:endParaRPr>
+                        <a:solidFill>
+                          <a:schemeClr val="lt1"/>
+                        </a:solidFill>
+                      </a:endParaRPr>
+                    </a:p>
+                  </a:txBody>
+                  <a:tcPr marT="91425" marB="91425" marR="91425" marL="91425"/>
+                </a:tc>
+              </a:tr>
+              <a:tr h="222600">
+                <a:tc>
+                  <a:txBody>
+                    <a:bodyPr/>
+                    <a:lstStyle/>
+                    <a:p>
+                      <a:pPr indent="0" lvl="0" marL="0" rtl="0" algn="l">
+                        <a:spcBef>
+                          <a:spcPts val="0"/>
+                        </a:spcBef>
+                        <a:spcAft>
+                          <a:spcPts val="0"/>
+                        </a:spcAft>
+                        <a:buNone/>
+                      </a:pPr>
+                      <a:r>
+                        <a:rPr lang="en">
+                          <a:solidFill>
+                            <a:schemeClr val="lt1"/>
+                          </a:solidFill>
+                        </a:rPr>
+                        <a:t>style</a:t>
+                      </a:r>
+                      <a:endParaRPr>
+                        <a:solidFill>
+                          <a:schemeClr val="lt1"/>
+                        </a:solidFill>
+                      </a:endParaRPr>
+                    </a:p>
+                  </a:txBody>
+                  <a:tcPr marT="91425" marB="91425" marR="91425" marL="91425"/>
+                </a:tc>
+                <a:tc>
+                  <a:txBody>
+                    <a:bodyPr/>
+                    <a:lstStyle/>
+                    <a:p>
+                      <a:pPr indent="0" lvl="0" marL="0" rtl="0" algn="r">
+                        <a:spcBef>
+                          <a:spcPts val="0"/>
+                        </a:spcBef>
+                        <a:spcAft>
+                          <a:spcPts val="0"/>
+                        </a:spcAft>
+                        <a:buNone/>
+                      </a:pPr>
+                      <a:r>
+                        <a:rPr lang="en">
+                          <a:solidFill>
+                            <a:schemeClr val="lt1"/>
+                          </a:solidFill>
+                        </a:rPr>
+                        <a:t>27,490</a:t>
+                      </a:r>
+                      <a:endParaRPr>
+                        <a:solidFill>
+                          <a:schemeClr val="lt1"/>
+                        </a:solidFill>
+                      </a:endParaRPr>
+                    </a:p>
+                  </a:txBody>
+                  <a:tcPr marT="91425" marB="91425" marR="91425" marL="91425"/>
+                </a:tc>
+              </a:tr>
+              <a:tr h="222600">
+                <a:tc>
+                  <a:txBody>
+                    <a:bodyPr/>
+                    <a:lstStyle/>
+                    <a:p>
+                      <a:pPr indent="0" lvl="0" marL="0" rtl="0" algn="l">
+                        <a:spcBef>
+                          <a:spcPts val="0"/>
+                        </a:spcBef>
+                        <a:spcAft>
+                          <a:spcPts val="0"/>
+                        </a:spcAft>
+                        <a:buNone/>
+                      </a:pPr>
+                      <a:r>
+                        <a:rPr lang="en">
+                          <a:solidFill>
+                            <a:schemeClr val="lt1"/>
+                          </a:solidFill>
+                        </a:rPr>
+                        <a:t>also_view</a:t>
+                      </a:r>
+                      <a:endParaRPr>
+                        <a:solidFill>
+                          <a:schemeClr val="lt1"/>
+                        </a:solidFill>
+                      </a:endParaRPr>
+                    </a:p>
+                  </a:txBody>
+                  <a:tcPr marT="91425" marB="91425" marR="91425" marL="91425"/>
+                </a:tc>
+                <a:tc>
+                  <a:txBody>
+                    <a:bodyPr/>
+                    <a:lstStyle/>
+                    <a:p>
+                      <a:pPr indent="0" lvl="0" marL="0" rtl="0" algn="r">
+                        <a:spcBef>
+                          <a:spcPts val="0"/>
+                        </a:spcBef>
+                        <a:spcAft>
+                          <a:spcPts val="0"/>
+                        </a:spcAft>
+                        <a:buNone/>
+                      </a:pPr>
+                      <a:r>
+                        <a:rPr lang="en">
+                          <a:solidFill>
+                            <a:schemeClr val="lt1"/>
+                          </a:solidFill>
+                        </a:rPr>
+                        <a:t>21,871</a:t>
+                      </a:r>
+                      <a:endParaRPr>
+                        <a:solidFill>
+                          <a:schemeClr val="lt1"/>
+                        </a:solidFill>
+                      </a:endParaRPr>
+                    </a:p>
+                  </a:txBody>
+                  <a:tcPr marT="91425" marB="91425" marR="91425" marL="91425"/>
+                </a:tc>
+              </a:tr>
+              <a:tr h="222600">
+                <a:tc>
+                  <a:txBody>
+                    <a:bodyPr/>
+                    <a:lstStyle/>
+                    <a:p>
+                      <a:pPr indent="0" lvl="0" marL="0" rtl="0" algn="l">
+                        <a:spcBef>
+                          <a:spcPts val="0"/>
+                        </a:spcBef>
+                        <a:spcAft>
+                          <a:spcPts val="0"/>
+                        </a:spcAft>
+                        <a:buNone/>
+                      </a:pPr>
+                      <a:r>
+                        <a:rPr lang="en">
+                          <a:solidFill>
+                            <a:schemeClr val="lt1"/>
+                          </a:solidFill>
+                        </a:rPr>
+                        <a:t>brand</a:t>
+                      </a:r>
+                      <a:endParaRPr>
+                        <a:solidFill>
+                          <a:schemeClr val="lt1"/>
+                        </a:solidFill>
+                      </a:endParaRPr>
+                    </a:p>
+                  </a:txBody>
+                  <a:tcPr marT="91425" marB="91425" marR="91425" marL="91425"/>
+                </a:tc>
+                <a:tc>
+                  <a:txBody>
+                    <a:bodyPr/>
+                    <a:lstStyle/>
+                    <a:p>
+                      <a:pPr indent="0" lvl="0" marL="0" rtl="0" algn="r">
+                        <a:spcBef>
+                          <a:spcPts val="0"/>
+                        </a:spcBef>
+                        <a:spcAft>
+                          <a:spcPts val="0"/>
+                        </a:spcAft>
+                        <a:buNone/>
+                      </a:pPr>
+                      <a:r>
+                        <a:rPr lang="en">
+                          <a:solidFill>
+                            <a:schemeClr val="lt1"/>
+                          </a:solidFill>
+                        </a:rPr>
+                        <a:t>8,861</a:t>
+                      </a:r>
+                      <a:endParaRPr>
+                        <a:solidFill>
+                          <a:schemeClr val="lt1"/>
+                        </a:solidFill>
+                      </a:endParaRPr>
+                    </a:p>
+                  </a:txBody>
+                  <a:tcPr marT="91425" marB="91425" marR="91425" marL="91425"/>
+                </a:tc>
+              </a:tr>
+            </a:tbl>
+          </a:graphicData>
+        </a:graphic>
+      </p:graphicFrame>
+    </p:spTree>
+  </p:cSld>
+  <p:clrMapOvr>
+    <a:masterClrMapping/>
+  </p:clrMapOvr>
+</p:sld>
+</file>
+
+<file path=ppt/slides/slide8.xml><?xml version="1.0" encoding="utf-8"?>
+<p:sld xmlns:a="http://schemas.openxmlformats.org/drawingml/2006/main" xmlns:r="http://schemas.openxmlformats.org/officeDocument/2006/relationships" xmlns:mc="http://schemas.openxmlformats.org/markup-compatibility/2006" xmlns:mv="urn:schemas-microsoft-com:mac:vml" xmlns:p="http://schemas.openxmlformats.org/presentationml/2006/main" xmlns:c="http://schemas.openxmlformats.org/drawingml/2006/chart" xmlns:dgm="http://schemas.openxmlformats.org/drawingml/2006/diagram" xmlns:o="urn:schemas-microsoft-com:office:office" xmlns:v="urn:schemas-microsoft-com:vml" xmlns:pvml="urn:schemas-microsoft-com:office:powerpoint" xmlns:com="http://schemas.openxmlformats.org/drawingml/2006/compatibility" xmlns:p14="http://schemas.microsoft.com/office/powerpoint/2010/main" xmlns:p15="http://schemas.microsoft.com/office/powerpoint/2012/main" xmlns:ahyp="http://schemas.microsoft.com/office/drawing/2018/hyperlinkcolor">
+  <p:cSld>
+    <p:spTree>
+      <p:nvGrpSpPr>
+        <p:cNvPr id="178" name="Shape 178"/>
+        <p:cNvGrpSpPr/>
+        <p:nvPr/>
+      </p:nvGrpSpPr>
+      <p:grpSpPr>
+        <a:xfrm>
+          <a:off x="0" y="0"/>
+          <a:ext cx="0" cy="0"/>
+          <a:chOff x="0" y="0"/>
+          <a:chExt cx="0" cy="0"/>
+        </a:xfrm>
+      </p:grpSpPr>
+      <p:sp>
+        <p:nvSpPr>
+          <p:cNvPr id="179" name="Google Shape;179;p20"/>
+          <p:cNvSpPr txBox="1"/>
+          <p:nvPr>
+            <p:ph type="title"/>
+          </p:nvPr>
+        </p:nvSpPr>
+        <p:spPr>
+          <a:xfrm>
+            <a:off x="1297500" y="393750"/>
+            <a:ext cx="7038900" cy="914100"/>
+          </a:xfrm>
+          <a:prstGeom prst="rect">
+            <a:avLst/>
+          </a:prstGeom>
+        </p:spPr>
+        <p:txBody>
+          <a:bodyPr anchorCtr="0" anchor="t" bIns="91425" lIns="91425" spcFirstLastPara="1" rIns="91425" wrap="square" tIns="91425">
+            <a:normAutofit/>
+          </a:bodyPr>
+          <a:lstStyle/>
+          <a:p>
+            <a:pPr indent="0" lvl="0" marL="0" rtl="0" algn="l">
+              <a:spcBef>
+                <a:spcPts val="0"/>
+              </a:spcBef>
+              <a:spcAft>
+                <a:spcPts val="0"/>
+              </a:spcAft>
+              <a:buNone/>
+            </a:pPr>
+            <a:r>
+              <a:rPr lang="en" sz="3600"/>
+              <a:t>Preprocessing and Training</a:t>
+            </a:r>
+            <a:endParaRPr sz="3600"/>
+          </a:p>
+        </p:txBody>
+      </p:sp>
+      <p:sp>
+        <p:nvSpPr>
+          <p:cNvPr id="180" name="Google Shape;180;p20"/>
+          <p:cNvSpPr txBox="1"/>
+          <p:nvPr>
+            <p:ph idx="1" type="body"/>
+          </p:nvPr>
+        </p:nvSpPr>
+        <p:spPr>
+          <a:xfrm>
+            <a:off x="1297500" y="1567550"/>
+            <a:ext cx="3403200" cy="2911200"/>
+          </a:xfrm>
+          <a:prstGeom prst="rect">
+            <a:avLst/>
+          </a:prstGeom>
+        </p:spPr>
+        <p:txBody>
+          <a:bodyPr anchorCtr="0" anchor="t" bIns="91425" lIns="91425" spcFirstLastPara="1" rIns="91425" wrap="square" tIns="91425">
+            <a:normAutofit/>
+          </a:bodyPr>
+          <a:lstStyle/>
+          <a:p>
+            <a:pPr indent="-342900" lvl="0" marL="457200" rtl="0" algn="l">
+              <a:spcBef>
+                <a:spcPts val="0"/>
+              </a:spcBef>
+              <a:spcAft>
+                <a:spcPts val="0"/>
+              </a:spcAft>
+              <a:buSzPts val="1800"/>
+              <a:buChar char="●"/>
+            </a:pPr>
+            <a:r>
+              <a:rPr lang="en" sz="1800"/>
+              <a:t>80 / 20 train / test split</a:t>
+            </a:r>
+            <a:endParaRPr sz="1800"/>
+          </a:p>
+          <a:p>
+            <a:pPr indent="-342900" lvl="0" marL="457200" rtl="0" algn="l">
+              <a:spcBef>
+                <a:spcPts val="0"/>
+              </a:spcBef>
+              <a:spcAft>
+                <a:spcPts val="0"/>
+              </a:spcAft>
+              <a:buSzPts val="1800"/>
+              <a:buChar char="●"/>
+            </a:pPr>
+            <a:r>
+              <a:rPr lang="en" sz="1800"/>
+              <a:t>Adjusted several parts of the original plan by now</a:t>
+            </a:r>
+            <a:endParaRPr sz="1800"/>
+          </a:p>
+          <a:p>
+            <a:pPr indent="-342900" lvl="0" marL="457200" rtl="0" algn="l">
+              <a:spcBef>
+                <a:spcPts val="0"/>
+              </a:spcBef>
+              <a:spcAft>
+                <a:spcPts val="0"/>
+              </a:spcAft>
+              <a:buSzPts val="1800"/>
+              <a:buChar char="●"/>
+            </a:pPr>
+            <a:r>
+              <a:rPr lang="en" sz="1800"/>
+              <a:t>Used only a </a:t>
+            </a:r>
+            <a:r>
+              <a:rPr lang="en" sz="1800"/>
+              <a:t>subset</a:t>
+            </a:r>
+            <a:r>
+              <a:rPr lang="en" sz="1800"/>
+              <a:t> of data going forward</a:t>
+            </a:r>
+            <a:endParaRPr sz="1800"/>
+          </a:p>
+        </p:txBody>
+      </p:sp>
+      <p:sp>
+        <p:nvSpPr>
+          <p:cNvPr id="181" name="Google Shape;181;p20"/>
+          <p:cNvSpPr txBox="1"/>
+          <p:nvPr>
+            <p:ph idx="2" type="body"/>
+          </p:nvPr>
+        </p:nvSpPr>
+        <p:spPr>
+          <a:xfrm>
+            <a:off x="4933221" y="1567550"/>
+            <a:ext cx="3403200" cy="2911200"/>
+          </a:xfrm>
+          <a:prstGeom prst="rect">
+            <a:avLst/>
+          </a:prstGeom>
+        </p:spPr>
+        <p:txBody>
+          <a:bodyPr anchorCtr="0" anchor="t" bIns="91425" lIns="91425" spcFirstLastPara="1" rIns="91425" wrap="square" tIns="91425">
+            <a:normAutofit/>
+          </a:bodyPr>
+          <a:lstStyle/>
+          <a:p>
+            <a:pPr indent="-342900" lvl="0" marL="457200" rtl="0" algn="l">
+              <a:spcBef>
+                <a:spcPts val="0"/>
+              </a:spcBef>
+              <a:spcAft>
+                <a:spcPts val="0"/>
+              </a:spcAft>
+              <a:buSzPts val="1800"/>
+              <a:buChar char="●"/>
+            </a:pPr>
+            <a:r>
+              <a:rPr lang="en" sz="1800"/>
+              <a:t>Issues:</a:t>
+            </a:r>
+            <a:endParaRPr sz="1800"/>
+          </a:p>
+          <a:p>
+            <a:pPr indent="-342900" lvl="1" marL="914400" rtl="0" algn="l">
+              <a:spcBef>
+                <a:spcPts val="0"/>
+              </a:spcBef>
+              <a:spcAft>
+                <a:spcPts val="0"/>
+              </a:spcAft>
+              <a:buSzPts val="1800"/>
+              <a:buChar char="○"/>
+            </a:pPr>
+            <a:r>
+              <a:rPr lang="en" sz="1800"/>
+              <a:t>Memory</a:t>
+            </a:r>
+            <a:endParaRPr sz="1800"/>
+          </a:p>
+          <a:p>
+            <a:pPr indent="-342900" lvl="1" marL="914400" rtl="0" algn="l">
+              <a:spcBef>
+                <a:spcPts val="0"/>
+              </a:spcBef>
+              <a:spcAft>
+                <a:spcPts val="0"/>
+              </a:spcAft>
+              <a:buSzPts val="1800"/>
+              <a:buChar char="○"/>
+            </a:pPr>
+            <a:r>
+              <a:rPr lang="en" sz="1800"/>
+              <a:t>Processing Time</a:t>
+            </a:r>
+            <a:endParaRPr sz="1800"/>
+          </a:p>
+          <a:p>
+            <a:pPr indent="-342900" lvl="1" marL="914400" rtl="0" algn="l">
+              <a:spcBef>
+                <a:spcPts val="0"/>
+              </a:spcBef>
+              <a:spcAft>
+                <a:spcPts val="0"/>
+              </a:spcAft>
+              <a:buSzPts val="1800"/>
+              <a:buChar char="○"/>
+            </a:pPr>
+            <a:r>
+              <a:rPr lang="en" sz="1800"/>
+              <a:t>Code refactoring</a:t>
+            </a:r>
+            <a:endParaRPr sz="1800"/>
+          </a:p>
+        </p:txBody>
+      </p:sp>
+    </p:spTree>
+  </p:cSld>
+  <p:clrMapOvr>
+    <a:masterClrMapping/>
+  </p:clrMapOvr>
+</p:sld>
+</file>
+
+<file path=ppt/slides/slide9.xml><?xml version="1.0" encoding="utf-8"?>
+<p:sld xmlns:a="http://schemas.openxmlformats.org/drawingml/2006/main" xmlns:r="http://schemas.openxmlformats.org/officeDocument/2006/relationships" xmlns:mc="http://schemas.openxmlformats.org/markup-compatibility/2006" xmlns:mv="urn:schemas-microsoft-com:mac:vml" xmlns:p="http://schemas.openxmlformats.org/presentationml/2006/main" xmlns:c="http://schemas.openxmlformats.org/drawingml/2006/chart" xmlns:dgm="http://schemas.openxmlformats.org/drawingml/2006/diagram" xmlns:o="urn:schemas-microsoft-com:office:office" xmlns:v="urn:schemas-microsoft-com:vml" xmlns:pvml="urn:schemas-microsoft-com:office:powerpoint" xmlns:com="http://schemas.openxmlformats.org/drawingml/2006/compatibility" xmlns:p14="http://schemas.microsoft.com/office/powerpoint/2010/main" xmlns:p15="http://schemas.microsoft.com/office/powerpoint/2012/main" xmlns:ahyp="http://schemas.microsoft.com/office/drawing/2018/hyperlinkcolor">
+  <p:cSld>
+    <p:spTree>
+      <p:nvGrpSpPr>
+        <p:cNvPr id="185" name="Shape 185"/>
+        <p:cNvGrpSpPr/>
+        <p:nvPr/>
+      </p:nvGrpSpPr>
+      <p:grpSpPr>
+        <a:xfrm>
+          <a:off x="0" y="0"/>
+          <a:ext cx="0" cy="0"/>
+          <a:chOff x="0" y="0"/>
+          <a:chExt cx="0" cy="0"/>
+        </a:xfrm>
+      </p:grpSpPr>
+      <p:sp>
+        <p:nvSpPr>
+          <p:cNvPr id="186" name="Google Shape;186;p21"/>
+          <p:cNvSpPr txBox="1"/>
+          <p:nvPr>
+            <p:ph type="title"/>
+          </p:nvPr>
+        </p:nvSpPr>
+        <p:spPr>
+          <a:xfrm>
+            <a:off x="1297500" y="393750"/>
+            <a:ext cx="7038900" cy="914100"/>
+          </a:xfrm>
+          <a:prstGeom prst="rect">
+            <a:avLst/>
+          </a:prstGeom>
+        </p:spPr>
+        <p:txBody>
+          <a:bodyPr anchorCtr="0" anchor="t" bIns="91425" lIns="91425" spcFirstLastPara="1" rIns="91425" wrap="square" tIns="91425">
+            <a:normAutofit/>
+          </a:bodyPr>
+          <a:lstStyle/>
+          <a:p>
+            <a:pPr indent="0" lvl="0" marL="0" rtl="0" algn="l">
+              <a:spcBef>
+                <a:spcPts val="0"/>
+              </a:spcBef>
+              <a:spcAft>
+                <a:spcPts val="0"/>
+              </a:spcAft>
+              <a:buNone/>
+            </a:pPr>
+            <a:r>
+              <a:rPr lang="en" sz="3600"/>
+              <a:t>Evaluating Models</a:t>
+            </a:r>
+            <a:endParaRPr sz="3600"/>
+          </a:p>
+        </p:txBody>
+      </p:sp>
+      <p:sp>
+        <p:nvSpPr>
+          <p:cNvPr id="187" name="Google Shape;187;p21"/>
           <p:cNvSpPr txBox="1"/>
           <p:nvPr>
             <p:ph idx="1" type="body"/>
@@ -12767,9 +15621,25 @@
           </a:bodyPr>
           <a:lstStyle/>
           <a:p>
+            <a:pPr indent="0" lvl="0" marL="0" rtl="0" algn="l">
+              <a:spcBef>
+                <a:spcPts val="0"/>
+              </a:spcBef>
+              <a:spcAft>
+                <a:spcPts val="0"/>
+              </a:spcAft>
+              <a:buNone/>
+            </a:pPr>
+            <a:r>
+              <a:rPr lang="en" sz="1800"/>
+              <a:t>Root Mean Square Error (RMSE) for all model versions</a:t>
+            </a:r>
+            <a:endParaRPr sz="1800"/>
+          </a:p>
+          <a:p>
             <a:pPr indent="-342900" lvl="0" marL="457200" rtl="0" algn="l">
               <a:spcBef>
-                <a:spcPts val="0"/>
+                <a:spcPts val="1200"/>
               </a:spcBef>
               <a:spcAft>
                 <a:spcPts val="0"/>
@@ -12779,7 +15649,7 @@
             </a:pPr>
             <a:r>
               <a:rPr lang="en" sz="1800"/>
-              <a:t>Hard coded various ratings for all recommendations</a:t>
+              <a:t>measures the average magnitude of the error</a:t>
             </a:r>
             <a:endParaRPr sz="1800"/>
           </a:p>
@@ -12796,7 +15666,7 @@
             </a:pPr>
             <a:r>
               <a:rPr lang="en" sz="1800"/>
-              <a:t>A value of 4 had best results</a:t>
+              <a:t>very easy to differentiate</a:t>
             </a:r>
             <a:endParaRPr sz="1800"/>
           </a:p>
@@ -12813,530 +15683,24 @@
             </a:pPr>
             <a:r>
               <a:rPr lang="en" sz="1800"/>
-              <a:t>RMSE of 1.1813</a:t>
+              <a:t>gives a relatively high weight to large errors</a:t>
             </a:r>
             <a:endParaRPr sz="1800"/>
           </a:p>
           <a:p>
-            <a:pPr indent="-342900" lvl="0" marL="457200" rtl="0" algn="l">
-              <a:spcBef>
-                <a:spcPts val="0"/>
-              </a:spcBef>
-              <a:spcAft>
-                <a:spcPts val="0"/>
-              </a:spcAft>
-              <a:buSzPts val="1800"/>
-              <a:buChar char="●"/>
-            </a:pPr>
-            <a:r>
-              <a:rPr lang="en" sz="1800"/>
-              <a:t>Want all future models to improve upon this</a:t>
+            <a:pPr indent="0" lvl="0" marL="0" rtl="0" algn="l">
+              <a:spcBef>
+                <a:spcPts val="1200"/>
+              </a:spcBef>
+              <a:spcAft>
+                <a:spcPts val="1200"/>
+              </a:spcAft>
+              <a:buNone/>
+            </a:pPr>
+            <a:r>
+              <a:t/>
             </a:r>
             <a:endParaRPr sz="1800"/>
-          </a:p>
-        </p:txBody>
-      </p:sp>
-    </p:spTree>
-  </p:cSld>
-  <p:clrMapOvr>
-    <a:masterClrMapping/>
-  </p:clrMapOvr>
-</p:sld>
-</file>
-
-<file path=ppt/slides/slide8.xml><?xml version="1.0" encoding="utf-8"?>
-<p:sld xmlns:a="http://schemas.openxmlformats.org/drawingml/2006/main" xmlns:r="http://schemas.openxmlformats.org/officeDocument/2006/relationships" xmlns:mc="http://schemas.openxmlformats.org/markup-compatibility/2006" xmlns:mv="urn:schemas-microsoft-com:mac:vml" xmlns:p="http://schemas.openxmlformats.org/presentationml/2006/main" xmlns:c="http://schemas.openxmlformats.org/drawingml/2006/chart" xmlns:dgm="http://schemas.openxmlformats.org/drawingml/2006/diagram" xmlns:o="urn:schemas-microsoft-com:office:office" xmlns:v="urn:schemas-microsoft-com:vml" xmlns:pvml="urn:schemas-microsoft-com:office:powerpoint" xmlns:com="http://schemas.openxmlformats.org/drawingml/2006/compatibility" xmlns:p14="http://schemas.microsoft.com/office/powerpoint/2010/main" xmlns:p15="http://schemas.microsoft.com/office/powerpoint/2012/main" xmlns:ahyp="http://schemas.microsoft.com/office/drawing/2018/hyperlinkcolor">
-  <p:cSld>
-    <p:spTree>
-      <p:nvGrpSpPr>
-        <p:cNvPr id="176" name="Shape 176"/>
-        <p:cNvGrpSpPr/>
-        <p:nvPr/>
-      </p:nvGrpSpPr>
-      <p:grpSpPr>
-        <a:xfrm>
-          <a:off x="0" y="0"/>
-          <a:ext cx="0" cy="0"/>
-          <a:chOff x="0" y="0"/>
-          <a:chExt cx="0" cy="0"/>
-        </a:xfrm>
-      </p:grpSpPr>
-      <p:sp>
-        <p:nvSpPr>
-          <p:cNvPr id="177" name="Google Shape;177;p20"/>
-          <p:cNvSpPr txBox="1"/>
-          <p:nvPr>
-            <p:ph type="title"/>
-          </p:nvPr>
-        </p:nvSpPr>
-        <p:spPr>
-          <a:xfrm>
-            <a:off x="1297500" y="393750"/>
-            <a:ext cx="7038900" cy="914100"/>
-          </a:xfrm>
-          <a:prstGeom prst="rect">
-            <a:avLst/>
-          </a:prstGeom>
-        </p:spPr>
-        <p:txBody>
-          <a:bodyPr anchorCtr="0" anchor="t" bIns="91425" lIns="91425" spcFirstLastPara="1" rIns="91425" wrap="square" tIns="91425">
-            <a:normAutofit/>
-          </a:bodyPr>
-          <a:lstStyle/>
-          <a:p>
-            <a:pPr indent="0" lvl="0" marL="457200" rtl="0" algn="l">
-              <a:lnSpc>
-                <a:spcPct val="115000"/>
-              </a:lnSpc>
-              <a:spcBef>
-                <a:spcPts val="0"/>
-              </a:spcBef>
-              <a:spcAft>
-                <a:spcPts val="1200"/>
-              </a:spcAft>
-              <a:buNone/>
-            </a:pPr>
-            <a:r>
-              <a:rPr lang="en" sz="3600">
-                <a:latin typeface="Lato"/>
-                <a:ea typeface="Lato"/>
-                <a:cs typeface="Lato"/>
-                <a:sym typeface="Lato"/>
-              </a:rPr>
-              <a:t>Simple Mean</a:t>
-            </a:r>
-            <a:r>
-              <a:rPr lang="en" sz="3600">
-                <a:latin typeface="Lato"/>
-                <a:ea typeface="Lato"/>
-                <a:cs typeface="Lato"/>
-                <a:sym typeface="Lato"/>
-              </a:rPr>
-              <a:t> - Version 1</a:t>
-            </a:r>
-            <a:endParaRPr sz="3600"/>
-          </a:p>
-        </p:txBody>
-      </p:sp>
-      <p:sp>
-        <p:nvSpPr>
-          <p:cNvPr id="178" name="Google Shape;178;p20"/>
-          <p:cNvSpPr txBox="1"/>
-          <p:nvPr>
-            <p:ph idx="1" type="body"/>
-          </p:nvPr>
-        </p:nvSpPr>
-        <p:spPr>
-          <a:xfrm>
-            <a:off x="1297500" y="1567550"/>
-            <a:ext cx="7038900" cy="2911200"/>
-          </a:xfrm>
-          <a:prstGeom prst="rect">
-            <a:avLst/>
-          </a:prstGeom>
-        </p:spPr>
-        <p:txBody>
-          <a:bodyPr anchorCtr="0" anchor="t" bIns="91425" lIns="91425" spcFirstLastPara="1" rIns="91425" wrap="square" tIns="91425">
-            <a:normAutofit/>
-          </a:bodyPr>
-          <a:lstStyle/>
-          <a:p>
-            <a:pPr indent="-342900" lvl="0" marL="457200" rtl="0" algn="l">
-              <a:spcBef>
-                <a:spcPts val="0"/>
-              </a:spcBef>
-              <a:spcAft>
-                <a:spcPts val="0"/>
-              </a:spcAft>
-              <a:buSzPts val="1800"/>
-              <a:buChar char="●"/>
-            </a:pPr>
-            <a:r>
-              <a:rPr lang="en" sz="1800"/>
-              <a:t>Collaborative mean - average of users</a:t>
-            </a:r>
-            <a:endParaRPr sz="1800"/>
-          </a:p>
-          <a:p>
-            <a:pPr indent="-342900" lvl="0" marL="457200" rtl="0" algn="l">
-              <a:spcBef>
-                <a:spcPts val="0"/>
-              </a:spcBef>
-              <a:spcAft>
-                <a:spcPts val="0"/>
-              </a:spcAft>
-              <a:buSzPts val="1800"/>
-              <a:buChar char="●"/>
-            </a:pPr>
-            <a:r>
-              <a:rPr lang="en" sz="1800"/>
-              <a:t>Content mean - average of products</a:t>
-            </a:r>
-            <a:endParaRPr sz="1800"/>
-          </a:p>
-          <a:p>
-            <a:pPr indent="-342900" lvl="0" marL="457200" rtl="0" algn="l">
-              <a:spcBef>
-                <a:spcPts val="0"/>
-              </a:spcBef>
-              <a:spcAft>
-                <a:spcPts val="0"/>
-              </a:spcAft>
-              <a:buSzPts val="1800"/>
-              <a:buChar char="●"/>
-            </a:pPr>
-            <a:r>
-              <a:rPr lang="en" sz="1800"/>
-              <a:t>Collaborative mean was best with RMSE of 1.5540</a:t>
-            </a:r>
-            <a:endParaRPr sz="1800"/>
-          </a:p>
-          <a:p>
-            <a:pPr indent="-342900" lvl="0" marL="457200" rtl="0" algn="l">
-              <a:spcBef>
-                <a:spcPts val="0"/>
-              </a:spcBef>
-              <a:spcAft>
-                <a:spcPts val="0"/>
-              </a:spcAft>
-              <a:buSzPts val="1800"/>
-              <a:buChar char="●"/>
-            </a:pPr>
-            <a:r>
-              <a:rPr lang="en" sz="1800"/>
-              <a:t>However, these were the worst performing models</a:t>
-            </a:r>
-            <a:endParaRPr sz="1800"/>
-          </a:p>
-        </p:txBody>
-      </p:sp>
-    </p:spTree>
-  </p:cSld>
-  <p:clrMapOvr>
-    <a:masterClrMapping/>
-  </p:clrMapOvr>
-</p:sld>
-</file>
-
-<file path=ppt/slides/slide9.xml><?xml version="1.0" encoding="utf-8"?>
-<p:sld xmlns:a="http://schemas.openxmlformats.org/drawingml/2006/main" xmlns:r="http://schemas.openxmlformats.org/officeDocument/2006/relationships" xmlns:mc="http://schemas.openxmlformats.org/markup-compatibility/2006" xmlns:mv="urn:schemas-microsoft-com:mac:vml" xmlns:p="http://schemas.openxmlformats.org/presentationml/2006/main" xmlns:c="http://schemas.openxmlformats.org/drawingml/2006/chart" xmlns:dgm="http://schemas.openxmlformats.org/drawingml/2006/diagram" xmlns:o="urn:schemas-microsoft-com:office:office" xmlns:v="urn:schemas-microsoft-com:vml" xmlns:pvml="urn:schemas-microsoft-com:office:powerpoint" xmlns:com="http://schemas.openxmlformats.org/drawingml/2006/compatibility" xmlns:p14="http://schemas.microsoft.com/office/powerpoint/2010/main" xmlns:p15="http://schemas.microsoft.com/office/powerpoint/2012/main" xmlns:ahyp="http://schemas.microsoft.com/office/drawing/2018/hyperlinkcolor">
-  <p:cSld>
-    <p:spTree>
-      <p:nvGrpSpPr>
-        <p:cNvPr id="182" name="Shape 182"/>
-        <p:cNvGrpSpPr/>
-        <p:nvPr/>
-      </p:nvGrpSpPr>
-      <p:grpSpPr>
-        <a:xfrm>
-          <a:off x="0" y="0"/>
-          <a:ext cx="0" cy="0"/>
-          <a:chOff x="0" y="0"/>
-          <a:chExt cx="0" cy="0"/>
-        </a:xfrm>
-      </p:grpSpPr>
-      <p:sp>
-        <p:nvSpPr>
-          <p:cNvPr id="183" name="Google Shape;183;p21"/>
-          <p:cNvSpPr txBox="1"/>
-          <p:nvPr>
-            <p:ph type="title"/>
-          </p:nvPr>
-        </p:nvSpPr>
-        <p:spPr>
-          <a:xfrm>
-            <a:off x="1297500" y="393750"/>
-            <a:ext cx="7038900" cy="914100"/>
-          </a:xfrm>
-          <a:prstGeom prst="rect">
-            <a:avLst/>
-          </a:prstGeom>
-        </p:spPr>
-        <p:txBody>
-          <a:bodyPr anchorCtr="0" anchor="t" bIns="91425" lIns="91425" spcFirstLastPara="1" rIns="91425" wrap="square" tIns="91425">
-            <a:normAutofit/>
-          </a:bodyPr>
-          <a:lstStyle/>
-          <a:p>
-            <a:pPr indent="0" lvl="0" marL="457200" rtl="0" algn="l">
-              <a:lnSpc>
-                <a:spcPct val="115000"/>
-              </a:lnSpc>
-              <a:spcBef>
-                <a:spcPts val="0"/>
-              </a:spcBef>
-              <a:spcAft>
-                <a:spcPts val="1200"/>
-              </a:spcAft>
-              <a:buNone/>
-            </a:pPr>
-            <a:r>
-              <a:rPr lang="en" sz="3600">
-                <a:latin typeface="Lato"/>
-                <a:ea typeface="Lato"/>
-                <a:cs typeface="Lato"/>
-                <a:sym typeface="Lato"/>
-              </a:rPr>
-              <a:t>Similarity Functions</a:t>
-            </a:r>
-            <a:r>
-              <a:rPr lang="en" sz="3600">
-                <a:latin typeface="Lato"/>
-                <a:ea typeface="Lato"/>
-                <a:cs typeface="Lato"/>
-                <a:sym typeface="Lato"/>
-              </a:rPr>
-              <a:t> - Version 2</a:t>
-            </a:r>
-            <a:endParaRPr/>
-          </a:p>
-        </p:txBody>
-      </p:sp>
-      <p:sp>
-        <p:nvSpPr>
-          <p:cNvPr id="184" name="Google Shape;184;p21"/>
-          <p:cNvSpPr txBox="1"/>
-          <p:nvPr>
-            <p:ph idx="1" type="body"/>
-          </p:nvPr>
-        </p:nvSpPr>
-        <p:spPr>
-          <a:xfrm>
-            <a:off x="1297500" y="1567550"/>
-            <a:ext cx="3403200" cy="2911200"/>
-          </a:xfrm>
-          <a:prstGeom prst="rect">
-            <a:avLst/>
-          </a:prstGeom>
-        </p:spPr>
-        <p:txBody>
-          <a:bodyPr anchorCtr="0" anchor="t" bIns="91425" lIns="91425" spcFirstLastPara="1" rIns="91425" wrap="square" tIns="91425">
-            <a:normAutofit lnSpcReduction="20000"/>
-          </a:bodyPr>
-          <a:lstStyle/>
-          <a:p>
-            <a:pPr indent="-342900" lvl="0" marL="457200" rtl="0" algn="l">
-              <a:spcBef>
-                <a:spcPts val="0"/>
-              </a:spcBef>
-              <a:spcAft>
-                <a:spcPts val="0"/>
-              </a:spcAft>
-              <a:buSzPts val="1800"/>
-              <a:buChar char="●"/>
-            </a:pPr>
-            <a:r>
-              <a:rPr lang="en" sz="1800"/>
-              <a:t>Included calculations:</a:t>
-            </a:r>
-            <a:endParaRPr sz="1800"/>
-          </a:p>
-          <a:p>
-            <a:pPr indent="-342900" lvl="1" marL="914400" rtl="0" algn="l">
-              <a:spcBef>
-                <a:spcPts val="0"/>
-              </a:spcBef>
-              <a:spcAft>
-                <a:spcPts val="0"/>
-              </a:spcAft>
-              <a:buSzPts val="1800"/>
-              <a:buChar char="○"/>
-            </a:pPr>
-            <a:r>
-              <a:rPr lang="en" sz="1800"/>
-              <a:t>Pearson</a:t>
-            </a:r>
-            <a:endParaRPr sz="1800"/>
-          </a:p>
-          <a:p>
-            <a:pPr indent="-342900" lvl="1" marL="914400" rtl="0" algn="l">
-              <a:spcBef>
-                <a:spcPts val="0"/>
-              </a:spcBef>
-              <a:spcAft>
-                <a:spcPts val="0"/>
-              </a:spcAft>
-              <a:buSzPts val="1800"/>
-              <a:buChar char="○"/>
-            </a:pPr>
-            <a:r>
-              <a:rPr lang="en" sz="1800"/>
-              <a:t>Euclidean</a:t>
-            </a:r>
-            <a:endParaRPr sz="1800"/>
-          </a:p>
-          <a:p>
-            <a:pPr indent="-342900" lvl="2" marL="1371600" rtl="0" algn="l">
-              <a:spcBef>
-                <a:spcPts val="0"/>
-              </a:spcBef>
-              <a:spcAft>
-                <a:spcPts val="0"/>
-              </a:spcAft>
-              <a:buSzPts val="1800"/>
-              <a:buChar char="■"/>
-            </a:pPr>
-            <a:r>
-              <a:rPr lang="en" sz="1800"/>
-              <a:t>Best RMSE of 1.2234</a:t>
-            </a:r>
-            <a:endParaRPr sz="1800"/>
-          </a:p>
-          <a:p>
-            <a:pPr indent="-342900" lvl="1" marL="914400" rtl="0" algn="l">
-              <a:spcBef>
-                <a:spcPts val="0"/>
-              </a:spcBef>
-              <a:spcAft>
-                <a:spcPts val="0"/>
-              </a:spcAft>
-              <a:buSzPts val="1800"/>
-              <a:buChar char="○"/>
-            </a:pPr>
-            <a:r>
-              <a:rPr lang="en" sz="1800"/>
-              <a:t>Cosine</a:t>
-            </a:r>
-            <a:endParaRPr sz="1800"/>
-          </a:p>
-          <a:p>
-            <a:pPr indent="-342900" lvl="1" marL="914400" rtl="0" algn="l">
-              <a:spcBef>
-                <a:spcPts val="0"/>
-              </a:spcBef>
-              <a:spcAft>
-                <a:spcPts val="0"/>
-              </a:spcAft>
-              <a:buSzPts val="1800"/>
-              <a:buChar char="○"/>
-            </a:pPr>
-            <a:r>
-              <a:rPr lang="en" sz="1800"/>
-              <a:t>Jaccard</a:t>
-            </a:r>
-            <a:endParaRPr sz="1800"/>
-          </a:p>
-          <a:p>
-            <a:pPr indent="0" lvl="0" marL="0" rtl="0" algn="l">
-              <a:spcBef>
-                <a:spcPts val="1200"/>
-              </a:spcBef>
-              <a:spcAft>
-                <a:spcPts val="0"/>
-              </a:spcAft>
-              <a:buNone/>
-            </a:pPr>
-            <a:r>
-              <a:t/>
-            </a:r>
-            <a:endParaRPr sz="1800"/>
-          </a:p>
-          <a:p>
-            <a:pPr indent="0" lvl="0" marL="0" rtl="0" algn="l">
-              <a:spcBef>
-                <a:spcPts val="1200"/>
-              </a:spcBef>
-              <a:spcAft>
-                <a:spcPts val="1200"/>
-              </a:spcAft>
-              <a:buNone/>
-            </a:pPr>
-            <a:r>
-              <a:t/>
-            </a:r>
-            <a:endParaRPr sz="1800"/>
-          </a:p>
-        </p:txBody>
-      </p:sp>
-      <p:sp>
-        <p:nvSpPr>
-          <p:cNvPr id="185" name="Google Shape;185;p21"/>
-          <p:cNvSpPr txBox="1"/>
-          <p:nvPr>
-            <p:ph idx="2" type="body"/>
-          </p:nvPr>
-        </p:nvSpPr>
-        <p:spPr>
-          <a:xfrm>
-            <a:off x="4933221" y="1567550"/>
-            <a:ext cx="3403200" cy="2911200"/>
-          </a:xfrm>
-          <a:prstGeom prst="rect">
-            <a:avLst/>
-          </a:prstGeom>
-        </p:spPr>
-        <p:txBody>
-          <a:bodyPr anchorCtr="0" anchor="t" bIns="91425" lIns="91425" spcFirstLastPara="1" rIns="91425" wrap="square" tIns="91425">
-            <a:normAutofit/>
-          </a:bodyPr>
-          <a:lstStyle/>
-          <a:p>
-            <a:pPr indent="-342900" lvl="0" marL="457200" rtl="0" algn="l">
-              <a:spcBef>
-                <a:spcPts val="0"/>
-              </a:spcBef>
-              <a:spcAft>
-                <a:spcPts val="0"/>
-              </a:spcAft>
-              <a:buSzPts val="1800"/>
-              <a:buChar char="●"/>
-            </a:pPr>
-            <a:r>
-              <a:rPr lang="en" sz="1800"/>
-              <a:t>In all cases, they were: </a:t>
-            </a:r>
-            <a:endParaRPr sz="1800"/>
-          </a:p>
-          <a:p>
-            <a:pPr indent="-342900" lvl="1" marL="914400" rtl="0" algn="l">
-              <a:spcBef>
-                <a:spcPts val="0"/>
-              </a:spcBef>
-              <a:spcAft>
-                <a:spcPts val="0"/>
-              </a:spcAft>
-              <a:buSzPts val="1800"/>
-              <a:buChar char="○"/>
-            </a:pPr>
-            <a:r>
-              <a:rPr lang="en" sz="1800"/>
-              <a:t>very close to one another</a:t>
-            </a:r>
-            <a:endParaRPr sz="1800"/>
-          </a:p>
-          <a:p>
-            <a:pPr indent="-342900" lvl="1" marL="914400" rtl="0" algn="l">
-              <a:spcBef>
-                <a:spcPts val="0"/>
-              </a:spcBef>
-              <a:spcAft>
-                <a:spcPts val="0"/>
-              </a:spcAft>
-              <a:buSzPts val="1800"/>
-              <a:buChar char="○"/>
-            </a:pPr>
-            <a:r>
-              <a:rPr lang="en" sz="1800"/>
-              <a:t>better than v1</a:t>
-            </a:r>
-            <a:endParaRPr sz="1800"/>
-          </a:p>
-          <a:p>
-            <a:pPr indent="-342900" lvl="1" marL="914400" rtl="0" algn="l">
-              <a:spcBef>
-                <a:spcPts val="0"/>
-              </a:spcBef>
-              <a:spcAft>
-                <a:spcPts val="0"/>
-              </a:spcAft>
-              <a:buSzPts val="1800"/>
-              <a:buChar char="○"/>
-            </a:pPr>
-            <a:r>
-              <a:rPr lang="en" sz="1800"/>
-              <a:t>worse than the best baseline </a:t>
-            </a:r>
-            <a:endParaRPr/>
           </a:p>
         </p:txBody>
       </p:sp>
@@ -13349,6 +15713,285 @@
 </file>
 
 <file path=ppt/theme/theme1.xml><?xml version="1.0" encoding="utf-8"?>
+<a:theme xmlns:a="http://schemas.openxmlformats.org/drawingml/2006/main" xmlns:r="http://schemas.openxmlformats.org/officeDocument/2006/relationships">
+  <a:themeElements>
+    <a:clrScheme name="Default">
+      <a:dk1>
+        <a:srgbClr val="000000"/>
+      </a:dk1>
+      <a:lt1>
+        <a:srgbClr val="FFFFFF"/>
+      </a:lt1>
+      <a:dk2>
+        <a:srgbClr val="158158"/>
+      </a:dk2>
+      <a:lt2>
+        <a:srgbClr val="F3F3F3"/>
+      </a:lt2>
+      <a:accent1>
+        <a:srgbClr val="058DC7"/>
+      </a:accent1>
+      <a:accent2>
+        <a:srgbClr val="50B432"/>
+      </a:accent2>
+      <a:accent3>
+        <a:srgbClr val="ED561B"/>
+      </a:accent3>
+      <a:accent4>
+        <a:srgbClr val="EDEF00"/>
+      </a:accent4>
+      <a:accent5>
+        <a:srgbClr val="24CBE5"/>
+      </a:accent5>
+      <a:accent6>
+        <a:srgbClr val="64E572"/>
+      </a:accent6>
+      <a:hlink>
+        <a:srgbClr val="2200CC"/>
+      </a:hlink>
+      <a:folHlink>
+        <a:srgbClr val="551A8B"/>
+      </a:folHlink>
+    </a:clrScheme>
+    <a:fontScheme name="Office">
+      <a:majorFont>
+        <a:latin typeface="Arial"/>
+        <a:ea typeface=""/>
+        <a:cs typeface=""/>
+        <a:font script="Jpan" typeface="ＭＳ Ｐゴシック"/>
+        <a:font script="Hang" typeface="맑은 고딕"/>
+        <a:font script="Hans" typeface="宋体"/>
+        <a:font script="Hant" typeface="新細明體"/>
+        <a:font script="Arab" typeface="Times New Roman"/>
+        <a:font script="Hebr" typeface="Times New Roman"/>
+        <a:font script="Thai" typeface="Angsana New"/>
+        <a:font script="Ethi" typeface="Nyala"/>
+        <a:font script="Beng" typeface="Vrinda"/>
+        <a:font script="Gujr" typeface="Shruti"/>
+        <a:font script="Khmr" typeface="MoolBoran"/>
+        <a:font script="Knda" typeface="Tunga"/>
+        <a:font script="Guru" typeface="Raavi"/>
+        <a:font script="Cans" typeface="Euphemia"/>
+        <a:font script="Cher" typeface="Plantagenet Cherokee"/>
+        <a:font script="Yiii" typeface="Microsoft Yi Baiti"/>
+        <a:font script="Tibt" typeface="Microsoft Himalaya"/>
+        <a:font script="Thaa" typeface="MV Boli"/>
+        <a:font script="Deva" typeface="Mangal"/>
+        <a:font script="Telu" typeface="Gautami"/>
+        <a:font script="Taml" typeface="Latha"/>
+        <a:font script="Syrc" typeface="Estrangelo Edessa"/>
+        <a:font script="Orya" typeface="Kalinga"/>
+        <a:font script="Mlym" typeface="Kartika"/>
+        <a:font script="Laoo" typeface="DokChampa"/>
+        <a:font script="Sinh" typeface="Iskoola Pota"/>
+        <a:font script="Mong" typeface="Mongolian Baiti"/>
+        <a:font script="Viet" typeface="Times New Roman"/>
+        <a:font script="Uigh" typeface="Microsoft Uighur"/>
+        <a:font script="Geor" typeface="Sylfaen"/>
+      </a:majorFont>
+      <a:minorFont>
+        <a:latin typeface="Arial"/>
+        <a:ea typeface=""/>
+        <a:cs typeface=""/>
+        <a:font script="Jpan" typeface="ＭＳ Ｐゴシック"/>
+        <a:font script="Hang" typeface="맑은 고딕"/>
+        <a:font script="Hans" typeface="宋体"/>
+        <a:font script="Hant" typeface="新細明體"/>
+        <a:font script="Arab" typeface="Arial"/>
+        <a:font script="Hebr" typeface="Arial"/>
+        <a:font script="Thai" typeface="Cordia New"/>
+        <a:font script="Ethi" typeface="Nyala"/>
+        <a:font script="Beng" typeface="Vrinda"/>
+        <a:font script="Gujr" typeface="Shruti"/>
+        <a:font script="Khmr" typeface="DaunPenh"/>
+        <a:font script="Knda" typeface="Tunga"/>
+        <a:font script="Guru" typeface="Raavi"/>
+        <a:font script="Cans" typeface="Euphemia"/>
+        <a:font script="Cher" typeface="Plantagenet Cherokee"/>
+        <a:font script="Yiii" typeface="Microsoft Yi Baiti"/>
+        <a:font script="Tibt" typeface="Microsoft Himalaya"/>
+        <a:font script="Thaa" typeface="MV Boli"/>
+        <a:font script="Deva" typeface="Mangal"/>
+        <a:font script="Telu" typeface="Gautami"/>
+        <a:font script="Taml" typeface="Latha"/>
+        <a:font script="Syrc" typeface="Estrangelo Edessa"/>
+        <a:font script="Orya" typeface="Kalinga"/>
+        <a:font script="Mlym" typeface="Kartika"/>
+        <a:font script="Laoo" typeface="DokChampa"/>
+        <a:font script="Sinh" typeface="Iskoola Pota"/>
+        <a:font script="Mong" typeface="Mongolian Baiti"/>
+        <a:font script="Viet" typeface="Arial"/>
+        <a:font script="Uigh" typeface="Microsoft Uighur"/>
+        <a:font script="Geor" typeface="Sylfaen"/>
+      </a:minorFont>
+    </a:fontScheme>
+    <a:fmtScheme name="Office">
+      <a:fillStyleLst>
+        <a:solidFill>
+          <a:schemeClr val="phClr"/>
+        </a:solidFill>
+        <a:gradFill rotWithShape="1">
+          <a:gsLst>
+            <a:gs pos="0">
+              <a:schemeClr val="phClr">
+                <a:tint val="50000"/>
+                <a:satMod val="300000"/>
+              </a:schemeClr>
+            </a:gs>
+            <a:gs pos="35000">
+              <a:schemeClr val="phClr">
+                <a:tint val="37000"/>
+                <a:satMod val="300000"/>
+              </a:schemeClr>
+            </a:gs>
+            <a:gs pos="100000">
+              <a:schemeClr val="phClr">
+                <a:tint val="15000"/>
+                <a:satMod val="350000"/>
+              </a:schemeClr>
+            </a:gs>
+          </a:gsLst>
+          <a:lin ang="16200000" scaled="1"/>
+        </a:gradFill>
+        <a:gradFill rotWithShape="1">
+          <a:gsLst>
+            <a:gs pos="0">
+              <a:schemeClr val="phClr">
+                <a:tint val="100000"/>
+                <a:shade val="100000"/>
+                <a:satMod val="130000"/>
+              </a:schemeClr>
+            </a:gs>
+            <a:gs pos="100000">
+              <a:schemeClr val="phClr">
+                <a:tint val="50000"/>
+                <a:shade val="100000"/>
+                <a:satMod val="350000"/>
+              </a:schemeClr>
+            </a:gs>
+          </a:gsLst>
+          <a:lin ang="16200000" scaled="0"/>
+        </a:gradFill>
+      </a:fillStyleLst>
+      <a:lnStyleLst>
+        <a:ln w="9525" cap="flat" cmpd="sng" algn="ctr">
+          <a:solidFill>
+            <a:schemeClr val="phClr">
+              <a:shade val="95000"/>
+              <a:satMod val="105000"/>
+            </a:schemeClr>
+          </a:solidFill>
+          <a:prstDash val="solid"/>
+        </a:ln>
+        <a:ln w="25400" cap="flat" cmpd="sng" algn="ctr">
+          <a:solidFill>
+            <a:schemeClr val="phClr"/>
+          </a:solidFill>
+          <a:prstDash val="solid"/>
+        </a:ln>
+        <a:ln w="38100" cap="flat" cmpd="sng" algn="ctr">
+          <a:solidFill>
+            <a:schemeClr val="phClr"/>
+          </a:solidFill>
+          <a:prstDash val="solid"/>
+        </a:ln>
+      </a:lnStyleLst>
+      <a:effectStyleLst>
+        <a:effectStyle>
+          <a:effectLst>
+            <a:outerShdw blurRad="40000" dist="20000" dir="5400000" rotWithShape="0">
+              <a:srgbClr val="000000">
+                <a:alpha val="38000"/>
+              </a:srgbClr>
+            </a:outerShdw>
+          </a:effectLst>
+        </a:effectStyle>
+        <a:effectStyle>
+          <a:effectLst>
+            <a:outerShdw blurRad="40000" dist="23000" dir="5400000" rotWithShape="0">
+              <a:srgbClr val="000000">
+                <a:alpha val="35000"/>
+              </a:srgbClr>
+            </a:outerShdw>
+          </a:effectLst>
+        </a:effectStyle>
+        <a:effectStyle>
+          <a:effectLst>
+            <a:outerShdw blurRad="40000" dist="23000" dir="5400000" rotWithShape="0">
+              <a:srgbClr val="000000">
+                <a:alpha val="35000"/>
+              </a:srgbClr>
+            </a:outerShdw>
+          </a:effectLst>
+          <a:scene3d>
+            <a:camera prst="orthographicFront">
+              <a:rot lat="0" lon="0" rev="0"/>
+            </a:camera>
+            <a:lightRig rig="threePt" dir="t">
+              <a:rot lat="0" lon="0" rev="1200000"/>
+            </a:lightRig>
+          </a:scene3d>
+          <a:sp3d>
+            <a:bevelT w="63500" h="25400"/>
+          </a:sp3d>
+        </a:effectStyle>
+      </a:effectStyleLst>
+      <a:bgFillStyleLst>
+        <a:solidFill>
+          <a:schemeClr val="phClr"/>
+        </a:solidFill>
+        <a:gradFill rotWithShape="1">
+          <a:gsLst>
+            <a:gs pos="0">
+              <a:schemeClr val="phClr">
+                <a:tint val="40000"/>
+                <a:satMod val="350000"/>
+              </a:schemeClr>
+            </a:gs>
+            <a:gs pos="40000">
+              <a:schemeClr val="phClr">
+                <a:tint val="45000"/>
+                <a:shade val="99000"/>
+                <a:satMod val="350000"/>
+              </a:schemeClr>
+            </a:gs>
+            <a:gs pos="100000">
+              <a:schemeClr val="phClr">
+                <a:shade val="20000"/>
+                <a:satMod val="255000"/>
+              </a:schemeClr>
+            </a:gs>
+          </a:gsLst>
+          <a:path path="circle">
+            <a:fillToRect l="50000" t="-80000" r="50000" b="180000"/>
+          </a:path>
+        </a:gradFill>
+        <a:gradFill rotWithShape="1">
+          <a:gsLst>
+            <a:gs pos="0">
+              <a:schemeClr val="phClr">
+                <a:tint val="80000"/>
+                <a:satMod val="300000"/>
+              </a:schemeClr>
+            </a:gs>
+            <a:gs pos="100000">
+              <a:schemeClr val="phClr">
+                <a:shade val="30000"/>
+                <a:satMod val="200000"/>
+              </a:schemeClr>
+            </a:gs>
+          </a:gsLst>
+          <a:path path="circle">
+            <a:fillToRect l="50000" t="50000" r="50000" b="50000"/>
+          </a:path>
+        </a:gradFill>
+      </a:bgFillStyleLst>
+    </a:fmtScheme>
+  </a:themeElements>
+</a:theme>
+</file>
+
+<file path=ppt/theme/theme2.xml><?xml version="1.0" encoding="utf-8"?>
 <a:theme xmlns:a="http://schemas.openxmlformats.org/drawingml/2006/main" xmlns:r="http://schemas.openxmlformats.org/officeDocument/2006/relationships" name="Focus">
   <a:themeElements>
     <a:clrScheme name="Focus">
@@ -13625,283 +16268,4 @@
     </a:fmtScheme>
   </a:themeElements>
 </a:theme>
-</file>
-
-<file path=ppt/theme/theme2.xml><?xml version="1.0" encoding="utf-8"?>
-<a:theme xmlns:a="http://schemas.openxmlformats.org/drawingml/2006/main" xmlns:r="http://schemas.openxmlformats.org/officeDocument/2006/relationships">
-  <a:themeElements>
-    <a:clrScheme name="Default">
-      <a:dk1>
-        <a:srgbClr val="000000"/>
-      </a:dk1>
-      <a:lt1>
-        <a:srgbClr val="FFFFFF"/>
-      </a:lt1>
-      <a:dk2>
-        <a:srgbClr val="158158"/>
-      </a:dk2>
-      <a:lt2>
-        <a:srgbClr val="F3F3F3"/>
-      </a:lt2>
-      <a:accent1>
-        <a:srgbClr val="058DC7"/>
-      </a:accent1>
-      <a:accent2>
-        <a:srgbClr val="50B432"/>
-      </a:accent2>
-      <a:accent3>
-        <a:srgbClr val="ED561B"/>
-      </a:accent3>
-      <a:accent4>
-        <a:srgbClr val="EDEF00"/>
-      </a:accent4>
-      <a:accent5>
-        <a:srgbClr val="24CBE5"/>
-      </a:accent5>
-      <a:accent6>
-        <a:srgbClr val="64E572"/>
-      </a:accent6>
-      <a:hlink>
-        <a:srgbClr val="2200CC"/>
-      </a:hlink>
-      <a:folHlink>
-        <a:srgbClr val="551A8B"/>
-      </a:folHlink>
-    </a:clrScheme>
-    <a:fontScheme name="Office">
-      <a:majorFont>
-        <a:latin typeface="Arial"/>
-        <a:ea typeface=""/>
-        <a:cs typeface=""/>
-        <a:font script="Jpan" typeface="ＭＳ Ｐゴシック"/>
-        <a:font script="Hang" typeface="맑은 고딕"/>
-        <a:font script="Hans" typeface="宋体"/>
-        <a:font script="Hant" typeface="新細明體"/>
-        <a:font script="Arab" typeface="Times New Roman"/>
-        <a:font script="Hebr" typeface="Times New Roman"/>
-        <a:font script="Thai" typeface="Angsana New"/>
-        <a:font script="Ethi" typeface="Nyala"/>
-        <a:font script="Beng" typeface="Vrinda"/>
-        <a:font script="Gujr" typeface="Shruti"/>
-        <a:font script="Khmr" typeface="MoolBoran"/>
-        <a:font script="Knda" typeface="Tunga"/>
-        <a:font script="Guru" typeface="Raavi"/>
-        <a:font script="Cans" typeface="Euphemia"/>
-        <a:font script="Cher" typeface="Plantagenet Cherokee"/>
-        <a:font script="Yiii" typeface="Microsoft Yi Baiti"/>
-        <a:font script="Tibt" typeface="Microsoft Himalaya"/>
-        <a:font script="Thaa" typeface="MV Boli"/>
-        <a:font script="Deva" typeface="Mangal"/>
-        <a:font script="Telu" typeface="Gautami"/>
-        <a:font script="Taml" typeface="Latha"/>
-        <a:font script="Syrc" typeface="Estrangelo Edessa"/>
-        <a:font script="Orya" typeface="Kalinga"/>
-        <a:font script="Mlym" typeface="Kartika"/>
-        <a:font script="Laoo" typeface="DokChampa"/>
-        <a:font script="Sinh" typeface="Iskoola Pota"/>
-        <a:font script="Mong" typeface="Mongolian Baiti"/>
-        <a:font script="Viet" typeface="Times New Roman"/>
-        <a:font script="Uigh" typeface="Microsoft Uighur"/>
-        <a:font script="Geor" typeface="Sylfaen"/>
-      </a:majorFont>
-      <a:minorFont>
-        <a:latin typeface="Arial"/>
-        <a:ea typeface=""/>
-        <a:cs typeface=""/>
-        <a:font script="Jpan" typeface="ＭＳ Ｐゴシック"/>
-        <a:font script="Hang" typeface="맑은 고딕"/>
-        <a:font script="Hans" typeface="宋体"/>
-        <a:font script="Hant" typeface="新細明體"/>
-        <a:font script="Arab" typeface="Arial"/>
-        <a:font script="Hebr" typeface="Arial"/>
-        <a:font script="Thai" typeface="Cordia New"/>
-        <a:font script="Ethi" typeface="Nyala"/>
-        <a:font script="Beng" typeface="Vrinda"/>
-        <a:font script="Gujr" typeface="Shruti"/>
-        <a:font script="Khmr" typeface="DaunPenh"/>
-        <a:font script="Knda" typeface="Tunga"/>
-        <a:font script="Guru" typeface="Raavi"/>
-        <a:font script="Cans" typeface="Euphemia"/>
-        <a:font script="Cher" typeface="Plantagenet Cherokee"/>
-        <a:font script="Yiii" typeface="Microsoft Yi Baiti"/>
-        <a:font script="Tibt" typeface="Microsoft Himalaya"/>
-        <a:font script="Thaa" typeface="MV Boli"/>
-        <a:font script="Deva" typeface="Mangal"/>
-        <a:font script="Telu" typeface="Gautami"/>
-        <a:font script="Taml" typeface="Latha"/>
-        <a:font script="Syrc" typeface="Estrangelo Edessa"/>
-        <a:font script="Orya" typeface="Kalinga"/>
-        <a:font script="Mlym" typeface="Kartika"/>
-        <a:font script="Laoo" typeface="DokChampa"/>
-        <a:font script="Sinh" typeface="Iskoola Pota"/>
-        <a:font script="Mong" typeface="Mongolian Baiti"/>
-        <a:font script="Viet" typeface="Arial"/>
-        <a:font script="Uigh" typeface="Microsoft Uighur"/>
-        <a:font script="Geor" typeface="Sylfaen"/>
-      </a:minorFont>
-    </a:fontScheme>
-    <a:fmtScheme name="Office">
-      <a:fillStyleLst>
-        <a:solidFill>
-          <a:schemeClr val="phClr"/>
-        </a:solidFill>
-        <a:gradFill rotWithShape="1">
-          <a:gsLst>
-            <a:gs pos="0">
-              <a:schemeClr val="phClr">
-                <a:tint val="50000"/>
-                <a:satMod val="300000"/>
-              </a:schemeClr>
-            </a:gs>
-            <a:gs pos="35000">
-              <a:schemeClr val="phClr">
-                <a:tint val="37000"/>
-                <a:satMod val="300000"/>
-              </a:schemeClr>
-            </a:gs>
-            <a:gs pos="100000">
-              <a:schemeClr val="phClr">
-                <a:tint val="15000"/>
-                <a:satMod val="350000"/>
-              </a:schemeClr>
-            </a:gs>
-          </a:gsLst>
-          <a:lin ang="16200000" scaled="1"/>
-        </a:gradFill>
-        <a:gradFill rotWithShape="1">
-          <a:gsLst>
-            <a:gs pos="0">
-              <a:schemeClr val="phClr">
-                <a:tint val="100000"/>
-                <a:shade val="100000"/>
-                <a:satMod val="130000"/>
-              </a:schemeClr>
-            </a:gs>
-            <a:gs pos="100000">
-              <a:schemeClr val="phClr">
-                <a:tint val="50000"/>
-                <a:shade val="100000"/>
-                <a:satMod val="350000"/>
-              </a:schemeClr>
-            </a:gs>
-          </a:gsLst>
-          <a:lin ang="16200000" scaled="0"/>
-        </a:gradFill>
-      </a:fillStyleLst>
-      <a:lnStyleLst>
-        <a:ln w="9525" cap="flat" cmpd="sng" algn="ctr">
-          <a:solidFill>
-            <a:schemeClr val="phClr">
-              <a:shade val="95000"/>
-              <a:satMod val="105000"/>
-            </a:schemeClr>
-          </a:solidFill>
-          <a:prstDash val="solid"/>
-        </a:ln>
-        <a:ln w="25400" cap="flat" cmpd="sng" algn="ctr">
-          <a:solidFill>
-            <a:schemeClr val="phClr"/>
-          </a:solidFill>
-          <a:prstDash val="solid"/>
-        </a:ln>
-        <a:ln w="38100" cap="flat" cmpd="sng" algn="ctr">
-          <a:solidFill>
-            <a:schemeClr val="phClr"/>
-          </a:solidFill>
-          <a:prstDash val="solid"/>
-        </a:ln>
-      </a:lnStyleLst>
-      <a:effectStyleLst>
-        <a:effectStyle>
-          <a:effectLst>
-            <a:outerShdw blurRad="40000" dist="20000" dir="5400000" rotWithShape="0">
-              <a:srgbClr val="000000">
-                <a:alpha val="38000"/>
-              </a:srgbClr>
-            </a:outerShdw>
-          </a:effectLst>
-        </a:effectStyle>
-        <a:effectStyle>
-          <a:effectLst>
-            <a:outerShdw blurRad="40000" dist="23000" dir="5400000" rotWithShape="0">
-              <a:srgbClr val="000000">
-                <a:alpha val="35000"/>
-              </a:srgbClr>
-            </a:outerShdw>
-          </a:effectLst>
-        </a:effectStyle>
-        <a:effectStyle>
-          <a:effectLst>
-            <a:outerShdw blurRad="40000" dist="23000" dir="5400000" rotWithShape="0">
-              <a:srgbClr val="000000">
-                <a:alpha val="35000"/>
-              </a:srgbClr>
-            </a:outerShdw>
-          </a:effectLst>
-          <a:scene3d>
-            <a:camera prst="orthographicFront">
-              <a:rot lat="0" lon="0" rev="0"/>
-            </a:camera>
-            <a:lightRig rig="threePt" dir="t">
-              <a:rot lat="0" lon="0" rev="1200000"/>
-            </a:lightRig>
-          </a:scene3d>
-          <a:sp3d>
-            <a:bevelT w="63500" h="25400"/>
-          </a:sp3d>
-        </a:effectStyle>
-      </a:effectStyleLst>
-      <a:bgFillStyleLst>
-        <a:solidFill>
-          <a:schemeClr val="phClr"/>
-        </a:solidFill>
-        <a:gradFill rotWithShape="1">
-          <a:gsLst>
-            <a:gs pos="0">
-              <a:schemeClr val="phClr">
-                <a:tint val="40000"/>
-                <a:satMod val="350000"/>
-              </a:schemeClr>
-            </a:gs>
-            <a:gs pos="40000">
-              <a:schemeClr val="phClr">
-                <a:tint val="45000"/>
-                <a:shade val="99000"/>
-                <a:satMod val="350000"/>
-              </a:schemeClr>
-            </a:gs>
-            <a:gs pos="100000">
-              <a:schemeClr val="phClr">
-                <a:shade val="20000"/>
-                <a:satMod val="255000"/>
-              </a:schemeClr>
-            </a:gs>
-          </a:gsLst>
-          <a:path path="circle">
-            <a:fillToRect l="50000" t="-80000" r="50000" b="180000"/>
-          </a:path>
-        </a:gradFill>
-        <a:gradFill rotWithShape="1">
-          <a:gsLst>
-            <a:gs pos="0">
-              <a:schemeClr val="phClr">
-                <a:tint val="80000"/>
-                <a:satMod val="300000"/>
-              </a:schemeClr>
-            </a:gs>
-            <a:gs pos="100000">
-              <a:schemeClr val="phClr">
-                <a:shade val="30000"/>
-                <a:satMod val="200000"/>
-              </a:schemeClr>
-            </a:gs>
-          </a:gsLst>
-          <a:path path="circle">
-            <a:fillToRect l="50000" t="50000" r="50000" b="50000"/>
-          </a:path>
-        </a:gradFill>
-      </a:bgFillStyleLst>
-    </a:fmtScheme>
-  </a:themeElements>
-</a:theme>
 </file>